--- a/pvalues.pptx
+++ b/pvalues.pptx
@@ -6972,6 +6972,9 @@
             <a:pPr lvl="1"/>
             <a:r>
               <a:rPr lang="en-GB" dirty="0">
+                <a:solidFill>
+                  <a:schemeClr val="tx1"/>
+                </a:solidFill>
                 <a:highlight>
                   <a:srgbClr val="FFFF00"/>
                 </a:highlight>
@@ -7055,7 +7058,7 @@
                             </p:stCondLst>
                             <p:childTnLst>
                               <p:par>
-                                <p:cTn id="5" presetID="1" presetClass="entr" presetSubtype="0" fill="hold" nodeType="clickEffect">
+                                <p:cTn id="5" presetID="1" presetClass="entr" presetSubtype="0" fill="hold" grpId="0" nodeType="clickEffect">
                                   <p:stCondLst>
                                     <p:cond delay="0"/>
                                   </p:stCondLst>
@@ -7063,6 +7066,259 @@
                                     <p:set>
                                       <p:cBhvr>
                                         <p:cTn id="6" dur="1" fill="hold">
+                                          <p:stCondLst>
+                                            <p:cond delay="0"/>
+                                          </p:stCondLst>
+                                        </p:cTn>
+                                        <p:tgtEl>
+                                          <p:spTgt spid="3">
+                                            <p:txEl>
+                                              <p:pRg st="1" end="1"/>
+                                            </p:txEl>
+                                          </p:spTgt>
+                                        </p:tgtEl>
+                                        <p:attrNameLst>
+                                          <p:attrName>style.visibility</p:attrName>
+                                        </p:attrNameLst>
+                                      </p:cBhvr>
+                                      <p:to>
+                                        <p:strVal val="visible"/>
+                                      </p:to>
+                                    </p:set>
+                                  </p:childTnLst>
+                                </p:cTn>
+                              </p:par>
+                            </p:childTnLst>
+                          </p:cTn>
+                        </p:par>
+                      </p:childTnLst>
+                    </p:cTn>
+                  </p:par>
+                  <p:par>
+                    <p:cTn id="7" fill="hold">
+                      <p:stCondLst>
+                        <p:cond delay="indefinite"/>
+                      </p:stCondLst>
+                      <p:childTnLst>
+                        <p:par>
+                          <p:cTn id="8" fill="hold">
+                            <p:stCondLst>
+                              <p:cond delay="0"/>
+                            </p:stCondLst>
+                            <p:childTnLst>
+                              <p:par>
+                                <p:cTn id="9" presetID="1" presetClass="entr" presetSubtype="0" fill="hold" grpId="0" nodeType="clickEffect">
+                                  <p:stCondLst>
+                                    <p:cond delay="0"/>
+                                  </p:stCondLst>
+                                  <p:childTnLst>
+                                    <p:set>
+                                      <p:cBhvr>
+                                        <p:cTn id="10" dur="1" fill="hold">
+                                          <p:stCondLst>
+                                            <p:cond delay="0"/>
+                                          </p:stCondLst>
+                                        </p:cTn>
+                                        <p:tgtEl>
+                                          <p:spTgt spid="3">
+                                            <p:txEl>
+                                              <p:pRg st="3" end="3"/>
+                                            </p:txEl>
+                                          </p:spTgt>
+                                        </p:tgtEl>
+                                        <p:attrNameLst>
+                                          <p:attrName>style.visibility</p:attrName>
+                                        </p:attrNameLst>
+                                      </p:cBhvr>
+                                      <p:to>
+                                        <p:strVal val="visible"/>
+                                      </p:to>
+                                    </p:set>
+                                  </p:childTnLst>
+                                </p:cTn>
+                              </p:par>
+                              <p:par>
+                                <p:cTn id="11" presetID="1" presetClass="entr" presetSubtype="0" fill="hold" grpId="0" nodeType="withEffect">
+                                  <p:stCondLst>
+                                    <p:cond delay="0"/>
+                                  </p:stCondLst>
+                                  <p:childTnLst>
+                                    <p:set>
+                                      <p:cBhvr>
+                                        <p:cTn id="12" dur="1" fill="hold">
+                                          <p:stCondLst>
+                                            <p:cond delay="0"/>
+                                          </p:stCondLst>
+                                        </p:cTn>
+                                        <p:tgtEl>
+                                          <p:spTgt spid="3">
+                                            <p:txEl>
+                                              <p:pRg st="4" end="4"/>
+                                            </p:txEl>
+                                          </p:spTgt>
+                                        </p:tgtEl>
+                                        <p:attrNameLst>
+                                          <p:attrName>style.visibility</p:attrName>
+                                        </p:attrNameLst>
+                                      </p:cBhvr>
+                                      <p:to>
+                                        <p:strVal val="visible"/>
+                                      </p:to>
+                                    </p:set>
+                                  </p:childTnLst>
+                                </p:cTn>
+                              </p:par>
+                              <p:par>
+                                <p:cTn id="13" presetID="1" presetClass="entr" presetSubtype="0" fill="hold" grpId="0" nodeType="withEffect">
+                                  <p:stCondLst>
+                                    <p:cond delay="0"/>
+                                  </p:stCondLst>
+                                  <p:childTnLst>
+                                    <p:set>
+                                      <p:cBhvr>
+                                        <p:cTn id="14" dur="1" fill="hold">
+                                          <p:stCondLst>
+                                            <p:cond delay="0"/>
+                                          </p:stCondLst>
+                                        </p:cTn>
+                                        <p:tgtEl>
+                                          <p:spTgt spid="3">
+                                            <p:txEl>
+                                              <p:pRg st="5" end="5"/>
+                                            </p:txEl>
+                                          </p:spTgt>
+                                        </p:tgtEl>
+                                        <p:attrNameLst>
+                                          <p:attrName>style.visibility</p:attrName>
+                                        </p:attrNameLst>
+                                      </p:cBhvr>
+                                      <p:to>
+                                        <p:strVal val="visible"/>
+                                      </p:to>
+                                    </p:set>
+                                  </p:childTnLst>
+                                </p:cTn>
+                              </p:par>
+                              <p:par>
+                                <p:cTn id="15" presetID="1" presetClass="entr" presetSubtype="0" fill="hold" grpId="0" nodeType="withEffect">
+                                  <p:stCondLst>
+                                    <p:cond delay="0"/>
+                                  </p:stCondLst>
+                                  <p:childTnLst>
+                                    <p:set>
+                                      <p:cBhvr>
+                                        <p:cTn id="16" dur="1" fill="hold">
+                                          <p:stCondLst>
+                                            <p:cond delay="0"/>
+                                          </p:stCondLst>
+                                        </p:cTn>
+                                        <p:tgtEl>
+                                          <p:spTgt spid="3">
+                                            <p:txEl>
+                                              <p:pRg st="6" end="6"/>
+                                            </p:txEl>
+                                          </p:spTgt>
+                                        </p:tgtEl>
+                                        <p:attrNameLst>
+                                          <p:attrName>style.visibility</p:attrName>
+                                        </p:attrNameLst>
+                                      </p:cBhvr>
+                                      <p:to>
+                                        <p:strVal val="visible"/>
+                                      </p:to>
+                                    </p:set>
+                                  </p:childTnLst>
+                                </p:cTn>
+                              </p:par>
+                              <p:par>
+                                <p:cTn id="17" presetID="1" presetClass="entr" presetSubtype="0" fill="hold" grpId="0" nodeType="withEffect">
+                                  <p:stCondLst>
+                                    <p:cond delay="0"/>
+                                  </p:stCondLst>
+                                  <p:childTnLst>
+                                    <p:set>
+                                      <p:cBhvr>
+                                        <p:cTn id="18" dur="1" fill="hold">
+                                          <p:stCondLst>
+                                            <p:cond delay="0"/>
+                                          </p:stCondLst>
+                                        </p:cTn>
+                                        <p:tgtEl>
+                                          <p:spTgt spid="3">
+                                            <p:txEl>
+                                              <p:pRg st="7" end="7"/>
+                                            </p:txEl>
+                                          </p:spTgt>
+                                        </p:tgtEl>
+                                        <p:attrNameLst>
+                                          <p:attrName>style.visibility</p:attrName>
+                                        </p:attrNameLst>
+                                      </p:cBhvr>
+                                      <p:to>
+                                        <p:strVal val="visible"/>
+                                      </p:to>
+                                    </p:set>
+                                  </p:childTnLst>
+                                </p:cTn>
+                              </p:par>
+                              <p:par>
+                                <p:cTn id="19" presetID="1" presetClass="entr" presetSubtype="0" fill="hold" grpId="0" nodeType="withEffect">
+                                  <p:stCondLst>
+                                    <p:cond delay="0"/>
+                                  </p:stCondLst>
+                                  <p:childTnLst>
+                                    <p:set>
+                                      <p:cBhvr>
+                                        <p:cTn id="20" dur="1" fill="hold">
+                                          <p:stCondLst>
+                                            <p:cond delay="0"/>
+                                          </p:stCondLst>
+                                        </p:cTn>
+                                        <p:tgtEl>
+                                          <p:spTgt spid="3">
+                                            <p:txEl>
+                                              <p:pRg st="8" end="8"/>
+                                            </p:txEl>
+                                          </p:spTgt>
+                                        </p:tgtEl>
+                                        <p:attrNameLst>
+                                          <p:attrName>style.visibility</p:attrName>
+                                        </p:attrNameLst>
+                                      </p:cBhvr>
+                                      <p:to>
+                                        <p:strVal val="visible"/>
+                                      </p:to>
+                                    </p:set>
+                                  </p:childTnLst>
+                                </p:cTn>
+                              </p:par>
+                            </p:childTnLst>
+                          </p:cTn>
+                        </p:par>
+                      </p:childTnLst>
+                    </p:cTn>
+                  </p:par>
+                  <p:par>
+                    <p:cTn id="21" fill="hold">
+                      <p:stCondLst>
+                        <p:cond delay="indefinite"/>
+                      </p:stCondLst>
+                      <p:childTnLst>
+                        <p:par>
+                          <p:cTn id="22" fill="hold">
+                            <p:stCondLst>
+                              <p:cond delay="0"/>
+                            </p:stCondLst>
+                            <p:childTnLst>
+                              <p:par>
+                                <p:cTn id="23" presetID="1" presetClass="entr" presetSubtype="0" fill="hold" nodeType="clickEffect">
+                                  <p:stCondLst>
+                                    <p:cond delay="0"/>
+                                  </p:stCondLst>
+                                  <p:childTnLst>
+                                    <p:set>
+                                      <p:cBhvr>
+                                        <p:cTn id="24" dur="1" fill="hold">
                                           <p:stCondLst>
                                             <p:cond delay="0"/>
                                           </p:stCondLst>
@@ -7108,6 +7364,9 @@
         </p:cTn>
       </p:par>
     </p:tnLst>
+    <p:bldLst>
+      <p:bldP spid="3" grpId="0" build="p"/>
+    </p:bldLst>
   </p:timing>
 </p:sld>
 </file>
@@ -7510,6 +7769,58 @@
           </a:p>
         </p:txBody>
       </p:sp>
+      <p:sp>
+        <p:nvSpPr>
+          <p:cNvPr id="4" name="Rectangle 3">
+            <a:extLst>
+              <a:ext uri="{FF2B5EF4-FFF2-40B4-BE49-F238E27FC236}">
+                <a16:creationId xmlns:a16="http://schemas.microsoft.com/office/drawing/2014/main" id="{24477BC1-BAE1-5748-275E-FE1CD5E8AE83}"/>
+              </a:ext>
+            </a:extLst>
+          </p:cNvPr>
+          <p:cNvSpPr/>
+          <p:nvPr/>
+        </p:nvSpPr>
+        <p:spPr>
+          <a:xfrm>
+            <a:off x="214009" y="5184842"/>
+            <a:ext cx="7003914" cy="1673157"/>
+          </a:xfrm>
+          <a:prstGeom prst="rect">
+            <a:avLst/>
+          </a:prstGeom>
+          <a:solidFill>
+            <a:schemeClr val="tx2"/>
+          </a:solidFill>
+          <a:ln>
+            <a:noFill/>
+          </a:ln>
+        </p:spPr>
+        <p:style>
+          <a:lnRef idx="2">
+            <a:schemeClr val="accent1">
+              <a:shade val="50000"/>
+            </a:schemeClr>
+          </a:lnRef>
+          <a:fillRef idx="1">
+            <a:schemeClr val="accent1"/>
+          </a:fillRef>
+          <a:effectRef idx="0">
+            <a:schemeClr val="accent1"/>
+          </a:effectRef>
+          <a:fontRef idx="minor">
+            <a:schemeClr val="lt1"/>
+          </a:fontRef>
+        </p:style>
+        <p:txBody>
+          <a:bodyPr rtlCol="0" anchor="ctr"/>
+          <a:lstStyle/>
+          <a:p>
+            <a:pPr algn="ctr"/>
+            <a:endParaRPr lang="en-GB"/>
+          </a:p>
+        </p:txBody>
+      </p:sp>
     </p:spTree>
     <p:extLst>
       <p:ext uri="{BB962C8B-B14F-4D97-AF65-F5344CB8AC3E}">
@@ -7520,6 +7831,175 @@
   <p:clrMapOvr>
     <a:masterClrMapping/>
   </p:clrMapOvr>
+  <p:timing>
+    <p:tnLst>
+      <p:par>
+        <p:cTn id="1" dur="indefinite" restart="never" nodeType="tmRoot">
+          <p:childTnLst>
+            <p:seq concurrent="1" nextAc="seek">
+              <p:cTn id="2" dur="indefinite" nodeType="mainSeq">
+                <p:childTnLst>
+                  <p:par>
+                    <p:cTn id="3" fill="hold">
+                      <p:stCondLst>
+                        <p:cond delay="indefinite"/>
+                      </p:stCondLst>
+                      <p:childTnLst>
+                        <p:par>
+                          <p:cTn id="4" fill="hold">
+                            <p:stCondLst>
+                              <p:cond delay="0"/>
+                            </p:stCondLst>
+                            <p:childTnLst>
+                              <p:par>
+                                <p:cTn id="5" presetID="1" presetClass="entr" presetSubtype="0" fill="hold" nodeType="clickEffect">
+                                  <p:stCondLst>
+                                    <p:cond delay="0"/>
+                                  </p:stCondLst>
+                                  <p:childTnLst>
+                                    <p:set>
+                                      <p:cBhvr>
+                                        <p:cTn id="6" dur="1" fill="hold">
+                                          <p:stCondLst>
+                                            <p:cond delay="0"/>
+                                          </p:stCondLst>
+                                        </p:cTn>
+                                        <p:tgtEl>
+                                          <p:spTgt spid="7"/>
+                                        </p:tgtEl>
+                                        <p:attrNameLst>
+                                          <p:attrName>style.visibility</p:attrName>
+                                        </p:attrNameLst>
+                                      </p:cBhvr>
+                                      <p:to>
+                                        <p:strVal val="visible"/>
+                                      </p:to>
+                                    </p:set>
+                                  </p:childTnLst>
+                                </p:cTn>
+                              </p:par>
+                            </p:childTnLst>
+                          </p:cTn>
+                        </p:par>
+                      </p:childTnLst>
+                    </p:cTn>
+                  </p:par>
+                  <p:par>
+                    <p:cTn id="7" fill="hold">
+                      <p:stCondLst>
+                        <p:cond delay="indefinite"/>
+                      </p:stCondLst>
+                      <p:childTnLst>
+                        <p:par>
+                          <p:cTn id="8" fill="hold">
+                            <p:stCondLst>
+                              <p:cond delay="0"/>
+                            </p:stCondLst>
+                            <p:childTnLst>
+                              <p:par>
+                                <p:cTn id="9" presetID="1" presetClass="exit" presetSubtype="0" fill="hold" grpId="0" nodeType="clickEffect">
+                                  <p:stCondLst>
+                                    <p:cond delay="0"/>
+                                  </p:stCondLst>
+                                  <p:childTnLst>
+                                    <p:set>
+                                      <p:cBhvr>
+                                        <p:cTn id="10" dur="1" fill="hold">
+                                          <p:stCondLst>
+                                            <p:cond delay="0"/>
+                                          </p:stCondLst>
+                                        </p:cTn>
+                                        <p:tgtEl>
+                                          <p:spTgt spid="4"/>
+                                        </p:tgtEl>
+                                        <p:attrNameLst>
+                                          <p:attrName>style.visibility</p:attrName>
+                                        </p:attrNameLst>
+                                      </p:cBhvr>
+                                      <p:to>
+                                        <p:strVal val="hidden"/>
+                                      </p:to>
+                                    </p:set>
+                                  </p:childTnLst>
+                                </p:cTn>
+                              </p:par>
+                            </p:childTnLst>
+                          </p:cTn>
+                        </p:par>
+                      </p:childTnLst>
+                    </p:cTn>
+                  </p:par>
+                  <p:par>
+                    <p:cTn id="11" fill="hold">
+                      <p:stCondLst>
+                        <p:cond delay="indefinite"/>
+                      </p:stCondLst>
+                      <p:childTnLst>
+                        <p:par>
+                          <p:cTn id="12" fill="hold">
+                            <p:stCondLst>
+                              <p:cond delay="0"/>
+                            </p:stCondLst>
+                            <p:childTnLst>
+                              <p:par>
+                                <p:cTn id="13" presetID="1" presetClass="entr" presetSubtype="0" fill="hold" grpId="0" nodeType="clickEffect">
+                                  <p:stCondLst>
+                                    <p:cond delay="0"/>
+                                  </p:stCondLst>
+                                  <p:childTnLst>
+                                    <p:set>
+                                      <p:cBhvr>
+                                        <p:cTn id="14" dur="1" fill="hold">
+                                          <p:stCondLst>
+                                            <p:cond delay="0"/>
+                                          </p:stCondLst>
+                                        </p:cTn>
+                                        <p:tgtEl>
+                                          <p:spTgt spid="8"/>
+                                        </p:tgtEl>
+                                        <p:attrNameLst>
+                                          <p:attrName>style.visibility</p:attrName>
+                                        </p:attrNameLst>
+                                      </p:cBhvr>
+                                      <p:to>
+                                        <p:strVal val="visible"/>
+                                      </p:to>
+                                    </p:set>
+                                  </p:childTnLst>
+                                </p:cTn>
+                              </p:par>
+                            </p:childTnLst>
+                          </p:cTn>
+                        </p:par>
+                      </p:childTnLst>
+                    </p:cTn>
+                  </p:par>
+                </p:childTnLst>
+              </p:cTn>
+              <p:prevCondLst>
+                <p:cond evt="onPrev" delay="0">
+                  <p:tgtEl>
+                    <p:sldTgt/>
+                  </p:tgtEl>
+                </p:cond>
+              </p:prevCondLst>
+              <p:nextCondLst>
+                <p:cond evt="onNext" delay="0">
+                  <p:tgtEl>
+                    <p:sldTgt/>
+                  </p:tgtEl>
+                </p:cond>
+              </p:nextCondLst>
+            </p:seq>
+          </p:childTnLst>
+        </p:cTn>
+      </p:par>
+    </p:tnLst>
+    <p:bldLst>
+      <p:bldP spid="8" grpId="0"/>
+      <p:bldP spid="4" grpId="0" animBg="1"/>
+    </p:bldLst>
+  </p:timing>
 </p:sld>
 </file>
 
@@ -8379,7 +8859,12 @@
             <p:ph idx="1"/>
           </p:nvPr>
         </p:nvSpPr>
-        <p:spPr/>
+        <p:spPr>
+          <a:xfrm>
+            <a:off x="838200" y="1797802"/>
+            <a:ext cx="10515600" cy="4351338"/>
+          </a:xfrm>
+        </p:spPr>
         <p:txBody>
           <a:bodyPr>
             <a:normAutofit lnSpcReduction="10000"/>
@@ -8442,6 +8927,235 @@
   <p:clrMapOvr>
     <a:masterClrMapping/>
   </p:clrMapOvr>
+  <p:timing>
+    <p:tnLst>
+      <p:par>
+        <p:cTn id="1" dur="indefinite" restart="never" nodeType="tmRoot">
+          <p:childTnLst>
+            <p:seq concurrent="1" nextAc="seek">
+              <p:cTn id="2" dur="indefinite" nodeType="mainSeq">
+                <p:childTnLst>
+                  <p:par>
+                    <p:cTn id="3" fill="hold">
+                      <p:stCondLst>
+                        <p:cond delay="indefinite"/>
+                      </p:stCondLst>
+                      <p:childTnLst>
+                        <p:par>
+                          <p:cTn id="4" fill="hold">
+                            <p:stCondLst>
+                              <p:cond delay="0"/>
+                            </p:stCondLst>
+                            <p:childTnLst>
+                              <p:par>
+                                <p:cTn id="5" presetID="1" presetClass="entr" presetSubtype="0" fill="hold" grpId="0" nodeType="clickEffect">
+                                  <p:stCondLst>
+                                    <p:cond delay="0"/>
+                                  </p:stCondLst>
+                                  <p:childTnLst>
+                                    <p:set>
+                                      <p:cBhvr>
+                                        <p:cTn id="6" dur="1" fill="hold">
+                                          <p:stCondLst>
+                                            <p:cond delay="0"/>
+                                          </p:stCondLst>
+                                        </p:cTn>
+                                        <p:tgtEl>
+                                          <p:spTgt spid="3">
+                                            <p:txEl>
+                                              <p:pRg st="1" end="1"/>
+                                            </p:txEl>
+                                          </p:spTgt>
+                                        </p:tgtEl>
+                                        <p:attrNameLst>
+                                          <p:attrName>style.visibility</p:attrName>
+                                        </p:attrNameLst>
+                                      </p:cBhvr>
+                                      <p:to>
+                                        <p:strVal val="visible"/>
+                                      </p:to>
+                                    </p:set>
+                                  </p:childTnLst>
+                                </p:cTn>
+                              </p:par>
+                            </p:childTnLst>
+                          </p:cTn>
+                        </p:par>
+                      </p:childTnLst>
+                    </p:cTn>
+                  </p:par>
+                  <p:par>
+                    <p:cTn id="7" fill="hold">
+                      <p:stCondLst>
+                        <p:cond delay="indefinite"/>
+                      </p:stCondLst>
+                      <p:childTnLst>
+                        <p:par>
+                          <p:cTn id="8" fill="hold">
+                            <p:stCondLst>
+                              <p:cond delay="0"/>
+                            </p:stCondLst>
+                            <p:childTnLst>
+                              <p:par>
+                                <p:cTn id="9" presetID="1" presetClass="entr" presetSubtype="0" fill="hold" grpId="0" nodeType="clickEffect">
+                                  <p:stCondLst>
+                                    <p:cond delay="0"/>
+                                  </p:stCondLst>
+                                  <p:childTnLst>
+                                    <p:set>
+                                      <p:cBhvr>
+                                        <p:cTn id="10" dur="1" fill="hold">
+                                          <p:stCondLst>
+                                            <p:cond delay="0"/>
+                                          </p:stCondLst>
+                                        </p:cTn>
+                                        <p:tgtEl>
+                                          <p:spTgt spid="3">
+                                            <p:txEl>
+                                              <p:pRg st="3" end="3"/>
+                                            </p:txEl>
+                                          </p:spTgt>
+                                        </p:tgtEl>
+                                        <p:attrNameLst>
+                                          <p:attrName>style.visibility</p:attrName>
+                                        </p:attrNameLst>
+                                      </p:cBhvr>
+                                      <p:to>
+                                        <p:strVal val="visible"/>
+                                      </p:to>
+                                    </p:set>
+                                  </p:childTnLst>
+                                </p:cTn>
+                              </p:par>
+                            </p:childTnLst>
+                          </p:cTn>
+                        </p:par>
+                      </p:childTnLst>
+                    </p:cTn>
+                  </p:par>
+                  <p:par>
+                    <p:cTn id="11" fill="hold">
+                      <p:stCondLst>
+                        <p:cond delay="indefinite"/>
+                      </p:stCondLst>
+                      <p:childTnLst>
+                        <p:par>
+                          <p:cTn id="12" fill="hold">
+                            <p:stCondLst>
+                              <p:cond delay="0"/>
+                            </p:stCondLst>
+                            <p:childTnLst>
+                              <p:par>
+                                <p:cTn id="13" presetID="1" presetClass="entr" presetSubtype="0" fill="hold" grpId="0" nodeType="clickEffect">
+                                  <p:stCondLst>
+                                    <p:cond delay="0"/>
+                                  </p:stCondLst>
+                                  <p:childTnLst>
+                                    <p:set>
+                                      <p:cBhvr>
+                                        <p:cTn id="14" dur="1" fill="hold">
+                                          <p:stCondLst>
+                                            <p:cond delay="0"/>
+                                          </p:stCondLst>
+                                        </p:cTn>
+                                        <p:tgtEl>
+                                          <p:spTgt spid="3">
+                                            <p:txEl>
+                                              <p:pRg st="5" end="5"/>
+                                            </p:txEl>
+                                          </p:spTgt>
+                                        </p:tgtEl>
+                                        <p:attrNameLst>
+                                          <p:attrName>style.visibility</p:attrName>
+                                        </p:attrNameLst>
+                                      </p:cBhvr>
+                                      <p:to>
+                                        <p:strVal val="visible"/>
+                                      </p:to>
+                                    </p:set>
+                                  </p:childTnLst>
+                                </p:cTn>
+                              </p:par>
+                            </p:childTnLst>
+                          </p:cTn>
+                        </p:par>
+                      </p:childTnLst>
+                    </p:cTn>
+                  </p:par>
+                  <p:par>
+                    <p:cTn id="15" fill="hold">
+                      <p:stCondLst>
+                        <p:cond delay="indefinite"/>
+                      </p:stCondLst>
+                      <p:childTnLst>
+                        <p:par>
+                          <p:cTn id="16" fill="hold">
+                            <p:stCondLst>
+                              <p:cond delay="0"/>
+                            </p:stCondLst>
+                            <p:childTnLst>
+                              <p:par>
+                                <p:cTn id="17" presetID="1" presetClass="entr" presetSubtype="0" fill="hold" grpId="0" nodeType="clickEffect">
+                                  <p:stCondLst>
+                                    <p:cond delay="0"/>
+                                  </p:stCondLst>
+                                  <p:childTnLst>
+                                    <p:set>
+                                      <p:cBhvr>
+                                        <p:cTn id="18" dur="1" fill="hold">
+                                          <p:stCondLst>
+                                            <p:cond delay="0"/>
+                                          </p:stCondLst>
+                                        </p:cTn>
+                                        <p:tgtEl>
+                                          <p:spTgt spid="3">
+                                            <p:txEl>
+                                              <p:pRg st="7" end="7"/>
+                                            </p:txEl>
+                                          </p:spTgt>
+                                        </p:tgtEl>
+                                        <p:attrNameLst>
+                                          <p:attrName>style.visibility</p:attrName>
+                                        </p:attrNameLst>
+                                      </p:cBhvr>
+                                      <p:to>
+                                        <p:strVal val="visible"/>
+                                      </p:to>
+                                    </p:set>
+                                  </p:childTnLst>
+                                </p:cTn>
+                              </p:par>
+                            </p:childTnLst>
+                          </p:cTn>
+                        </p:par>
+                      </p:childTnLst>
+                    </p:cTn>
+                  </p:par>
+                </p:childTnLst>
+              </p:cTn>
+              <p:prevCondLst>
+                <p:cond evt="onPrev" delay="0">
+                  <p:tgtEl>
+                    <p:sldTgt/>
+                  </p:tgtEl>
+                </p:cond>
+              </p:prevCondLst>
+              <p:nextCondLst>
+                <p:cond evt="onNext" delay="0">
+                  <p:tgtEl>
+                    <p:sldTgt/>
+                  </p:tgtEl>
+                </p:cond>
+              </p:nextCondLst>
+            </p:seq>
+          </p:childTnLst>
+        </p:cTn>
+      </p:par>
+    </p:tnLst>
+    <p:bldLst>
+      <p:bldP spid="3" grpId="0" build="p"/>
+    </p:bldLst>
+  </p:timing>
 </p:sld>
 </file>
 
@@ -9831,6 +10545,129 @@
   <p:clrMapOvr>
     <a:masterClrMapping/>
   </p:clrMapOvr>
+  <p:timing>
+    <p:tnLst>
+      <p:par>
+        <p:cTn id="1" dur="indefinite" restart="never" nodeType="tmRoot">
+          <p:childTnLst>
+            <p:seq concurrent="1" nextAc="seek">
+              <p:cTn id="2" dur="indefinite" nodeType="mainSeq">
+                <p:childTnLst>
+                  <p:par>
+                    <p:cTn id="3" fill="hold">
+                      <p:stCondLst>
+                        <p:cond delay="indefinite"/>
+                      </p:stCondLst>
+                      <p:childTnLst>
+                        <p:par>
+                          <p:cTn id="4" fill="hold">
+                            <p:stCondLst>
+                              <p:cond delay="0"/>
+                            </p:stCondLst>
+                            <p:childTnLst>
+                              <p:par>
+                                <p:cTn id="5" presetID="1" presetClass="entr" presetSubtype="0" fill="hold" nodeType="clickEffect">
+                                  <p:stCondLst>
+                                    <p:cond delay="0"/>
+                                  </p:stCondLst>
+                                  <p:childTnLst>
+                                    <p:set>
+                                      <p:cBhvr>
+                                        <p:cTn id="6" dur="1" fill="hold">
+                                          <p:stCondLst>
+                                            <p:cond delay="0"/>
+                                          </p:stCondLst>
+                                        </p:cTn>
+                                        <p:tgtEl>
+                                          <p:spTgt spid="4"/>
+                                        </p:tgtEl>
+                                        <p:attrNameLst>
+                                          <p:attrName>style.visibility</p:attrName>
+                                        </p:attrNameLst>
+                                      </p:cBhvr>
+                                      <p:to>
+                                        <p:strVal val="visible"/>
+                                      </p:to>
+                                    </p:set>
+                                  </p:childTnLst>
+                                </p:cTn>
+                              </p:par>
+                            </p:childTnLst>
+                          </p:cTn>
+                        </p:par>
+                      </p:childTnLst>
+                    </p:cTn>
+                  </p:par>
+                  <p:par>
+                    <p:cTn id="7" fill="hold">
+                      <p:stCondLst>
+                        <p:cond delay="indefinite"/>
+                      </p:stCondLst>
+                      <p:childTnLst>
+                        <p:par>
+                          <p:cTn id="8" fill="hold">
+                            <p:stCondLst>
+                              <p:cond delay="0"/>
+                            </p:stCondLst>
+                            <p:childTnLst>
+                              <p:par>
+                                <p:cTn id="9" presetID="1" presetClass="entr" presetSubtype="0" fill="hold" grpId="0" nodeType="clickEffect">
+                                  <p:stCondLst>
+                                    <p:cond delay="0"/>
+                                  </p:stCondLst>
+                                  <p:childTnLst>
+                                    <p:set>
+                                      <p:cBhvr>
+                                        <p:cTn id="10" dur="1" fill="hold">
+                                          <p:stCondLst>
+                                            <p:cond delay="0"/>
+                                          </p:stCondLst>
+                                        </p:cTn>
+                                        <p:tgtEl>
+                                          <p:spTgt spid="5"/>
+                                        </p:tgtEl>
+                                        <p:attrNameLst>
+                                          <p:attrName>style.visibility</p:attrName>
+                                        </p:attrNameLst>
+                                      </p:cBhvr>
+                                      <p:to>
+                                        <p:strVal val="visible"/>
+                                      </p:to>
+                                    </p:set>
+                                  </p:childTnLst>
+                                </p:cTn>
+                              </p:par>
+                            </p:childTnLst>
+                          </p:cTn>
+                        </p:par>
+                      </p:childTnLst>
+                    </p:cTn>
+                  </p:par>
+                </p:childTnLst>
+              </p:cTn>
+              <p:prevCondLst>
+                <p:cond evt="onPrev" delay="0">
+                  <p:tgtEl>
+                    <p:sldTgt/>
+                  </p:tgtEl>
+                </p:cond>
+              </p:prevCondLst>
+              <p:nextCondLst>
+                <p:cond evt="onNext" delay="0">
+                  <p:tgtEl>
+                    <p:sldTgt/>
+                  </p:tgtEl>
+                </p:cond>
+              </p:nextCondLst>
+            </p:seq>
+          </p:childTnLst>
+        </p:cTn>
+      </p:par>
+    </p:tnLst>
+    <p:bldLst>
+      <p:bldP spid="5" grpId="0" animBg="1"/>
+    </p:bldLst>
+  </p:timing>
 </p:sld>
 </file>
 
@@ -10002,6 +10839,382 @@
   <p:clrMapOvr>
     <a:masterClrMapping/>
   </p:clrMapOvr>
+  <p:timing>
+    <p:tnLst>
+      <p:par>
+        <p:cTn id="1" dur="indefinite" restart="never" nodeType="tmRoot">
+          <p:childTnLst>
+            <p:seq concurrent="1" nextAc="seek">
+              <p:cTn id="2" dur="indefinite" nodeType="mainSeq">
+                <p:childTnLst>
+                  <p:par>
+                    <p:cTn id="3" fill="hold">
+                      <p:stCondLst>
+                        <p:cond delay="indefinite"/>
+                      </p:stCondLst>
+                      <p:childTnLst>
+                        <p:par>
+                          <p:cTn id="4" fill="hold">
+                            <p:stCondLst>
+                              <p:cond delay="0"/>
+                            </p:stCondLst>
+                            <p:childTnLst>
+                              <p:par>
+                                <p:cTn id="5" presetID="1" presetClass="entr" presetSubtype="0" fill="hold" grpId="0" nodeType="clickEffect">
+                                  <p:stCondLst>
+                                    <p:cond delay="0"/>
+                                  </p:stCondLst>
+                                  <p:childTnLst>
+                                    <p:set>
+                                      <p:cBhvr>
+                                        <p:cTn id="6" dur="1" fill="hold">
+                                          <p:stCondLst>
+                                            <p:cond delay="0"/>
+                                          </p:stCondLst>
+                                        </p:cTn>
+                                        <p:tgtEl>
+                                          <p:spTgt spid="3">
+                                            <p:txEl>
+                                              <p:pRg st="0" end="0"/>
+                                            </p:txEl>
+                                          </p:spTgt>
+                                        </p:tgtEl>
+                                        <p:attrNameLst>
+                                          <p:attrName>style.visibility</p:attrName>
+                                        </p:attrNameLst>
+                                      </p:cBhvr>
+                                      <p:to>
+                                        <p:strVal val="visible"/>
+                                      </p:to>
+                                    </p:set>
+                                  </p:childTnLst>
+                                </p:cTn>
+                              </p:par>
+                            </p:childTnLst>
+                          </p:cTn>
+                        </p:par>
+                      </p:childTnLst>
+                    </p:cTn>
+                  </p:par>
+                  <p:par>
+                    <p:cTn id="7" fill="hold">
+                      <p:stCondLst>
+                        <p:cond delay="indefinite"/>
+                      </p:stCondLst>
+                      <p:childTnLst>
+                        <p:par>
+                          <p:cTn id="8" fill="hold">
+                            <p:stCondLst>
+                              <p:cond delay="0"/>
+                            </p:stCondLst>
+                            <p:childTnLst>
+                              <p:par>
+                                <p:cTn id="9" presetID="1" presetClass="entr" presetSubtype="0" fill="hold" grpId="0" nodeType="clickEffect">
+                                  <p:stCondLst>
+                                    <p:cond delay="0"/>
+                                  </p:stCondLst>
+                                  <p:childTnLst>
+                                    <p:set>
+                                      <p:cBhvr>
+                                        <p:cTn id="10" dur="1" fill="hold">
+                                          <p:stCondLst>
+                                            <p:cond delay="0"/>
+                                          </p:stCondLst>
+                                        </p:cTn>
+                                        <p:tgtEl>
+                                          <p:spTgt spid="3">
+                                            <p:txEl>
+                                              <p:pRg st="1" end="1"/>
+                                            </p:txEl>
+                                          </p:spTgt>
+                                        </p:tgtEl>
+                                        <p:attrNameLst>
+                                          <p:attrName>style.visibility</p:attrName>
+                                        </p:attrNameLst>
+                                      </p:cBhvr>
+                                      <p:to>
+                                        <p:strVal val="visible"/>
+                                      </p:to>
+                                    </p:set>
+                                  </p:childTnLst>
+                                </p:cTn>
+                              </p:par>
+                            </p:childTnLst>
+                          </p:cTn>
+                        </p:par>
+                      </p:childTnLst>
+                    </p:cTn>
+                  </p:par>
+                  <p:par>
+                    <p:cTn id="11" fill="hold">
+                      <p:stCondLst>
+                        <p:cond delay="indefinite"/>
+                      </p:stCondLst>
+                      <p:childTnLst>
+                        <p:par>
+                          <p:cTn id="12" fill="hold">
+                            <p:stCondLst>
+                              <p:cond delay="0"/>
+                            </p:stCondLst>
+                            <p:childTnLst>
+                              <p:par>
+                                <p:cTn id="13" presetID="1" presetClass="entr" presetSubtype="0" fill="hold" grpId="0" nodeType="clickEffect">
+                                  <p:stCondLst>
+                                    <p:cond delay="0"/>
+                                  </p:stCondLst>
+                                  <p:childTnLst>
+                                    <p:set>
+                                      <p:cBhvr>
+                                        <p:cTn id="14" dur="1" fill="hold">
+                                          <p:stCondLst>
+                                            <p:cond delay="0"/>
+                                          </p:stCondLst>
+                                        </p:cTn>
+                                        <p:tgtEl>
+                                          <p:spTgt spid="3">
+                                            <p:txEl>
+                                              <p:pRg st="3" end="3"/>
+                                            </p:txEl>
+                                          </p:spTgt>
+                                        </p:tgtEl>
+                                        <p:attrNameLst>
+                                          <p:attrName>style.visibility</p:attrName>
+                                        </p:attrNameLst>
+                                      </p:cBhvr>
+                                      <p:to>
+                                        <p:strVal val="visible"/>
+                                      </p:to>
+                                    </p:set>
+                                  </p:childTnLst>
+                                </p:cTn>
+                              </p:par>
+                            </p:childTnLst>
+                          </p:cTn>
+                        </p:par>
+                      </p:childTnLst>
+                    </p:cTn>
+                  </p:par>
+                  <p:par>
+                    <p:cTn id="15" fill="hold">
+                      <p:stCondLst>
+                        <p:cond delay="indefinite"/>
+                      </p:stCondLst>
+                      <p:childTnLst>
+                        <p:par>
+                          <p:cTn id="16" fill="hold">
+                            <p:stCondLst>
+                              <p:cond delay="0"/>
+                            </p:stCondLst>
+                            <p:childTnLst>
+                              <p:par>
+                                <p:cTn id="17" presetID="1" presetClass="entr" presetSubtype="0" fill="hold" grpId="0" nodeType="clickEffect">
+                                  <p:stCondLst>
+                                    <p:cond delay="0"/>
+                                  </p:stCondLst>
+                                  <p:childTnLst>
+                                    <p:set>
+                                      <p:cBhvr>
+                                        <p:cTn id="18" dur="1" fill="hold">
+                                          <p:stCondLst>
+                                            <p:cond delay="0"/>
+                                          </p:stCondLst>
+                                        </p:cTn>
+                                        <p:tgtEl>
+                                          <p:spTgt spid="3">
+                                            <p:txEl>
+                                              <p:pRg st="4" end="4"/>
+                                            </p:txEl>
+                                          </p:spTgt>
+                                        </p:tgtEl>
+                                        <p:attrNameLst>
+                                          <p:attrName>style.visibility</p:attrName>
+                                        </p:attrNameLst>
+                                      </p:cBhvr>
+                                      <p:to>
+                                        <p:strVal val="visible"/>
+                                      </p:to>
+                                    </p:set>
+                                  </p:childTnLst>
+                                </p:cTn>
+                              </p:par>
+                            </p:childTnLst>
+                          </p:cTn>
+                        </p:par>
+                      </p:childTnLst>
+                    </p:cTn>
+                  </p:par>
+                  <p:par>
+                    <p:cTn id="19" fill="hold">
+                      <p:stCondLst>
+                        <p:cond delay="indefinite"/>
+                      </p:stCondLst>
+                      <p:childTnLst>
+                        <p:par>
+                          <p:cTn id="20" fill="hold">
+                            <p:stCondLst>
+                              <p:cond delay="0"/>
+                            </p:stCondLst>
+                            <p:childTnLst>
+                              <p:par>
+                                <p:cTn id="21" presetID="1" presetClass="entr" presetSubtype="0" fill="hold" grpId="0" nodeType="clickEffect">
+                                  <p:stCondLst>
+                                    <p:cond delay="0"/>
+                                  </p:stCondLst>
+                                  <p:childTnLst>
+                                    <p:set>
+                                      <p:cBhvr>
+                                        <p:cTn id="22" dur="1" fill="hold">
+                                          <p:stCondLst>
+                                            <p:cond delay="0"/>
+                                          </p:stCondLst>
+                                        </p:cTn>
+                                        <p:tgtEl>
+                                          <p:spTgt spid="3">
+                                            <p:txEl>
+                                              <p:pRg st="6" end="6"/>
+                                            </p:txEl>
+                                          </p:spTgt>
+                                        </p:tgtEl>
+                                        <p:attrNameLst>
+                                          <p:attrName>style.visibility</p:attrName>
+                                        </p:attrNameLst>
+                                      </p:cBhvr>
+                                      <p:to>
+                                        <p:strVal val="visible"/>
+                                      </p:to>
+                                    </p:set>
+                                  </p:childTnLst>
+                                </p:cTn>
+                              </p:par>
+                            </p:childTnLst>
+                          </p:cTn>
+                        </p:par>
+                      </p:childTnLst>
+                    </p:cTn>
+                  </p:par>
+                  <p:par>
+                    <p:cTn id="23" fill="hold">
+                      <p:stCondLst>
+                        <p:cond delay="indefinite"/>
+                      </p:stCondLst>
+                      <p:childTnLst>
+                        <p:par>
+                          <p:cTn id="24" fill="hold">
+                            <p:stCondLst>
+                              <p:cond delay="0"/>
+                            </p:stCondLst>
+                            <p:childTnLst>
+                              <p:par>
+                                <p:cTn id="25" presetID="1" presetClass="entr" presetSubtype="0" fill="hold" grpId="0" nodeType="clickEffect">
+                                  <p:stCondLst>
+                                    <p:cond delay="0"/>
+                                  </p:stCondLst>
+                                  <p:childTnLst>
+                                    <p:set>
+                                      <p:cBhvr>
+                                        <p:cTn id="26" dur="1" fill="hold">
+                                          <p:stCondLst>
+                                            <p:cond delay="0"/>
+                                          </p:stCondLst>
+                                        </p:cTn>
+                                        <p:tgtEl>
+                                          <p:spTgt spid="3">
+                                            <p:txEl>
+                                              <p:pRg st="8" end="8"/>
+                                            </p:txEl>
+                                          </p:spTgt>
+                                        </p:tgtEl>
+                                        <p:attrNameLst>
+                                          <p:attrName>style.visibility</p:attrName>
+                                        </p:attrNameLst>
+                                      </p:cBhvr>
+                                      <p:to>
+                                        <p:strVal val="visible"/>
+                                      </p:to>
+                                    </p:set>
+                                  </p:childTnLst>
+                                </p:cTn>
+                              </p:par>
+                            </p:childTnLst>
+                          </p:cTn>
+                        </p:par>
+                      </p:childTnLst>
+                    </p:cTn>
+                  </p:par>
+                  <p:par>
+                    <p:cTn id="27" fill="hold">
+                      <p:stCondLst>
+                        <p:cond delay="indefinite"/>
+                      </p:stCondLst>
+                      <p:childTnLst>
+                        <p:par>
+                          <p:cTn id="28" fill="hold">
+                            <p:stCondLst>
+                              <p:cond delay="0"/>
+                            </p:stCondLst>
+                            <p:childTnLst>
+                              <p:par>
+                                <p:cTn id="29" presetID="1" presetClass="entr" presetSubtype="0" fill="hold" grpId="0" nodeType="clickEffect">
+                                  <p:stCondLst>
+                                    <p:cond delay="0"/>
+                                  </p:stCondLst>
+                                  <p:childTnLst>
+                                    <p:set>
+                                      <p:cBhvr>
+                                        <p:cTn id="30" dur="1" fill="hold">
+                                          <p:stCondLst>
+                                            <p:cond delay="0"/>
+                                          </p:stCondLst>
+                                        </p:cTn>
+                                        <p:tgtEl>
+                                          <p:spTgt spid="3">
+                                            <p:txEl>
+                                              <p:pRg st="9" end="9"/>
+                                            </p:txEl>
+                                          </p:spTgt>
+                                        </p:tgtEl>
+                                        <p:attrNameLst>
+                                          <p:attrName>style.visibility</p:attrName>
+                                        </p:attrNameLst>
+                                      </p:cBhvr>
+                                      <p:to>
+                                        <p:strVal val="visible"/>
+                                      </p:to>
+                                    </p:set>
+                                  </p:childTnLst>
+                                </p:cTn>
+                              </p:par>
+                            </p:childTnLst>
+                          </p:cTn>
+                        </p:par>
+                      </p:childTnLst>
+                    </p:cTn>
+                  </p:par>
+                </p:childTnLst>
+              </p:cTn>
+              <p:prevCondLst>
+                <p:cond evt="onPrev" delay="0">
+                  <p:tgtEl>
+                    <p:sldTgt/>
+                  </p:tgtEl>
+                </p:cond>
+              </p:prevCondLst>
+              <p:nextCondLst>
+                <p:cond evt="onNext" delay="0">
+                  <p:tgtEl>
+                    <p:sldTgt/>
+                  </p:tgtEl>
+                </p:cond>
+              </p:nextCondLst>
+            </p:seq>
+          </p:childTnLst>
+        </p:cTn>
+      </p:par>
+    </p:tnLst>
+    <p:bldLst>
+      <p:bldP spid="3" grpId="0" build="p"/>
+    </p:bldLst>
+  </p:timing>
 </p:sld>
 </file>
 
@@ -10119,6 +11332,186 @@
   <p:clrMapOvr>
     <a:masterClrMapping/>
   </p:clrMapOvr>
+  <p:timing>
+    <p:tnLst>
+      <p:par>
+        <p:cTn id="1" dur="indefinite" restart="never" nodeType="tmRoot">
+          <p:childTnLst>
+            <p:seq concurrent="1" nextAc="seek">
+              <p:cTn id="2" dur="indefinite" nodeType="mainSeq">
+                <p:childTnLst>
+                  <p:par>
+                    <p:cTn id="3" fill="hold">
+                      <p:stCondLst>
+                        <p:cond delay="indefinite"/>
+                      </p:stCondLst>
+                      <p:childTnLst>
+                        <p:par>
+                          <p:cTn id="4" fill="hold">
+                            <p:stCondLst>
+                              <p:cond delay="0"/>
+                            </p:stCondLst>
+                            <p:childTnLst>
+                              <p:par>
+                                <p:cTn id="5" presetID="1" presetClass="entr" presetSubtype="0" fill="hold" grpId="0" nodeType="clickEffect">
+                                  <p:stCondLst>
+                                    <p:cond delay="0"/>
+                                  </p:stCondLst>
+                                  <p:childTnLst>
+                                    <p:set>
+                                      <p:cBhvr>
+                                        <p:cTn id="6" dur="1" fill="hold">
+                                          <p:stCondLst>
+                                            <p:cond delay="0"/>
+                                          </p:stCondLst>
+                                        </p:cTn>
+                                        <p:tgtEl>
+                                          <p:spTgt spid="3">
+                                            <p:txEl>
+                                              <p:pRg st="1" end="1"/>
+                                            </p:txEl>
+                                          </p:spTgt>
+                                        </p:tgtEl>
+                                        <p:attrNameLst>
+                                          <p:attrName>style.visibility</p:attrName>
+                                        </p:attrNameLst>
+                                      </p:cBhvr>
+                                      <p:to>
+                                        <p:strVal val="visible"/>
+                                      </p:to>
+                                    </p:set>
+                                  </p:childTnLst>
+                                </p:cTn>
+                              </p:par>
+                            </p:childTnLst>
+                          </p:cTn>
+                        </p:par>
+                      </p:childTnLst>
+                    </p:cTn>
+                  </p:par>
+                  <p:par>
+                    <p:cTn id="7" fill="hold">
+                      <p:stCondLst>
+                        <p:cond delay="indefinite"/>
+                      </p:stCondLst>
+                      <p:childTnLst>
+                        <p:par>
+                          <p:cTn id="8" fill="hold">
+                            <p:stCondLst>
+                              <p:cond delay="0"/>
+                            </p:stCondLst>
+                            <p:childTnLst>
+                              <p:par>
+                                <p:cTn id="9" presetID="1" presetClass="entr" presetSubtype="0" fill="hold" grpId="0" nodeType="clickEffect">
+                                  <p:stCondLst>
+                                    <p:cond delay="0"/>
+                                  </p:stCondLst>
+                                  <p:childTnLst>
+                                    <p:set>
+                                      <p:cBhvr>
+                                        <p:cTn id="10" dur="1" fill="hold">
+                                          <p:stCondLst>
+                                            <p:cond delay="0"/>
+                                          </p:stCondLst>
+                                        </p:cTn>
+                                        <p:tgtEl>
+                                          <p:spTgt spid="3">
+                                            <p:txEl>
+                                              <p:pRg st="3" end="3"/>
+                                            </p:txEl>
+                                          </p:spTgt>
+                                        </p:tgtEl>
+                                        <p:attrNameLst>
+                                          <p:attrName>style.visibility</p:attrName>
+                                        </p:attrNameLst>
+                                      </p:cBhvr>
+                                      <p:to>
+                                        <p:strVal val="visible"/>
+                                      </p:to>
+                                    </p:set>
+                                  </p:childTnLst>
+                                </p:cTn>
+                              </p:par>
+                            </p:childTnLst>
+                          </p:cTn>
+                        </p:par>
+                      </p:childTnLst>
+                    </p:cTn>
+                  </p:par>
+                  <p:par>
+                    <p:cTn id="11" fill="hold">
+                      <p:stCondLst>
+                        <p:cond delay="indefinite"/>
+                      </p:stCondLst>
+                      <p:childTnLst>
+                        <p:par>
+                          <p:cTn id="12" fill="hold">
+                            <p:stCondLst>
+                              <p:cond delay="0"/>
+                            </p:stCondLst>
+                            <p:childTnLst>
+                              <p:par>
+                                <p:cTn id="13" presetID="1" presetClass="entr" presetSubtype="0" fill="hold" grpId="0" nodeType="clickEffect">
+                                  <p:stCondLst>
+                                    <p:cond delay="0"/>
+                                  </p:stCondLst>
+                                  <p:childTnLst>
+                                    <p:set>
+                                      <p:cBhvr>
+                                        <p:cTn id="14" dur="1" fill="hold">
+                                          <p:stCondLst>
+                                            <p:cond delay="0"/>
+                                          </p:stCondLst>
+                                        </p:cTn>
+                                        <p:tgtEl>
+                                          <p:spTgt spid="3">
+                                            <p:txEl>
+                                              <p:pRg st="5" end="5"/>
+                                            </p:txEl>
+                                          </p:spTgt>
+                                        </p:tgtEl>
+                                        <p:attrNameLst>
+                                          <p:attrName>style.visibility</p:attrName>
+                                        </p:attrNameLst>
+                                      </p:cBhvr>
+                                      <p:to>
+                                        <p:strVal val="visible"/>
+                                      </p:to>
+                                    </p:set>
+                                  </p:childTnLst>
+                                </p:cTn>
+                              </p:par>
+                            </p:childTnLst>
+                          </p:cTn>
+                        </p:par>
+                      </p:childTnLst>
+                    </p:cTn>
+                  </p:par>
+                </p:childTnLst>
+              </p:cTn>
+              <p:prevCondLst>
+                <p:cond evt="onPrev" delay="0">
+                  <p:tgtEl>
+                    <p:sldTgt/>
+                  </p:tgtEl>
+                </p:cond>
+              </p:prevCondLst>
+              <p:nextCondLst>
+                <p:cond evt="onNext" delay="0">
+                  <p:tgtEl>
+                    <p:sldTgt/>
+                  </p:tgtEl>
+                </p:cond>
+              </p:nextCondLst>
+            </p:seq>
+          </p:childTnLst>
+        </p:cTn>
+      </p:par>
+    </p:tnLst>
+    <p:bldLst>
+      <p:bldP spid="3" grpId="0" build="p"/>
+    </p:bldLst>
+  </p:timing>
 </p:sld>
 </file>
 
@@ -10750,6 +12143,176 @@
   <p:clrMapOvr>
     <a:masterClrMapping/>
   </p:clrMapOvr>
+  <p:timing>
+    <p:tnLst>
+      <p:par>
+        <p:cTn id="1" dur="indefinite" restart="never" nodeType="tmRoot">
+          <p:childTnLst>
+            <p:seq concurrent="1" nextAc="seek">
+              <p:cTn id="2" dur="indefinite" nodeType="mainSeq">
+                <p:childTnLst>
+                  <p:par>
+                    <p:cTn id="3" fill="hold">
+                      <p:stCondLst>
+                        <p:cond delay="indefinite"/>
+                      </p:stCondLst>
+                      <p:childTnLst>
+                        <p:par>
+                          <p:cTn id="4" fill="hold">
+                            <p:stCondLst>
+                              <p:cond delay="0"/>
+                            </p:stCondLst>
+                            <p:childTnLst>
+                              <p:par>
+                                <p:cTn id="5" presetID="1" presetClass="entr" presetSubtype="0" fill="hold" grpId="0" nodeType="clickEffect">
+                                  <p:stCondLst>
+                                    <p:cond delay="0"/>
+                                  </p:stCondLst>
+                                  <p:childTnLst>
+                                    <p:set>
+                                      <p:cBhvr>
+                                        <p:cTn id="6" dur="1" fill="hold">
+                                          <p:stCondLst>
+                                            <p:cond delay="0"/>
+                                          </p:stCondLst>
+                                        </p:cTn>
+                                        <p:tgtEl>
+                                          <p:spTgt spid="6"/>
+                                        </p:tgtEl>
+                                        <p:attrNameLst>
+                                          <p:attrName>style.visibility</p:attrName>
+                                        </p:attrNameLst>
+                                      </p:cBhvr>
+                                      <p:to>
+                                        <p:strVal val="visible"/>
+                                      </p:to>
+                                    </p:set>
+                                  </p:childTnLst>
+                                </p:cTn>
+                              </p:par>
+                            </p:childTnLst>
+                          </p:cTn>
+                        </p:par>
+                      </p:childTnLst>
+                    </p:cTn>
+                  </p:par>
+                  <p:par>
+                    <p:cTn id="7" fill="hold">
+                      <p:stCondLst>
+                        <p:cond delay="indefinite"/>
+                      </p:stCondLst>
+                      <p:childTnLst>
+                        <p:par>
+                          <p:cTn id="8" fill="hold">
+                            <p:stCondLst>
+                              <p:cond delay="0"/>
+                            </p:stCondLst>
+                            <p:childTnLst>
+                              <p:par>
+                                <p:cTn id="9" presetID="1" presetClass="entr" presetSubtype="0" fill="hold" grpId="0" nodeType="clickEffect">
+                                  <p:stCondLst>
+                                    <p:cond delay="0"/>
+                                  </p:stCondLst>
+                                  <p:childTnLst>
+                                    <p:set>
+                                      <p:cBhvr>
+                                        <p:cTn id="10" dur="1" fill="hold">
+                                          <p:stCondLst>
+                                            <p:cond delay="0"/>
+                                          </p:stCondLst>
+                                        </p:cTn>
+                                        <p:tgtEl>
+                                          <p:spTgt spid="5"/>
+                                        </p:tgtEl>
+                                        <p:attrNameLst>
+                                          <p:attrName>style.visibility</p:attrName>
+                                        </p:attrNameLst>
+                                      </p:cBhvr>
+                                      <p:to>
+                                        <p:strVal val="visible"/>
+                                      </p:to>
+                                    </p:set>
+                                  </p:childTnLst>
+                                </p:cTn>
+                              </p:par>
+                            </p:childTnLst>
+                          </p:cTn>
+                        </p:par>
+                      </p:childTnLst>
+                    </p:cTn>
+                  </p:par>
+                  <p:par>
+                    <p:cTn id="11" fill="hold">
+                      <p:stCondLst>
+                        <p:cond delay="indefinite"/>
+                      </p:stCondLst>
+                      <p:childTnLst>
+                        <p:par>
+                          <p:cTn id="12" fill="hold">
+                            <p:stCondLst>
+                              <p:cond delay="0"/>
+                            </p:stCondLst>
+                            <p:childTnLst>
+                              <p:par>
+                                <p:cTn id="13" presetID="1" presetClass="entr" presetSubtype="0" fill="hold" grpId="0" nodeType="clickEffect">
+                                  <p:stCondLst>
+                                    <p:cond delay="0"/>
+                                  </p:stCondLst>
+                                  <p:childTnLst>
+                                    <p:set>
+                                      <p:cBhvr>
+                                        <p:cTn id="14" dur="1" fill="hold">
+                                          <p:stCondLst>
+                                            <p:cond delay="0"/>
+                                          </p:stCondLst>
+                                        </p:cTn>
+                                        <p:tgtEl>
+                                          <p:spTgt spid="4"/>
+                                        </p:tgtEl>
+                                        <p:attrNameLst>
+                                          <p:attrName>style.visibility</p:attrName>
+                                        </p:attrNameLst>
+                                      </p:cBhvr>
+                                      <p:to>
+                                        <p:strVal val="visible"/>
+                                      </p:to>
+                                    </p:set>
+                                  </p:childTnLst>
+                                </p:cTn>
+                              </p:par>
+                            </p:childTnLst>
+                          </p:cTn>
+                        </p:par>
+                      </p:childTnLst>
+                    </p:cTn>
+                  </p:par>
+                </p:childTnLst>
+              </p:cTn>
+              <p:prevCondLst>
+                <p:cond evt="onPrev" delay="0">
+                  <p:tgtEl>
+                    <p:sldTgt/>
+                  </p:tgtEl>
+                </p:cond>
+              </p:prevCondLst>
+              <p:nextCondLst>
+                <p:cond evt="onNext" delay="0">
+                  <p:tgtEl>
+                    <p:sldTgt/>
+                  </p:tgtEl>
+                </p:cond>
+              </p:nextCondLst>
+            </p:seq>
+          </p:childTnLst>
+        </p:cTn>
+      </p:par>
+    </p:tnLst>
+    <p:bldLst>
+      <p:bldP spid="4" grpId="0"/>
+      <p:bldP spid="6" grpId="0" animBg="1"/>
+      <p:bldP spid="5" grpId="0"/>
+    </p:bldLst>
+  </p:timing>
 </p:sld>
 </file>
 
@@ -10957,6 +12520,578 @@
   <p:clrMapOvr>
     <a:masterClrMapping/>
   </p:clrMapOvr>
+  <p:timing>
+    <p:tnLst>
+      <p:par>
+        <p:cTn id="1" dur="indefinite" restart="never" nodeType="tmRoot">
+          <p:childTnLst>
+            <p:seq concurrent="1" nextAc="seek">
+              <p:cTn id="2" dur="indefinite" nodeType="mainSeq">
+                <p:childTnLst>
+                  <p:par>
+                    <p:cTn id="3" fill="hold">
+                      <p:stCondLst>
+                        <p:cond delay="indefinite"/>
+                      </p:stCondLst>
+                      <p:childTnLst>
+                        <p:par>
+                          <p:cTn id="4" fill="hold">
+                            <p:stCondLst>
+                              <p:cond delay="0"/>
+                            </p:stCondLst>
+                            <p:childTnLst>
+                              <p:par>
+                                <p:cTn id="5" presetID="1" presetClass="entr" presetSubtype="0" fill="hold" grpId="0" nodeType="clickEffect">
+                                  <p:stCondLst>
+                                    <p:cond delay="0"/>
+                                  </p:stCondLst>
+                                  <p:childTnLst>
+                                    <p:set>
+                                      <p:cBhvr>
+                                        <p:cTn id="6" dur="1" fill="hold">
+                                          <p:stCondLst>
+                                            <p:cond delay="0"/>
+                                          </p:stCondLst>
+                                        </p:cTn>
+                                        <p:tgtEl>
+                                          <p:spTgt spid="3">
+                                            <p:txEl>
+                                              <p:pRg st="0" end="0"/>
+                                            </p:txEl>
+                                          </p:spTgt>
+                                        </p:tgtEl>
+                                        <p:attrNameLst>
+                                          <p:attrName>style.visibility</p:attrName>
+                                        </p:attrNameLst>
+                                      </p:cBhvr>
+                                      <p:to>
+                                        <p:strVal val="visible"/>
+                                      </p:to>
+                                    </p:set>
+                                  </p:childTnLst>
+                                </p:cTn>
+                              </p:par>
+                            </p:childTnLst>
+                          </p:cTn>
+                        </p:par>
+                      </p:childTnLst>
+                    </p:cTn>
+                  </p:par>
+                  <p:par>
+                    <p:cTn id="7" fill="hold">
+                      <p:stCondLst>
+                        <p:cond delay="indefinite"/>
+                      </p:stCondLst>
+                      <p:childTnLst>
+                        <p:par>
+                          <p:cTn id="8" fill="hold">
+                            <p:stCondLst>
+                              <p:cond delay="0"/>
+                            </p:stCondLst>
+                            <p:childTnLst>
+                              <p:par>
+                                <p:cTn id="9" presetID="1" presetClass="entr" presetSubtype="0" fill="hold" grpId="0" nodeType="clickEffect">
+                                  <p:stCondLst>
+                                    <p:cond delay="0"/>
+                                  </p:stCondLst>
+                                  <p:childTnLst>
+                                    <p:set>
+                                      <p:cBhvr>
+                                        <p:cTn id="10" dur="1" fill="hold">
+                                          <p:stCondLst>
+                                            <p:cond delay="0"/>
+                                          </p:stCondLst>
+                                        </p:cTn>
+                                        <p:tgtEl>
+                                          <p:spTgt spid="3">
+                                            <p:txEl>
+                                              <p:pRg st="1" end="1"/>
+                                            </p:txEl>
+                                          </p:spTgt>
+                                        </p:tgtEl>
+                                        <p:attrNameLst>
+                                          <p:attrName>style.visibility</p:attrName>
+                                        </p:attrNameLst>
+                                      </p:cBhvr>
+                                      <p:to>
+                                        <p:strVal val="visible"/>
+                                      </p:to>
+                                    </p:set>
+                                  </p:childTnLst>
+                                </p:cTn>
+                              </p:par>
+                            </p:childTnLst>
+                          </p:cTn>
+                        </p:par>
+                      </p:childTnLst>
+                    </p:cTn>
+                  </p:par>
+                  <p:par>
+                    <p:cTn id="11" fill="hold">
+                      <p:stCondLst>
+                        <p:cond delay="indefinite"/>
+                      </p:stCondLst>
+                      <p:childTnLst>
+                        <p:par>
+                          <p:cTn id="12" fill="hold">
+                            <p:stCondLst>
+                              <p:cond delay="0"/>
+                            </p:stCondLst>
+                            <p:childTnLst>
+                              <p:par>
+                                <p:cTn id="13" presetID="1" presetClass="entr" presetSubtype="0" fill="hold" grpId="0" nodeType="clickEffect">
+                                  <p:stCondLst>
+                                    <p:cond delay="0"/>
+                                  </p:stCondLst>
+                                  <p:childTnLst>
+                                    <p:set>
+                                      <p:cBhvr>
+                                        <p:cTn id="14" dur="1" fill="hold">
+                                          <p:stCondLst>
+                                            <p:cond delay="0"/>
+                                          </p:stCondLst>
+                                        </p:cTn>
+                                        <p:tgtEl>
+                                          <p:spTgt spid="3">
+                                            <p:txEl>
+                                              <p:pRg st="2" end="2"/>
+                                            </p:txEl>
+                                          </p:spTgt>
+                                        </p:tgtEl>
+                                        <p:attrNameLst>
+                                          <p:attrName>style.visibility</p:attrName>
+                                        </p:attrNameLst>
+                                      </p:cBhvr>
+                                      <p:to>
+                                        <p:strVal val="visible"/>
+                                      </p:to>
+                                    </p:set>
+                                  </p:childTnLst>
+                                </p:cTn>
+                              </p:par>
+                            </p:childTnLst>
+                          </p:cTn>
+                        </p:par>
+                      </p:childTnLst>
+                    </p:cTn>
+                  </p:par>
+                  <p:par>
+                    <p:cTn id="15" fill="hold">
+                      <p:stCondLst>
+                        <p:cond delay="indefinite"/>
+                      </p:stCondLst>
+                      <p:childTnLst>
+                        <p:par>
+                          <p:cTn id="16" fill="hold">
+                            <p:stCondLst>
+                              <p:cond delay="0"/>
+                            </p:stCondLst>
+                            <p:childTnLst>
+                              <p:par>
+                                <p:cTn id="17" presetID="1" presetClass="entr" presetSubtype="0" fill="hold" grpId="0" nodeType="clickEffect">
+                                  <p:stCondLst>
+                                    <p:cond delay="0"/>
+                                  </p:stCondLst>
+                                  <p:childTnLst>
+                                    <p:set>
+                                      <p:cBhvr>
+                                        <p:cTn id="18" dur="1" fill="hold">
+                                          <p:stCondLst>
+                                            <p:cond delay="0"/>
+                                          </p:stCondLst>
+                                        </p:cTn>
+                                        <p:tgtEl>
+                                          <p:spTgt spid="3">
+                                            <p:txEl>
+                                              <p:pRg st="4" end="4"/>
+                                            </p:txEl>
+                                          </p:spTgt>
+                                        </p:tgtEl>
+                                        <p:attrNameLst>
+                                          <p:attrName>style.visibility</p:attrName>
+                                        </p:attrNameLst>
+                                      </p:cBhvr>
+                                      <p:to>
+                                        <p:strVal val="visible"/>
+                                      </p:to>
+                                    </p:set>
+                                  </p:childTnLst>
+                                </p:cTn>
+                              </p:par>
+                            </p:childTnLst>
+                          </p:cTn>
+                        </p:par>
+                      </p:childTnLst>
+                    </p:cTn>
+                  </p:par>
+                  <p:par>
+                    <p:cTn id="19" fill="hold">
+                      <p:stCondLst>
+                        <p:cond delay="indefinite"/>
+                      </p:stCondLst>
+                      <p:childTnLst>
+                        <p:par>
+                          <p:cTn id="20" fill="hold">
+                            <p:stCondLst>
+                              <p:cond delay="0"/>
+                            </p:stCondLst>
+                            <p:childTnLst>
+                              <p:par>
+                                <p:cTn id="21" presetID="1" presetClass="entr" presetSubtype="0" fill="hold" grpId="0" nodeType="clickEffect">
+                                  <p:stCondLst>
+                                    <p:cond delay="0"/>
+                                  </p:stCondLst>
+                                  <p:childTnLst>
+                                    <p:set>
+                                      <p:cBhvr>
+                                        <p:cTn id="22" dur="1" fill="hold">
+                                          <p:stCondLst>
+                                            <p:cond delay="0"/>
+                                          </p:stCondLst>
+                                        </p:cTn>
+                                        <p:tgtEl>
+                                          <p:spTgt spid="3">
+                                            <p:txEl>
+                                              <p:pRg st="5" end="5"/>
+                                            </p:txEl>
+                                          </p:spTgt>
+                                        </p:tgtEl>
+                                        <p:attrNameLst>
+                                          <p:attrName>style.visibility</p:attrName>
+                                        </p:attrNameLst>
+                                      </p:cBhvr>
+                                      <p:to>
+                                        <p:strVal val="visible"/>
+                                      </p:to>
+                                    </p:set>
+                                  </p:childTnLst>
+                                </p:cTn>
+                              </p:par>
+                            </p:childTnLst>
+                          </p:cTn>
+                        </p:par>
+                      </p:childTnLst>
+                    </p:cTn>
+                  </p:par>
+                  <p:par>
+                    <p:cTn id="23" fill="hold">
+                      <p:stCondLst>
+                        <p:cond delay="indefinite"/>
+                      </p:stCondLst>
+                      <p:childTnLst>
+                        <p:par>
+                          <p:cTn id="24" fill="hold">
+                            <p:stCondLst>
+                              <p:cond delay="0"/>
+                            </p:stCondLst>
+                            <p:childTnLst>
+                              <p:par>
+                                <p:cTn id="25" presetID="1" presetClass="entr" presetSubtype="0" fill="hold" grpId="0" nodeType="clickEffect">
+                                  <p:stCondLst>
+                                    <p:cond delay="0"/>
+                                  </p:stCondLst>
+                                  <p:childTnLst>
+                                    <p:set>
+                                      <p:cBhvr>
+                                        <p:cTn id="26" dur="1" fill="hold">
+                                          <p:stCondLst>
+                                            <p:cond delay="0"/>
+                                          </p:stCondLst>
+                                        </p:cTn>
+                                        <p:tgtEl>
+                                          <p:spTgt spid="3">
+                                            <p:txEl>
+                                              <p:pRg st="6" end="6"/>
+                                            </p:txEl>
+                                          </p:spTgt>
+                                        </p:tgtEl>
+                                        <p:attrNameLst>
+                                          <p:attrName>style.visibility</p:attrName>
+                                        </p:attrNameLst>
+                                      </p:cBhvr>
+                                      <p:to>
+                                        <p:strVal val="visible"/>
+                                      </p:to>
+                                    </p:set>
+                                  </p:childTnLst>
+                                </p:cTn>
+                              </p:par>
+                            </p:childTnLst>
+                          </p:cTn>
+                        </p:par>
+                      </p:childTnLst>
+                    </p:cTn>
+                  </p:par>
+                  <p:par>
+                    <p:cTn id="27" fill="hold">
+                      <p:stCondLst>
+                        <p:cond delay="indefinite"/>
+                      </p:stCondLst>
+                      <p:childTnLst>
+                        <p:par>
+                          <p:cTn id="28" fill="hold">
+                            <p:stCondLst>
+                              <p:cond delay="0"/>
+                            </p:stCondLst>
+                            <p:childTnLst>
+                              <p:par>
+                                <p:cTn id="29" presetID="1" presetClass="entr" presetSubtype="0" fill="hold" grpId="0" nodeType="clickEffect">
+                                  <p:stCondLst>
+                                    <p:cond delay="0"/>
+                                  </p:stCondLst>
+                                  <p:childTnLst>
+                                    <p:set>
+                                      <p:cBhvr>
+                                        <p:cTn id="30" dur="1" fill="hold">
+                                          <p:stCondLst>
+                                            <p:cond delay="0"/>
+                                          </p:stCondLst>
+                                        </p:cTn>
+                                        <p:tgtEl>
+                                          <p:spTgt spid="3">
+                                            <p:txEl>
+                                              <p:pRg st="7" end="7"/>
+                                            </p:txEl>
+                                          </p:spTgt>
+                                        </p:tgtEl>
+                                        <p:attrNameLst>
+                                          <p:attrName>style.visibility</p:attrName>
+                                        </p:attrNameLst>
+                                      </p:cBhvr>
+                                      <p:to>
+                                        <p:strVal val="visible"/>
+                                      </p:to>
+                                    </p:set>
+                                  </p:childTnLst>
+                                </p:cTn>
+                              </p:par>
+                            </p:childTnLst>
+                          </p:cTn>
+                        </p:par>
+                      </p:childTnLst>
+                    </p:cTn>
+                  </p:par>
+                  <p:par>
+                    <p:cTn id="31" fill="hold">
+                      <p:stCondLst>
+                        <p:cond delay="indefinite"/>
+                      </p:stCondLst>
+                      <p:childTnLst>
+                        <p:par>
+                          <p:cTn id="32" fill="hold">
+                            <p:stCondLst>
+                              <p:cond delay="0"/>
+                            </p:stCondLst>
+                            <p:childTnLst>
+                              <p:par>
+                                <p:cTn id="33" presetID="1" presetClass="entr" presetSubtype="0" fill="hold" grpId="0" nodeType="clickEffect">
+                                  <p:stCondLst>
+                                    <p:cond delay="0"/>
+                                  </p:stCondLst>
+                                  <p:childTnLst>
+                                    <p:set>
+                                      <p:cBhvr>
+                                        <p:cTn id="34" dur="1" fill="hold">
+                                          <p:stCondLst>
+                                            <p:cond delay="0"/>
+                                          </p:stCondLst>
+                                        </p:cTn>
+                                        <p:tgtEl>
+                                          <p:spTgt spid="3">
+                                            <p:txEl>
+                                              <p:pRg st="9" end="9"/>
+                                            </p:txEl>
+                                          </p:spTgt>
+                                        </p:tgtEl>
+                                        <p:attrNameLst>
+                                          <p:attrName>style.visibility</p:attrName>
+                                        </p:attrNameLst>
+                                      </p:cBhvr>
+                                      <p:to>
+                                        <p:strVal val="visible"/>
+                                      </p:to>
+                                    </p:set>
+                                  </p:childTnLst>
+                                </p:cTn>
+                              </p:par>
+                            </p:childTnLst>
+                          </p:cTn>
+                        </p:par>
+                      </p:childTnLst>
+                    </p:cTn>
+                  </p:par>
+                  <p:par>
+                    <p:cTn id="35" fill="hold">
+                      <p:stCondLst>
+                        <p:cond delay="indefinite"/>
+                      </p:stCondLst>
+                      <p:childTnLst>
+                        <p:par>
+                          <p:cTn id="36" fill="hold">
+                            <p:stCondLst>
+                              <p:cond delay="0"/>
+                            </p:stCondLst>
+                            <p:childTnLst>
+                              <p:par>
+                                <p:cTn id="37" presetID="1" presetClass="entr" presetSubtype="0" fill="hold" grpId="0" nodeType="clickEffect">
+                                  <p:stCondLst>
+                                    <p:cond delay="0"/>
+                                  </p:stCondLst>
+                                  <p:childTnLst>
+                                    <p:set>
+                                      <p:cBhvr>
+                                        <p:cTn id="38" dur="1" fill="hold">
+                                          <p:stCondLst>
+                                            <p:cond delay="0"/>
+                                          </p:stCondLst>
+                                        </p:cTn>
+                                        <p:tgtEl>
+                                          <p:spTgt spid="3">
+                                            <p:txEl>
+                                              <p:pRg st="10" end="10"/>
+                                            </p:txEl>
+                                          </p:spTgt>
+                                        </p:tgtEl>
+                                        <p:attrNameLst>
+                                          <p:attrName>style.visibility</p:attrName>
+                                        </p:attrNameLst>
+                                      </p:cBhvr>
+                                      <p:to>
+                                        <p:strVal val="visible"/>
+                                      </p:to>
+                                    </p:set>
+                                  </p:childTnLst>
+                                </p:cTn>
+                              </p:par>
+                            </p:childTnLst>
+                          </p:cTn>
+                        </p:par>
+                      </p:childTnLst>
+                    </p:cTn>
+                  </p:par>
+                  <p:par>
+                    <p:cTn id="39" fill="hold">
+                      <p:stCondLst>
+                        <p:cond delay="indefinite"/>
+                      </p:stCondLst>
+                      <p:childTnLst>
+                        <p:par>
+                          <p:cTn id="40" fill="hold">
+                            <p:stCondLst>
+                              <p:cond delay="0"/>
+                            </p:stCondLst>
+                            <p:childTnLst>
+                              <p:par>
+                                <p:cTn id="41" presetID="1" presetClass="entr" presetSubtype="0" fill="hold" grpId="0" nodeType="clickEffect">
+                                  <p:stCondLst>
+                                    <p:cond delay="0"/>
+                                  </p:stCondLst>
+                                  <p:childTnLst>
+                                    <p:set>
+                                      <p:cBhvr>
+                                        <p:cTn id="42" dur="1" fill="hold">
+                                          <p:stCondLst>
+                                            <p:cond delay="0"/>
+                                          </p:stCondLst>
+                                        </p:cTn>
+                                        <p:tgtEl>
+                                          <p:spTgt spid="3">
+                                            <p:txEl>
+                                              <p:pRg st="11" end="11"/>
+                                            </p:txEl>
+                                          </p:spTgt>
+                                        </p:tgtEl>
+                                        <p:attrNameLst>
+                                          <p:attrName>style.visibility</p:attrName>
+                                        </p:attrNameLst>
+                                      </p:cBhvr>
+                                      <p:to>
+                                        <p:strVal val="visible"/>
+                                      </p:to>
+                                    </p:set>
+                                  </p:childTnLst>
+                                </p:cTn>
+                              </p:par>
+                            </p:childTnLst>
+                          </p:cTn>
+                        </p:par>
+                      </p:childTnLst>
+                    </p:cTn>
+                  </p:par>
+                  <p:par>
+                    <p:cTn id="43" fill="hold">
+                      <p:stCondLst>
+                        <p:cond delay="indefinite"/>
+                      </p:stCondLst>
+                      <p:childTnLst>
+                        <p:par>
+                          <p:cTn id="44" fill="hold">
+                            <p:stCondLst>
+                              <p:cond delay="0"/>
+                            </p:stCondLst>
+                            <p:childTnLst>
+                              <p:par>
+                                <p:cTn id="45" presetID="1" presetClass="entr" presetSubtype="0" fill="hold" grpId="0" nodeType="clickEffect">
+                                  <p:stCondLst>
+                                    <p:cond delay="0"/>
+                                  </p:stCondLst>
+                                  <p:childTnLst>
+                                    <p:set>
+                                      <p:cBhvr>
+                                        <p:cTn id="46" dur="1" fill="hold">
+                                          <p:stCondLst>
+                                            <p:cond delay="0"/>
+                                          </p:stCondLst>
+                                        </p:cTn>
+                                        <p:tgtEl>
+                                          <p:spTgt spid="3">
+                                            <p:txEl>
+                                              <p:pRg st="13" end="13"/>
+                                            </p:txEl>
+                                          </p:spTgt>
+                                        </p:tgtEl>
+                                        <p:attrNameLst>
+                                          <p:attrName>style.visibility</p:attrName>
+                                        </p:attrNameLst>
+                                      </p:cBhvr>
+                                      <p:to>
+                                        <p:strVal val="visible"/>
+                                      </p:to>
+                                    </p:set>
+                                  </p:childTnLst>
+                                </p:cTn>
+                              </p:par>
+                            </p:childTnLst>
+                          </p:cTn>
+                        </p:par>
+                      </p:childTnLst>
+                    </p:cTn>
+                  </p:par>
+                </p:childTnLst>
+              </p:cTn>
+              <p:prevCondLst>
+                <p:cond evt="onPrev" delay="0">
+                  <p:tgtEl>
+                    <p:sldTgt/>
+                  </p:tgtEl>
+                </p:cond>
+              </p:prevCondLst>
+              <p:nextCondLst>
+                <p:cond evt="onNext" delay="0">
+                  <p:tgtEl>
+                    <p:sldTgt/>
+                  </p:tgtEl>
+                </p:cond>
+              </p:nextCondLst>
+            </p:seq>
+          </p:childTnLst>
+        </p:cTn>
+      </p:par>
+    </p:tnLst>
+    <p:bldLst>
+      <p:bldP spid="3" grpId="0" build="p"/>
+    </p:bldLst>
+  </p:timing>
 </p:sld>
 </file>
 
@@ -11281,6 +13416,333 @@
   <p:clrMapOvr>
     <a:masterClrMapping/>
   </p:clrMapOvr>
+  <p:timing>
+    <p:tnLst>
+      <p:par>
+        <p:cTn id="1" dur="indefinite" restart="never" nodeType="tmRoot">
+          <p:childTnLst>
+            <p:seq concurrent="1" nextAc="seek">
+              <p:cTn id="2" dur="indefinite" nodeType="mainSeq">
+                <p:childTnLst>
+                  <p:par>
+                    <p:cTn id="3" fill="hold">
+                      <p:stCondLst>
+                        <p:cond delay="indefinite"/>
+                      </p:stCondLst>
+                      <p:childTnLst>
+                        <p:par>
+                          <p:cTn id="4" fill="hold">
+                            <p:stCondLst>
+                              <p:cond delay="0"/>
+                            </p:stCondLst>
+                            <p:childTnLst>
+                              <p:par>
+                                <p:cTn id="5" presetID="1" presetClass="entr" presetSubtype="0" fill="hold" grpId="0" nodeType="clickEffect">
+                                  <p:stCondLst>
+                                    <p:cond delay="0"/>
+                                  </p:stCondLst>
+                                  <p:childTnLst>
+                                    <p:set>
+                                      <p:cBhvr>
+                                        <p:cTn id="6" dur="1" fill="hold">
+                                          <p:stCondLst>
+                                            <p:cond delay="0"/>
+                                          </p:stCondLst>
+                                        </p:cTn>
+                                        <p:tgtEl>
+                                          <p:spTgt spid="3">
+                                            <p:txEl>
+                                              <p:pRg st="0" end="0"/>
+                                            </p:txEl>
+                                          </p:spTgt>
+                                        </p:tgtEl>
+                                        <p:attrNameLst>
+                                          <p:attrName>style.visibility</p:attrName>
+                                        </p:attrNameLst>
+                                      </p:cBhvr>
+                                      <p:to>
+                                        <p:strVal val="visible"/>
+                                      </p:to>
+                                    </p:set>
+                                  </p:childTnLst>
+                                </p:cTn>
+                              </p:par>
+                            </p:childTnLst>
+                          </p:cTn>
+                        </p:par>
+                      </p:childTnLst>
+                    </p:cTn>
+                  </p:par>
+                  <p:par>
+                    <p:cTn id="7" fill="hold">
+                      <p:stCondLst>
+                        <p:cond delay="indefinite"/>
+                      </p:stCondLst>
+                      <p:childTnLst>
+                        <p:par>
+                          <p:cTn id="8" fill="hold">
+                            <p:stCondLst>
+                              <p:cond delay="0"/>
+                            </p:stCondLst>
+                            <p:childTnLst>
+                              <p:par>
+                                <p:cTn id="9" presetID="1" presetClass="entr" presetSubtype="0" fill="hold" grpId="0" nodeType="clickEffect">
+                                  <p:stCondLst>
+                                    <p:cond delay="0"/>
+                                  </p:stCondLst>
+                                  <p:childTnLst>
+                                    <p:set>
+                                      <p:cBhvr>
+                                        <p:cTn id="10" dur="1" fill="hold">
+                                          <p:stCondLst>
+                                            <p:cond delay="0"/>
+                                          </p:stCondLst>
+                                        </p:cTn>
+                                        <p:tgtEl>
+                                          <p:spTgt spid="3">
+                                            <p:txEl>
+                                              <p:pRg st="2" end="2"/>
+                                            </p:txEl>
+                                          </p:spTgt>
+                                        </p:tgtEl>
+                                        <p:attrNameLst>
+                                          <p:attrName>style.visibility</p:attrName>
+                                        </p:attrNameLst>
+                                      </p:cBhvr>
+                                      <p:to>
+                                        <p:strVal val="visible"/>
+                                      </p:to>
+                                    </p:set>
+                                  </p:childTnLst>
+                                </p:cTn>
+                              </p:par>
+                            </p:childTnLst>
+                          </p:cTn>
+                        </p:par>
+                      </p:childTnLst>
+                    </p:cTn>
+                  </p:par>
+                  <p:par>
+                    <p:cTn id="11" fill="hold">
+                      <p:stCondLst>
+                        <p:cond delay="indefinite"/>
+                      </p:stCondLst>
+                      <p:childTnLst>
+                        <p:par>
+                          <p:cTn id="12" fill="hold">
+                            <p:stCondLst>
+                              <p:cond delay="0"/>
+                            </p:stCondLst>
+                            <p:childTnLst>
+                              <p:par>
+                                <p:cTn id="13" presetID="1" presetClass="entr" presetSubtype="0" fill="hold" grpId="0" nodeType="clickEffect">
+                                  <p:stCondLst>
+                                    <p:cond delay="0"/>
+                                  </p:stCondLst>
+                                  <p:childTnLst>
+                                    <p:set>
+                                      <p:cBhvr>
+                                        <p:cTn id="14" dur="1" fill="hold">
+                                          <p:stCondLst>
+                                            <p:cond delay="0"/>
+                                          </p:stCondLst>
+                                        </p:cTn>
+                                        <p:tgtEl>
+                                          <p:spTgt spid="3">
+                                            <p:txEl>
+                                              <p:pRg st="4" end="4"/>
+                                            </p:txEl>
+                                          </p:spTgt>
+                                        </p:tgtEl>
+                                        <p:attrNameLst>
+                                          <p:attrName>style.visibility</p:attrName>
+                                        </p:attrNameLst>
+                                      </p:cBhvr>
+                                      <p:to>
+                                        <p:strVal val="visible"/>
+                                      </p:to>
+                                    </p:set>
+                                  </p:childTnLst>
+                                </p:cTn>
+                              </p:par>
+                            </p:childTnLst>
+                          </p:cTn>
+                        </p:par>
+                      </p:childTnLst>
+                    </p:cTn>
+                  </p:par>
+                  <p:par>
+                    <p:cTn id="15" fill="hold">
+                      <p:stCondLst>
+                        <p:cond delay="indefinite"/>
+                      </p:stCondLst>
+                      <p:childTnLst>
+                        <p:par>
+                          <p:cTn id="16" fill="hold">
+                            <p:stCondLst>
+                              <p:cond delay="0"/>
+                            </p:stCondLst>
+                            <p:childTnLst>
+                              <p:par>
+                                <p:cTn id="17" presetID="1" presetClass="entr" presetSubtype="0" fill="hold" grpId="0" nodeType="clickEffect">
+                                  <p:stCondLst>
+                                    <p:cond delay="0"/>
+                                  </p:stCondLst>
+                                  <p:childTnLst>
+                                    <p:set>
+                                      <p:cBhvr>
+                                        <p:cTn id="18" dur="1" fill="hold">
+                                          <p:stCondLst>
+                                            <p:cond delay="0"/>
+                                          </p:stCondLst>
+                                        </p:cTn>
+                                        <p:tgtEl>
+                                          <p:spTgt spid="3">
+                                            <p:txEl>
+                                              <p:pRg st="5" end="5"/>
+                                            </p:txEl>
+                                          </p:spTgt>
+                                        </p:tgtEl>
+                                        <p:attrNameLst>
+                                          <p:attrName>style.visibility</p:attrName>
+                                        </p:attrNameLst>
+                                      </p:cBhvr>
+                                      <p:to>
+                                        <p:strVal val="visible"/>
+                                      </p:to>
+                                    </p:set>
+                                  </p:childTnLst>
+                                </p:cTn>
+                              </p:par>
+                            </p:childTnLst>
+                          </p:cTn>
+                        </p:par>
+                      </p:childTnLst>
+                    </p:cTn>
+                  </p:par>
+                  <p:par>
+                    <p:cTn id="19" fill="hold">
+                      <p:stCondLst>
+                        <p:cond delay="indefinite"/>
+                      </p:stCondLst>
+                      <p:childTnLst>
+                        <p:par>
+                          <p:cTn id="20" fill="hold">
+                            <p:stCondLst>
+                              <p:cond delay="0"/>
+                            </p:stCondLst>
+                            <p:childTnLst>
+                              <p:par>
+                                <p:cTn id="21" presetID="1" presetClass="entr" presetSubtype="0" fill="hold" grpId="0" nodeType="clickEffect">
+                                  <p:stCondLst>
+                                    <p:cond delay="0"/>
+                                  </p:stCondLst>
+                                  <p:childTnLst>
+                                    <p:set>
+                                      <p:cBhvr>
+                                        <p:cTn id="22" dur="1" fill="hold">
+                                          <p:stCondLst>
+                                            <p:cond delay="0"/>
+                                          </p:stCondLst>
+                                        </p:cTn>
+                                        <p:tgtEl>
+                                          <p:spTgt spid="3">
+                                            <p:txEl>
+                                              <p:pRg st="7" end="7"/>
+                                            </p:txEl>
+                                          </p:spTgt>
+                                        </p:tgtEl>
+                                        <p:attrNameLst>
+                                          <p:attrName>style.visibility</p:attrName>
+                                        </p:attrNameLst>
+                                      </p:cBhvr>
+                                      <p:to>
+                                        <p:strVal val="visible"/>
+                                      </p:to>
+                                    </p:set>
+                                  </p:childTnLst>
+                                </p:cTn>
+                              </p:par>
+                            </p:childTnLst>
+                          </p:cTn>
+                        </p:par>
+                      </p:childTnLst>
+                    </p:cTn>
+                  </p:par>
+                  <p:par>
+                    <p:cTn id="23" fill="hold">
+                      <p:stCondLst>
+                        <p:cond delay="indefinite"/>
+                      </p:stCondLst>
+                      <p:childTnLst>
+                        <p:par>
+                          <p:cTn id="24" fill="hold">
+                            <p:stCondLst>
+                              <p:cond delay="0"/>
+                            </p:stCondLst>
+                            <p:childTnLst>
+                              <p:par>
+                                <p:cTn id="25" presetID="1" presetClass="entr" presetSubtype="0" fill="hold" grpId="0" nodeType="clickEffect">
+                                  <p:stCondLst>
+                                    <p:cond delay="0"/>
+                                  </p:stCondLst>
+                                  <p:childTnLst>
+                                    <p:set>
+                                      <p:cBhvr>
+                                        <p:cTn id="26" dur="1" fill="hold">
+                                          <p:stCondLst>
+                                            <p:cond delay="0"/>
+                                          </p:stCondLst>
+                                        </p:cTn>
+                                        <p:tgtEl>
+                                          <p:spTgt spid="3">
+                                            <p:txEl>
+                                              <p:pRg st="8" end="8"/>
+                                            </p:txEl>
+                                          </p:spTgt>
+                                        </p:tgtEl>
+                                        <p:attrNameLst>
+                                          <p:attrName>style.visibility</p:attrName>
+                                        </p:attrNameLst>
+                                      </p:cBhvr>
+                                      <p:to>
+                                        <p:strVal val="visible"/>
+                                      </p:to>
+                                    </p:set>
+                                  </p:childTnLst>
+                                </p:cTn>
+                              </p:par>
+                            </p:childTnLst>
+                          </p:cTn>
+                        </p:par>
+                      </p:childTnLst>
+                    </p:cTn>
+                  </p:par>
+                </p:childTnLst>
+              </p:cTn>
+              <p:prevCondLst>
+                <p:cond evt="onPrev" delay="0">
+                  <p:tgtEl>
+                    <p:sldTgt/>
+                  </p:tgtEl>
+                </p:cond>
+              </p:prevCondLst>
+              <p:nextCondLst>
+                <p:cond evt="onNext" delay="0">
+                  <p:tgtEl>
+                    <p:sldTgt/>
+                  </p:tgtEl>
+                </p:cond>
+              </p:nextCondLst>
+            </p:seq>
+          </p:childTnLst>
+        </p:cTn>
+      </p:par>
+    </p:tnLst>
+    <p:bldLst>
+      <p:bldP spid="3" grpId="0" build="p"/>
+    </p:bldLst>
+  </p:timing>
 </p:sld>
 </file>
 
@@ -12477,15 +14939,7 @@
             </a:pPr>
             <a:r>
               <a:rPr lang="en-GB" sz="2400" dirty="0"/>
-              <a:t>Suppose an observational study </a:t>
-            </a:r>
-            <a:r>
-              <a:rPr lang="en-GB" sz="2400" dirty="0" err="1"/>
-              <a:t>comapred</a:t>
-            </a:r>
-            <a:r>
-              <a:rPr lang="en-GB" sz="2400" dirty="0"/>
-              <a:t> disease incidence between a group of people who took a probiotic compared to a group who did not.</a:t>
+              <a:t>Suppose an observational study compared disease incidence between a group of people who took a probiotic compared to a group who did not.</a:t>
             </a:r>
           </a:p>
           <a:p>
@@ -12573,6 +15027,382 @@
   <p:clrMapOvr>
     <a:masterClrMapping/>
   </p:clrMapOvr>
+  <p:timing>
+    <p:tnLst>
+      <p:par>
+        <p:cTn id="1" dur="indefinite" restart="never" nodeType="tmRoot">
+          <p:childTnLst>
+            <p:seq concurrent="1" nextAc="seek">
+              <p:cTn id="2" dur="indefinite" nodeType="mainSeq">
+                <p:childTnLst>
+                  <p:par>
+                    <p:cTn id="3" fill="hold">
+                      <p:stCondLst>
+                        <p:cond delay="indefinite"/>
+                      </p:stCondLst>
+                      <p:childTnLst>
+                        <p:par>
+                          <p:cTn id="4" fill="hold">
+                            <p:stCondLst>
+                              <p:cond delay="0"/>
+                            </p:stCondLst>
+                            <p:childTnLst>
+                              <p:par>
+                                <p:cTn id="5" presetID="1" presetClass="entr" presetSubtype="0" fill="hold" grpId="0" nodeType="clickEffect">
+                                  <p:stCondLst>
+                                    <p:cond delay="0"/>
+                                  </p:stCondLst>
+                                  <p:childTnLst>
+                                    <p:set>
+                                      <p:cBhvr>
+                                        <p:cTn id="6" dur="1" fill="hold">
+                                          <p:stCondLst>
+                                            <p:cond delay="0"/>
+                                          </p:stCondLst>
+                                        </p:cTn>
+                                        <p:tgtEl>
+                                          <p:spTgt spid="3">
+                                            <p:txEl>
+                                              <p:pRg st="0" end="0"/>
+                                            </p:txEl>
+                                          </p:spTgt>
+                                        </p:tgtEl>
+                                        <p:attrNameLst>
+                                          <p:attrName>style.visibility</p:attrName>
+                                        </p:attrNameLst>
+                                      </p:cBhvr>
+                                      <p:to>
+                                        <p:strVal val="visible"/>
+                                      </p:to>
+                                    </p:set>
+                                  </p:childTnLst>
+                                </p:cTn>
+                              </p:par>
+                            </p:childTnLst>
+                          </p:cTn>
+                        </p:par>
+                      </p:childTnLst>
+                    </p:cTn>
+                  </p:par>
+                  <p:par>
+                    <p:cTn id="7" fill="hold">
+                      <p:stCondLst>
+                        <p:cond delay="indefinite"/>
+                      </p:stCondLst>
+                      <p:childTnLst>
+                        <p:par>
+                          <p:cTn id="8" fill="hold">
+                            <p:stCondLst>
+                              <p:cond delay="0"/>
+                            </p:stCondLst>
+                            <p:childTnLst>
+                              <p:par>
+                                <p:cTn id="9" presetID="1" presetClass="entr" presetSubtype="0" fill="hold" grpId="0" nodeType="clickEffect">
+                                  <p:stCondLst>
+                                    <p:cond delay="0"/>
+                                  </p:stCondLst>
+                                  <p:childTnLst>
+                                    <p:set>
+                                      <p:cBhvr>
+                                        <p:cTn id="10" dur="1" fill="hold">
+                                          <p:stCondLst>
+                                            <p:cond delay="0"/>
+                                          </p:stCondLst>
+                                        </p:cTn>
+                                        <p:tgtEl>
+                                          <p:spTgt spid="3">
+                                            <p:txEl>
+                                              <p:pRg st="2" end="2"/>
+                                            </p:txEl>
+                                          </p:spTgt>
+                                        </p:tgtEl>
+                                        <p:attrNameLst>
+                                          <p:attrName>style.visibility</p:attrName>
+                                        </p:attrNameLst>
+                                      </p:cBhvr>
+                                      <p:to>
+                                        <p:strVal val="visible"/>
+                                      </p:to>
+                                    </p:set>
+                                  </p:childTnLst>
+                                </p:cTn>
+                              </p:par>
+                            </p:childTnLst>
+                          </p:cTn>
+                        </p:par>
+                      </p:childTnLst>
+                    </p:cTn>
+                  </p:par>
+                  <p:par>
+                    <p:cTn id="11" fill="hold">
+                      <p:stCondLst>
+                        <p:cond delay="indefinite"/>
+                      </p:stCondLst>
+                      <p:childTnLst>
+                        <p:par>
+                          <p:cTn id="12" fill="hold">
+                            <p:stCondLst>
+                              <p:cond delay="0"/>
+                            </p:stCondLst>
+                            <p:childTnLst>
+                              <p:par>
+                                <p:cTn id="13" presetID="1" presetClass="entr" presetSubtype="0" fill="hold" grpId="0" nodeType="clickEffect">
+                                  <p:stCondLst>
+                                    <p:cond delay="0"/>
+                                  </p:stCondLst>
+                                  <p:childTnLst>
+                                    <p:set>
+                                      <p:cBhvr>
+                                        <p:cTn id="14" dur="1" fill="hold">
+                                          <p:stCondLst>
+                                            <p:cond delay="0"/>
+                                          </p:stCondLst>
+                                        </p:cTn>
+                                        <p:tgtEl>
+                                          <p:spTgt spid="3">
+                                            <p:txEl>
+                                              <p:pRg st="4" end="4"/>
+                                            </p:txEl>
+                                          </p:spTgt>
+                                        </p:tgtEl>
+                                        <p:attrNameLst>
+                                          <p:attrName>style.visibility</p:attrName>
+                                        </p:attrNameLst>
+                                      </p:cBhvr>
+                                      <p:to>
+                                        <p:strVal val="visible"/>
+                                      </p:to>
+                                    </p:set>
+                                  </p:childTnLst>
+                                </p:cTn>
+                              </p:par>
+                            </p:childTnLst>
+                          </p:cTn>
+                        </p:par>
+                      </p:childTnLst>
+                    </p:cTn>
+                  </p:par>
+                  <p:par>
+                    <p:cTn id="15" fill="hold">
+                      <p:stCondLst>
+                        <p:cond delay="indefinite"/>
+                      </p:stCondLst>
+                      <p:childTnLst>
+                        <p:par>
+                          <p:cTn id="16" fill="hold">
+                            <p:stCondLst>
+                              <p:cond delay="0"/>
+                            </p:stCondLst>
+                            <p:childTnLst>
+                              <p:par>
+                                <p:cTn id="17" presetID="1" presetClass="entr" presetSubtype="0" fill="hold" grpId="0" nodeType="clickEffect">
+                                  <p:stCondLst>
+                                    <p:cond delay="0"/>
+                                  </p:stCondLst>
+                                  <p:childTnLst>
+                                    <p:set>
+                                      <p:cBhvr>
+                                        <p:cTn id="18" dur="1" fill="hold">
+                                          <p:stCondLst>
+                                            <p:cond delay="0"/>
+                                          </p:stCondLst>
+                                        </p:cTn>
+                                        <p:tgtEl>
+                                          <p:spTgt spid="3">
+                                            <p:txEl>
+                                              <p:pRg st="5" end="5"/>
+                                            </p:txEl>
+                                          </p:spTgt>
+                                        </p:tgtEl>
+                                        <p:attrNameLst>
+                                          <p:attrName>style.visibility</p:attrName>
+                                        </p:attrNameLst>
+                                      </p:cBhvr>
+                                      <p:to>
+                                        <p:strVal val="visible"/>
+                                      </p:to>
+                                    </p:set>
+                                  </p:childTnLst>
+                                </p:cTn>
+                              </p:par>
+                            </p:childTnLst>
+                          </p:cTn>
+                        </p:par>
+                      </p:childTnLst>
+                    </p:cTn>
+                  </p:par>
+                  <p:par>
+                    <p:cTn id="19" fill="hold">
+                      <p:stCondLst>
+                        <p:cond delay="indefinite"/>
+                      </p:stCondLst>
+                      <p:childTnLst>
+                        <p:par>
+                          <p:cTn id="20" fill="hold">
+                            <p:stCondLst>
+                              <p:cond delay="0"/>
+                            </p:stCondLst>
+                            <p:childTnLst>
+                              <p:par>
+                                <p:cTn id="21" presetID="1" presetClass="entr" presetSubtype="0" fill="hold" grpId="0" nodeType="clickEffect">
+                                  <p:stCondLst>
+                                    <p:cond delay="0"/>
+                                  </p:stCondLst>
+                                  <p:childTnLst>
+                                    <p:set>
+                                      <p:cBhvr>
+                                        <p:cTn id="22" dur="1" fill="hold">
+                                          <p:stCondLst>
+                                            <p:cond delay="0"/>
+                                          </p:stCondLst>
+                                        </p:cTn>
+                                        <p:tgtEl>
+                                          <p:spTgt spid="3">
+                                            <p:txEl>
+                                              <p:pRg st="6" end="6"/>
+                                            </p:txEl>
+                                          </p:spTgt>
+                                        </p:tgtEl>
+                                        <p:attrNameLst>
+                                          <p:attrName>style.visibility</p:attrName>
+                                        </p:attrNameLst>
+                                      </p:cBhvr>
+                                      <p:to>
+                                        <p:strVal val="visible"/>
+                                      </p:to>
+                                    </p:set>
+                                  </p:childTnLst>
+                                </p:cTn>
+                              </p:par>
+                            </p:childTnLst>
+                          </p:cTn>
+                        </p:par>
+                      </p:childTnLst>
+                    </p:cTn>
+                  </p:par>
+                  <p:par>
+                    <p:cTn id="23" fill="hold">
+                      <p:stCondLst>
+                        <p:cond delay="indefinite"/>
+                      </p:stCondLst>
+                      <p:childTnLst>
+                        <p:par>
+                          <p:cTn id="24" fill="hold">
+                            <p:stCondLst>
+                              <p:cond delay="0"/>
+                            </p:stCondLst>
+                            <p:childTnLst>
+                              <p:par>
+                                <p:cTn id="25" presetID="1" presetClass="entr" presetSubtype="0" fill="hold" grpId="0" nodeType="clickEffect">
+                                  <p:stCondLst>
+                                    <p:cond delay="0"/>
+                                  </p:stCondLst>
+                                  <p:childTnLst>
+                                    <p:set>
+                                      <p:cBhvr>
+                                        <p:cTn id="26" dur="1" fill="hold">
+                                          <p:stCondLst>
+                                            <p:cond delay="0"/>
+                                          </p:stCondLst>
+                                        </p:cTn>
+                                        <p:tgtEl>
+                                          <p:spTgt spid="3">
+                                            <p:txEl>
+                                              <p:pRg st="7" end="7"/>
+                                            </p:txEl>
+                                          </p:spTgt>
+                                        </p:tgtEl>
+                                        <p:attrNameLst>
+                                          <p:attrName>style.visibility</p:attrName>
+                                        </p:attrNameLst>
+                                      </p:cBhvr>
+                                      <p:to>
+                                        <p:strVal val="visible"/>
+                                      </p:to>
+                                    </p:set>
+                                  </p:childTnLst>
+                                </p:cTn>
+                              </p:par>
+                            </p:childTnLst>
+                          </p:cTn>
+                        </p:par>
+                      </p:childTnLst>
+                    </p:cTn>
+                  </p:par>
+                  <p:par>
+                    <p:cTn id="27" fill="hold">
+                      <p:stCondLst>
+                        <p:cond delay="indefinite"/>
+                      </p:stCondLst>
+                      <p:childTnLst>
+                        <p:par>
+                          <p:cTn id="28" fill="hold">
+                            <p:stCondLst>
+                              <p:cond delay="0"/>
+                            </p:stCondLst>
+                            <p:childTnLst>
+                              <p:par>
+                                <p:cTn id="29" presetID="1" presetClass="entr" presetSubtype="0" fill="hold" grpId="0" nodeType="clickEffect">
+                                  <p:stCondLst>
+                                    <p:cond delay="0"/>
+                                  </p:stCondLst>
+                                  <p:childTnLst>
+                                    <p:set>
+                                      <p:cBhvr>
+                                        <p:cTn id="30" dur="1" fill="hold">
+                                          <p:stCondLst>
+                                            <p:cond delay="0"/>
+                                          </p:stCondLst>
+                                        </p:cTn>
+                                        <p:tgtEl>
+                                          <p:spTgt spid="3">
+                                            <p:txEl>
+                                              <p:pRg st="8" end="8"/>
+                                            </p:txEl>
+                                          </p:spTgt>
+                                        </p:tgtEl>
+                                        <p:attrNameLst>
+                                          <p:attrName>style.visibility</p:attrName>
+                                        </p:attrNameLst>
+                                      </p:cBhvr>
+                                      <p:to>
+                                        <p:strVal val="visible"/>
+                                      </p:to>
+                                    </p:set>
+                                  </p:childTnLst>
+                                </p:cTn>
+                              </p:par>
+                            </p:childTnLst>
+                          </p:cTn>
+                        </p:par>
+                      </p:childTnLst>
+                    </p:cTn>
+                  </p:par>
+                </p:childTnLst>
+              </p:cTn>
+              <p:prevCondLst>
+                <p:cond evt="onPrev" delay="0">
+                  <p:tgtEl>
+                    <p:sldTgt/>
+                  </p:tgtEl>
+                </p:cond>
+              </p:prevCondLst>
+              <p:nextCondLst>
+                <p:cond evt="onNext" delay="0">
+                  <p:tgtEl>
+                    <p:sldTgt/>
+                  </p:tgtEl>
+                </p:cond>
+              </p:nextCondLst>
+            </p:seq>
+          </p:childTnLst>
+        </p:cTn>
+      </p:par>
+    </p:tnLst>
+    <p:bldLst>
+      <p:bldP spid="3" grpId="0" build="p"/>
+    </p:bldLst>
+  </p:timing>
 </p:sld>
 </file>
 
@@ -12681,7 +15511,7 @@
             </a:pPr>
             <a:r>
               <a:rPr lang="en-GB" sz="1800" dirty="0"/>
-              <a:t>(No, we can’t make probability statements about unknowns without more info.)</a:t>
+              <a:t>(No, we can’t make probability statements about unknowns without more (prior) info.)</a:t>
             </a:r>
           </a:p>
           <a:p>
@@ -12800,6 +15630,408 @@
   <p:clrMapOvr>
     <a:masterClrMapping/>
   </p:clrMapOvr>
+  <p:timing>
+    <p:tnLst>
+      <p:par>
+        <p:cTn id="1" dur="indefinite" restart="never" nodeType="tmRoot">
+          <p:childTnLst>
+            <p:seq concurrent="1" nextAc="seek">
+              <p:cTn id="2" dur="indefinite" nodeType="mainSeq">
+                <p:childTnLst>
+                  <p:par>
+                    <p:cTn id="3" fill="hold">
+                      <p:stCondLst>
+                        <p:cond delay="indefinite"/>
+                      </p:stCondLst>
+                      <p:childTnLst>
+                        <p:par>
+                          <p:cTn id="4" fill="hold">
+                            <p:stCondLst>
+                              <p:cond delay="0"/>
+                            </p:stCondLst>
+                            <p:childTnLst>
+                              <p:par>
+                                <p:cTn id="5" presetID="1" presetClass="entr" presetSubtype="0" fill="hold" grpId="0" nodeType="clickEffect">
+                                  <p:stCondLst>
+                                    <p:cond delay="0"/>
+                                  </p:stCondLst>
+                                  <p:childTnLst>
+                                    <p:set>
+                                      <p:cBhvr>
+                                        <p:cTn id="6" dur="1" fill="hold">
+                                          <p:stCondLst>
+                                            <p:cond delay="0"/>
+                                          </p:stCondLst>
+                                        </p:cTn>
+                                        <p:tgtEl>
+                                          <p:spTgt spid="3">
+                                            <p:txEl>
+                                              <p:pRg st="0" end="0"/>
+                                            </p:txEl>
+                                          </p:spTgt>
+                                        </p:tgtEl>
+                                        <p:attrNameLst>
+                                          <p:attrName>style.visibility</p:attrName>
+                                        </p:attrNameLst>
+                                      </p:cBhvr>
+                                      <p:to>
+                                        <p:strVal val="visible"/>
+                                      </p:to>
+                                    </p:set>
+                                  </p:childTnLst>
+                                </p:cTn>
+                              </p:par>
+                            </p:childTnLst>
+                          </p:cTn>
+                        </p:par>
+                      </p:childTnLst>
+                    </p:cTn>
+                  </p:par>
+                  <p:par>
+                    <p:cTn id="7" fill="hold">
+                      <p:stCondLst>
+                        <p:cond delay="indefinite"/>
+                      </p:stCondLst>
+                      <p:childTnLst>
+                        <p:par>
+                          <p:cTn id="8" fill="hold">
+                            <p:stCondLst>
+                              <p:cond delay="0"/>
+                            </p:stCondLst>
+                            <p:childTnLst>
+                              <p:par>
+                                <p:cTn id="9" presetID="1" presetClass="entr" presetSubtype="0" fill="hold" grpId="0" nodeType="clickEffect">
+                                  <p:stCondLst>
+                                    <p:cond delay="0"/>
+                                  </p:stCondLst>
+                                  <p:childTnLst>
+                                    <p:set>
+                                      <p:cBhvr>
+                                        <p:cTn id="10" dur="1" fill="hold">
+                                          <p:stCondLst>
+                                            <p:cond delay="0"/>
+                                          </p:stCondLst>
+                                        </p:cTn>
+                                        <p:tgtEl>
+                                          <p:spTgt spid="3">
+                                            <p:txEl>
+                                              <p:pRg st="1" end="1"/>
+                                            </p:txEl>
+                                          </p:spTgt>
+                                        </p:tgtEl>
+                                        <p:attrNameLst>
+                                          <p:attrName>style.visibility</p:attrName>
+                                        </p:attrNameLst>
+                                      </p:cBhvr>
+                                      <p:to>
+                                        <p:strVal val="visible"/>
+                                      </p:to>
+                                    </p:set>
+                                  </p:childTnLst>
+                                </p:cTn>
+                              </p:par>
+                              <p:par>
+                                <p:cTn id="11" presetID="1" presetClass="entr" presetSubtype="0" fill="hold" grpId="0" nodeType="withEffect">
+                                  <p:stCondLst>
+                                    <p:cond delay="0"/>
+                                  </p:stCondLst>
+                                  <p:childTnLst>
+                                    <p:set>
+                                      <p:cBhvr>
+                                        <p:cTn id="12" dur="1" fill="hold">
+                                          <p:stCondLst>
+                                            <p:cond delay="0"/>
+                                          </p:stCondLst>
+                                        </p:cTn>
+                                        <p:tgtEl>
+                                          <p:spTgt spid="3">
+                                            <p:txEl>
+                                              <p:pRg st="2" end="2"/>
+                                            </p:txEl>
+                                          </p:spTgt>
+                                        </p:tgtEl>
+                                        <p:attrNameLst>
+                                          <p:attrName>style.visibility</p:attrName>
+                                        </p:attrNameLst>
+                                      </p:cBhvr>
+                                      <p:to>
+                                        <p:strVal val="visible"/>
+                                      </p:to>
+                                    </p:set>
+                                  </p:childTnLst>
+                                </p:cTn>
+                              </p:par>
+                            </p:childTnLst>
+                          </p:cTn>
+                        </p:par>
+                      </p:childTnLst>
+                    </p:cTn>
+                  </p:par>
+                  <p:par>
+                    <p:cTn id="13" fill="hold">
+                      <p:stCondLst>
+                        <p:cond delay="indefinite"/>
+                      </p:stCondLst>
+                      <p:childTnLst>
+                        <p:par>
+                          <p:cTn id="14" fill="hold">
+                            <p:stCondLst>
+                              <p:cond delay="0"/>
+                            </p:stCondLst>
+                            <p:childTnLst>
+                              <p:par>
+                                <p:cTn id="15" presetID="1" presetClass="entr" presetSubtype="0" fill="hold" grpId="0" nodeType="clickEffect">
+                                  <p:stCondLst>
+                                    <p:cond delay="0"/>
+                                  </p:stCondLst>
+                                  <p:childTnLst>
+                                    <p:set>
+                                      <p:cBhvr>
+                                        <p:cTn id="16" dur="1" fill="hold">
+                                          <p:stCondLst>
+                                            <p:cond delay="0"/>
+                                          </p:stCondLst>
+                                        </p:cTn>
+                                        <p:tgtEl>
+                                          <p:spTgt spid="3">
+                                            <p:txEl>
+                                              <p:pRg st="4" end="4"/>
+                                            </p:txEl>
+                                          </p:spTgt>
+                                        </p:tgtEl>
+                                        <p:attrNameLst>
+                                          <p:attrName>style.visibility</p:attrName>
+                                        </p:attrNameLst>
+                                      </p:cBhvr>
+                                      <p:to>
+                                        <p:strVal val="visible"/>
+                                      </p:to>
+                                    </p:set>
+                                  </p:childTnLst>
+                                </p:cTn>
+                              </p:par>
+                              <p:par>
+                                <p:cTn id="17" presetID="1" presetClass="entr" presetSubtype="0" fill="hold" grpId="0" nodeType="withEffect">
+                                  <p:stCondLst>
+                                    <p:cond delay="0"/>
+                                  </p:stCondLst>
+                                  <p:childTnLst>
+                                    <p:set>
+                                      <p:cBhvr>
+                                        <p:cTn id="18" dur="1" fill="hold">
+                                          <p:stCondLst>
+                                            <p:cond delay="0"/>
+                                          </p:stCondLst>
+                                        </p:cTn>
+                                        <p:tgtEl>
+                                          <p:spTgt spid="3">
+                                            <p:txEl>
+                                              <p:pRg st="5" end="5"/>
+                                            </p:txEl>
+                                          </p:spTgt>
+                                        </p:tgtEl>
+                                        <p:attrNameLst>
+                                          <p:attrName>style.visibility</p:attrName>
+                                        </p:attrNameLst>
+                                      </p:cBhvr>
+                                      <p:to>
+                                        <p:strVal val="visible"/>
+                                      </p:to>
+                                    </p:set>
+                                  </p:childTnLst>
+                                </p:cTn>
+                              </p:par>
+                            </p:childTnLst>
+                          </p:cTn>
+                        </p:par>
+                      </p:childTnLst>
+                    </p:cTn>
+                  </p:par>
+                  <p:par>
+                    <p:cTn id="19" fill="hold">
+                      <p:stCondLst>
+                        <p:cond delay="indefinite"/>
+                      </p:stCondLst>
+                      <p:childTnLst>
+                        <p:par>
+                          <p:cTn id="20" fill="hold">
+                            <p:stCondLst>
+                              <p:cond delay="0"/>
+                            </p:stCondLst>
+                            <p:childTnLst>
+                              <p:par>
+                                <p:cTn id="21" presetID="1" presetClass="entr" presetSubtype="0" fill="hold" grpId="0" nodeType="clickEffect">
+                                  <p:stCondLst>
+                                    <p:cond delay="0"/>
+                                  </p:stCondLst>
+                                  <p:childTnLst>
+                                    <p:set>
+                                      <p:cBhvr>
+                                        <p:cTn id="22" dur="1" fill="hold">
+                                          <p:stCondLst>
+                                            <p:cond delay="0"/>
+                                          </p:stCondLst>
+                                        </p:cTn>
+                                        <p:tgtEl>
+                                          <p:spTgt spid="3">
+                                            <p:txEl>
+                                              <p:pRg st="7" end="7"/>
+                                            </p:txEl>
+                                          </p:spTgt>
+                                        </p:tgtEl>
+                                        <p:attrNameLst>
+                                          <p:attrName>style.visibility</p:attrName>
+                                        </p:attrNameLst>
+                                      </p:cBhvr>
+                                      <p:to>
+                                        <p:strVal val="visible"/>
+                                      </p:to>
+                                    </p:set>
+                                  </p:childTnLst>
+                                </p:cTn>
+                              </p:par>
+                              <p:par>
+                                <p:cTn id="23" presetID="1" presetClass="entr" presetSubtype="0" fill="hold" grpId="0" nodeType="withEffect">
+                                  <p:stCondLst>
+                                    <p:cond delay="0"/>
+                                  </p:stCondLst>
+                                  <p:childTnLst>
+                                    <p:set>
+                                      <p:cBhvr>
+                                        <p:cTn id="24" dur="1" fill="hold">
+                                          <p:stCondLst>
+                                            <p:cond delay="0"/>
+                                          </p:stCondLst>
+                                        </p:cTn>
+                                        <p:tgtEl>
+                                          <p:spTgt spid="3">
+                                            <p:txEl>
+                                              <p:pRg st="8" end="8"/>
+                                            </p:txEl>
+                                          </p:spTgt>
+                                        </p:tgtEl>
+                                        <p:attrNameLst>
+                                          <p:attrName>style.visibility</p:attrName>
+                                        </p:attrNameLst>
+                                      </p:cBhvr>
+                                      <p:to>
+                                        <p:strVal val="visible"/>
+                                      </p:to>
+                                    </p:set>
+                                  </p:childTnLst>
+                                </p:cTn>
+                              </p:par>
+                            </p:childTnLst>
+                          </p:cTn>
+                        </p:par>
+                      </p:childTnLst>
+                    </p:cTn>
+                  </p:par>
+                  <p:par>
+                    <p:cTn id="25" fill="hold">
+                      <p:stCondLst>
+                        <p:cond delay="indefinite"/>
+                      </p:stCondLst>
+                      <p:childTnLst>
+                        <p:par>
+                          <p:cTn id="26" fill="hold">
+                            <p:stCondLst>
+                              <p:cond delay="0"/>
+                            </p:stCondLst>
+                            <p:childTnLst>
+                              <p:par>
+                                <p:cTn id="27" presetID="1" presetClass="entr" presetSubtype="0" fill="hold" grpId="0" nodeType="clickEffect">
+                                  <p:stCondLst>
+                                    <p:cond delay="0"/>
+                                  </p:stCondLst>
+                                  <p:childTnLst>
+                                    <p:set>
+                                      <p:cBhvr>
+                                        <p:cTn id="28" dur="1" fill="hold">
+                                          <p:stCondLst>
+                                            <p:cond delay="0"/>
+                                          </p:stCondLst>
+                                        </p:cTn>
+                                        <p:tgtEl>
+                                          <p:spTgt spid="3">
+                                            <p:txEl>
+                                              <p:pRg st="10" end="10"/>
+                                            </p:txEl>
+                                          </p:spTgt>
+                                        </p:tgtEl>
+                                        <p:attrNameLst>
+                                          <p:attrName>style.visibility</p:attrName>
+                                        </p:attrNameLst>
+                                      </p:cBhvr>
+                                      <p:to>
+                                        <p:strVal val="visible"/>
+                                      </p:to>
+                                    </p:set>
+                                  </p:childTnLst>
+                                </p:cTn>
+                              </p:par>
+                              <p:par>
+                                <p:cTn id="29" presetID="1" presetClass="entr" presetSubtype="0" fill="hold" grpId="0" nodeType="withEffect">
+                                  <p:stCondLst>
+                                    <p:cond delay="0"/>
+                                  </p:stCondLst>
+                                  <p:childTnLst>
+                                    <p:set>
+                                      <p:cBhvr>
+                                        <p:cTn id="30" dur="1" fill="hold">
+                                          <p:stCondLst>
+                                            <p:cond delay="0"/>
+                                          </p:stCondLst>
+                                        </p:cTn>
+                                        <p:tgtEl>
+                                          <p:spTgt spid="3">
+                                            <p:txEl>
+                                              <p:pRg st="11" end="11"/>
+                                            </p:txEl>
+                                          </p:spTgt>
+                                        </p:tgtEl>
+                                        <p:attrNameLst>
+                                          <p:attrName>style.visibility</p:attrName>
+                                        </p:attrNameLst>
+                                      </p:cBhvr>
+                                      <p:to>
+                                        <p:strVal val="visible"/>
+                                      </p:to>
+                                    </p:set>
+                                  </p:childTnLst>
+                                </p:cTn>
+                              </p:par>
+                            </p:childTnLst>
+                          </p:cTn>
+                        </p:par>
+                      </p:childTnLst>
+                    </p:cTn>
+                  </p:par>
+                </p:childTnLst>
+              </p:cTn>
+              <p:prevCondLst>
+                <p:cond evt="onPrev" delay="0">
+                  <p:tgtEl>
+                    <p:sldTgt/>
+                  </p:tgtEl>
+                </p:cond>
+              </p:prevCondLst>
+              <p:nextCondLst>
+                <p:cond evt="onNext" delay="0">
+                  <p:tgtEl>
+                    <p:sldTgt/>
+                  </p:tgtEl>
+                </p:cond>
+              </p:nextCondLst>
+            </p:seq>
+          </p:childTnLst>
+        </p:cTn>
+      </p:par>
+    </p:tnLst>
+    <p:bldLst>
+      <p:bldP spid="3" grpId="0" build="p"/>
+    </p:bldLst>
+  </p:timing>
 </p:sld>
 </file>
 
@@ -12960,6 +16192,284 @@
   <p:clrMapOvr>
     <a:masterClrMapping/>
   </p:clrMapOvr>
+  <p:timing>
+    <p:tnLst>
+      <p:par>
+        <p:cTn id="1" dur="indefinite" restart="never" nodeType="tmRoot">
+          <p:childTnLst>
+            <p:seq concurrent="1" nextAc="seek">
+              <p:cTn id="2" dur="indefinite" nodeType="mainSeq">
+                <p:childTnLst>
+                  <p:par>
+                    <p:cTn id="3" fill="hold">
+                      <p:stCondLst>
+                        <p:cond delay="indefinite"/>
+                      </p:stCondLst>
+                      <p:childTnLst>
+                        <p:par>
+                          <p:cTn id="4" fill="hold">
+                            <p:stCondLst>
+                              <p:cond delay="0"/>
+                            </p:stCondLst>
+                            <p:childTnLst>
+                              <p:par>
+                                <p:cTn id="5" presetID="1" presetClass="entr" presetSubtype="0" fill="hold" grpId="0" nodeType="clickEffect">
+                                  <p:stCondLst>
+                                    <p:cond delay="0"/>
+                                  </p:stCondLst>
+                                  <p:childTnLst>
+                                    <p:set>
+                                      <p:cBhvr>
+                                        <p:cTn id="6" dur="1" fill="hold">
+                                          <p:stCondLst>
+                                            <p:cond delay="0"/>
+                                          </p:stCondLst>
+                                        </p:cTn>
+                                        <p:tgtEl>
+                                          <p:spTgt spid="3">
+                                            <p:txEl>
+                                              <p:pRg st="0" end="0"/>
+                                            </p:txEl>
+                                          </p:spTgt>
+                                        </p:tgtEl>
+                                        <p:attrNameLst>
+                                          <p:attrName>style.visibility</p:attrName>
+                                        </p:attrNameLst>
+                                      </p:cBhvr>
+                                      <p:to>
+                                        <p:strVal val="visible"/>
+                                      </p:to>
+                                    </p:set>
+                                  </p:childTnLst>
+                                </p:cTn>
+                              </p:par>
+                            </p:childTnLst>
+                          </p:cTn>
+                        </p:par>
+                      </p:childTnLst>
+                    </p:cTn>
+                  </p:par>
+                  <p:par>
+                    <p:cTn id="7" fill="hold">
+                      <p:stCondLst>
+                        <p:cond delay="indefinite"/>
+                      </p:stCondLst>
+                      <p:childTnLst>
+                        <p:par>
+                          <p:cTn id="8" fill="hold">
+                            <p:stCondLst>
+                              <p:cond delay="0"/>
+                            </p:stCondLst>
+                            <p:childTnLst>
+                              <p:par>
+                                <p:cTn id="9" presetID="1" presetClass="entr" presetSubtype="0" fill="hold" grpId="0" nodeType="clickEffect">
+                                  <p:stCondLst>
+                                    <p:cond delay="0"/>
+                                  </p:stCondLst>
+                                  <p:childTnLst>
+                                    <p:set>
+                                      <p:cBhvr>
+                                        <p:cTn id="10" dur="1" fill="hold">
+                                          <p:stCondLst>
+                                            <p:cond delay="0"/>
+                                          </p:stCondLst>
+                                        </p:cTn>
+                                        <p:tgtEl>
+                                          <p:spTgt spid="3">
+                                            <p:txEl>
+                                              <p:pRg st="2" end="2"/>
+                                            </p:txEl>
+                                          </p:spTgt>
+                                        </p:tgtEl>
+                                        <p:attrNameLst>
+                                          <p:attrName>style.visibility</p:attrName>
+                                        </p:attrNameLst>
+                                      </p:cBhvr>
+                                      <p:to>
+                                        <p:strVal val="visible"/>
+                                      </p:to>
+                                    </p:set>
+                                  </p:childTnLst>
+                                </p:cTn>
+                              </p:par>
+                            </p:childTnLst>
+                          </p:cTn>
+                        </p:par>
+                      </p:childTnLst>
+                    </p:cTn>
+                  </p:par>
+                  <p:par>
+                    <p:cTn id="11" fill="hold">
+                      <p:stCondLst>
+                        <p:cond delay="indefinite"/>
+                      </p:stCondLst>
+                      <p:childTnLst>
+                        <p:par>
+                          <p:cTn id="12" fill="hold">
+                            <p:stCondLst>
+                              <p:cond delay="0"/>
+                            </p:stCondLst>
+                            <p:childTnLst>
+                              <p:par>
+                                <p:cTn id="13" presetID="1" presetClass="entr" presetSubtype="0" fill="hold" grpId="0" nodeType="clickEffect">
+                                  <p:stCondLst>
+                                    <p:cond delay="0"/>
+                                  </p:stCondLst>
+                                  <p:childTnLst>
+                                    <p:set>
+                                      <p:cBhvr>
+                                        <p:cTn id="14" dur="1" fill="hold">
+                                          <p:stCondLst>
+                                            <p:cond delay="0"/>
+                                          </p:stCondLst>
+                                        </p:cTn>
+                                        <p:tgtEl>
+                                          <p:spTgt spid="3">
+                                            <p:txEl>
+                                              <p:pRg st="4" end="4"/>
+                                            </p:txEl>
+                                          </p:spTgt>
+                                        </p:tgtEl>
+                                        <p:attrNameLst>
+                                          <p:attrName>style.visibility</p:attrName>
+                                        </p:attrNameLst>
+                                      </p:cBhvr>
+                                      <p:to>
+                                        <p:strVal val="visible"/>
+                                      </p:to>
+                                    </p:set>
+                                  </p:childTnLst>
+                                </p:cTn>
+                              </p:par>
+                            </p:childTnLst>
+                          </p:cTn>
+                        </p:par>
+                      </p:childTnLst>
+                    </p:cTn>
+                  </p:par>
+                  <p:par>
+                    <p:cTn id="15" fill="hold">
+                      <p:stCondLst>
+                        <p:cond delay="indefinite"/>
+                      </p:stCondLst>
+                      <p:childTnLst>
+                        <p:par>
+                          <p:cTn id="16" fill="hold">
+                            <p:stCondLst>
+                              <p:cond delay="0"/>
+                            </p:stCondLst>
+                            <p:childTnLst>
+                              <p:par>
+                                <p:cTn id="17" presetID="1" presetClass="entr" presetSubtype="0" fill="hold" grpId="0" nodeType="clickEffect">
+                                  <p:stCondLst>
+                                    <p:cond delay="0"/>
+                                  </p:stCondLst>
+                                  <p:childTnLst>
+                                    <p:set>
+                                      <p:cBhvr>
+                                        <p:cTn id="18" dur="1" fill="hold">
+                                          <p:stCondLst>
+                                            <p:cond delay="0"/>
+                                          </p:stCondLst>
+                                        </p:cTn>
+                                        <p:tgtEl>
+                                          <p:spTgt spid="3">
+                                            <p:txEl>
+                                              <p:pRg st="6" end="6"/>
+                                            </p:txEl>
+                                          </p:spTgt>
+                                        </p:tgtEl>
+                                        <p:attrNameLst>
+                                          <p:attrName>style.visibility</p:attrName>
+                                        </p:attrNameLst>
+                                      </p:cBhvr>
+                                      <p:to>
+                                        <p:strVal val="visible"/>
+                                      </p:to>
+                                    </p:set>
+                                  </p:childTnLst>
+                                </p:cTn>
+                              </p:par>
+                            </p:childTnLst>
+                          </p:cTn>
+                        </p:par>
+                      </p:childTnLst>
+                    </p:cTn>
+                  </p:par>
+                  <p:par>
+                    <p:cTn id="19" fill="hold">
+                      <p:stCondLst>
+                        <p:cond delay="indefinite"/>
+                      </p:stCondLst>
+                      <p:childTnLst>
+                        <p:par>
+                          <p:cTn id="20" fill="hold">
+                            <p:stCondLst>
+                              <p:cond delay="0"/>
+                            </p:stCondLst>
+                            <p:childTnLst>
+                              <p:par>
+                                <p:cTn id="21" presetID="1" presetClass="entr" presetSubtype="0" fill="hold" grpId="0" nodeType="clickEffect">
+                                  <p:stCondLst>
+                                    <p:cond delay="0"/>
+                                  </p:stCondLst>
+                                  <p:childTnLst>
+                                    <p:set>
+                                      <p:cBhvr>
+                                        <p:cTn id="22" dur="1" fill="hold">
+                                          <p:stCondLst>
+                                            <p:cond delay="0"/>
+                                          </p:stCondLst>
+                                        </p:cTn>
+                                        <p:tgtEl>
+                                          <p:spTgt spid="3">
+                                            <p:txEl>
+                                              <p:pRg st="7" end="7"/>
+                                            </p:txEl>
+                                          </p:spTgt>
+                                        </p:tgtEl>
+                                        <p:attrNameLst>
+                                          <p:attrName>style.visibility</p:attrName>
+                                        </p:attrNameLst>
+                                      </p:cBhvr>
+                                      <p:to>
+                                        <p:strVal val="visible"/>
+                                      </p:to>
+                                    </p:set>
+                                  </p:childTnLst>
+                                </p:cTn>
+                              </p:par>
+                            </p:childTnLst>
+                          </p:cTn>
+                        </p:par>
+                      </p:childTnLst>
+                    </p:cTn>
+                  </p:par>
+                </p:childTnLst>
+              </p:cTn>
+              <p:prevCondLst>
+                <p:cond evt="onPrev" delay="0">
+                  <p:tgtEl>
+                    <p:sldTgt/>
+                  </p:tgtEl>
+                </p:cond>
+              </p:prevCondLst>
+              <p:nextCondLst>
+                <p:cond evt="onNext" delay="0">
+                  <p:tgtEl>
+                    <p:sldTgt/>
+                  </p:tgtEl>
+                </p:cond>
+              </p:nextCondLst>
+            </p:seq>
+          </p:childTnLst>
+        </p:cTn>
+      </p:par>
+    </p:tnLst>
+    <p:bldLst>
+      <p:bldP spid="3" grpId="0" build="p"/>
+    </p:bldLst>
+  </p:timing>
 </p:sld>
 </file>
 
@@ -13097,6 +16607,235 @@
   <p:clrMapOvr>
     <a:masterClrMapping/>
   </p:clrMapOvr>
+  <p:timing>
+    <p:tnLst>
+      <p:par>
+        <p:cTn id="1" dur="indefinite" restart="never" nodeType="tmRoot">
+          <p:childTnLst>
+            <p:seq concurrent="1" nextAc="seek">
+              <p:cTn id="2" dur="indefinite" nodeType="mainSeq">
+                <p:childTnLst>
+                  <p:par>
+                    <p:cTn id="3" fill="hold">
+                      <p:stCondLst>
+                        <p:cond delay="indefinite"/>
+                      </p:stCondLst>
+                      <p:childTnLst>
+                        <p:par>
+                          <p:cTn id="4" fill="hold">
+                            <p:stCondLst>
+                              <p:cond delay="0"/>
+                            </p:stCondLst>
+                            <p:childTnLst>
+                              <p:par>
+                                <p:cTn id="5" presetID="1" presetClass="entr" presetSubtype="0" fill="hold" grpId="0" nodeType="clickEffect">
+                                  <p:stCondLst>
+                                    <p:cond delay="0"/>
+                                  </p:stCondLst>
+                                  <p:childTnLst>
+                                    <p:set>
+                                      <p:cBhvr>
+                                        <p:cTn id="6" dur="1" fill="hold">
+                                          <p:stCondLst>
+                                            <p:cond delay="0"/>
+                                          </p:stCondLst>
+                                        </p:cTn>
+                                        <p:tgtEl>
+                                          <p:spTgt spid="3">
+                                            <p:txEl>
+                                              <p:pRg st="0" end="0"/>
+                                            </p:txEl>
+                                          </p:spTgt>
+                                        </p:tgtEl>
+                                        <p:attrNameLst>
+                                          <p:attrName>style.visibility</p:attrName>
+                                        </p:attrNameLst>
+                                      </p:cBhvr>
+                                      <p:to>
+                                        <p:strVal val="visible"/>
+                                      </p:to>
+                                    </p:set>
+                                  </p:childTnLst>
+                                </p:cTn>
+                              </p:par>
+                            </p:childTnLst>
+                          </p:cTn>
+                        </p:par>
+                      </p:childTnLst>
+                    </p:cTn>
+                  </p:par>
+                  <p:par>
+                    <p:cTn id="7" fill="hold">
+                      <p:stCondLst>
+                        <p:cond delay="indefinite"/>
+                      </p:stCondLst>
+                      <p:childTnLst>
+                        <p:par>
+                          <p:cTn id="8" fill="hold">
+                            <p:stCondLst>
+                              <p:cond delay="0"/>
+                            </p:stCondLst>
+                            <p:childTnLst>
+                              <p:par>
+                                <p:cTn id="9" presetID="1" presetClass="entr" presetSubtype="0" fill="hold" grpId="0" nodeType="clickEffect">
+                                  <p:stCondLst>
+                                    <p:cond delay="0"/>
+                                  </p:stCondLst>
+                                  <p:childTnLst>
+                                    <p:set>
+                                      <p:cBhvr>
+                                        <p:cTn id="10" dur="1" fill="hold">
+                                          <p:stCondLst>
+                                            <p:cond delay="0"/>
+                                          </p:stCondLst>
+                                        </p:cTn>
+                                        <p:tgtEl>
+                                          <p:spTgt spid="3">
+                                            <p:txEl>
+                                              <p:pRg st="1" end="1"/>
+                                            </p:txEl>
+                                          </p:spTgt>
+                                        </p:tgtEl>
+                                        <p:attrNameLst>
+                                          <p:attrName>style.visibility</p:attrName>
+                                        </p:attrNameLst>
+                                      </p:cBhvr>
+                                      <p:to>
+                                        <p:strVal val="visible"/>
+                                      </p:to>
+                                    </p:set>
+                                  </p:childTnLst>
+                                </p:cTn>
+                              </p:par>
+                            </p:childTnLst>
+                          </p:cTn>
+                        </p:par>
+                      </p:childTnLst>
+                    </p:cTn>
+                  </p:par>
+                  <p:par>
+                    <p:cTn id="11" fill="hold">
+                      <p:stCondLst>
+                        <p:cond delay="indefinite"/>
+                      </p:stCondLst>
+                      <p:childTnLst>
+                        <p:par>
+                          <p:cTn id="12" fill="hold">
+                            <p:stCondLst>
+                              <p:cond delay="0"/>
+                            </p:stCondLst>
+                            <p:childTnLst>
+                              <p:par>
+                                <p:cTn id="13" presetID="1" presetClass="entr" presetSubtype="0" fill="hold" grpId="0" nodeType="clickEffect">
+                                  <p:stCondLst>
+                                    <p:cond delay="0"/>
+                                  </p:stCondLst>
+                                  <p:childTnLst>
+                                    <p:set>
+                                      <p:cBhvr>
+                                        <p:cTn id="14" dur="1" fill="hold">
+                                          <p:stCondLst>
+                                            <p:cond delay="0"/>
+                                          </p:stCondLst>
+                                        </p:cTn>
+                                        <p:tgtEl>
+                                          <p:spTgt spid="3">
+                                            <p:txEl>
+                                              <p:pRg st="4" end="4"/>
+                                            </p:txEl>
+                                          </p:spTgt>
+                                        </p:tgtEl>
+                                        <p:attrNameLst>
+                                          <p:attrName>style.visibility</p:attrName>
+                                        </p:attrNameLst>
+                                      </p:cBhvr>
+                                      <p:to>
+                                        <p:strVal val="visible"/>
+                                      </p:to>
+                                    </p:set>
+                                  </p:childTnLst>
+                                </p:cTn>
+                              </p:par>
+                            </p:childTnLst>
+                          </p:cTn>
+                        </p:par>
+                      </p:childTnLst>
+                    </p:cTn>
+                  </p:par>
+                  <p:par>
+                    <p:cTn id="15" fill="hold">
+                      <p:stCondLst>
+                        <p:cond delay="indefinite"/>
+                      </p:stCondLst>
+                      <p:childTnLst>
+                        <p:par>
+                          <p:cTn id="16" fill="hold">
+                            <p:stCondLst>
+                              <p:cond delay="0"/>
+                            </p:stCondLst>
+                            <p:childTnLst>
+                              <p:par>
+                                <p:cTn id="17" presetID="1" presetClass="entr" presetSubtype="0" fill="hold" grpId="0" nodeType="clickEffect">
+                                  <p:stCondLst>
+                                    <p:cond delay="0"/>
+                                  </p:stCondLst>
+                                  <p:childTnLst>
+                                    <p:set>
+                                      <p:cBhvr>
+                                        <p:cTn id="18" dur="1" fill="hold">
+                                          <p:stCondLst>
+                                            <p:cond delay="0"/>
+                                          </p:stCondLst>
+                                        </p:cTn>
+                                        <p:tgtEl>
+                                          <p:spTgt spid="3">
+                                            <p:txEl>
+                                              <p:pRg st="5" end="5"/>
+                                            </p:txEl>
+                                          </p:spTgt>
+                                        </p:tgtEl>
+                                        <p:attrNameLst>
+                                          <p:attrName>style.visibility</p:attrName>
+                                        </p:attrNameLst>
+                                      </p:cBhvr>
+                                      <p:to>
+                                        <p:strVal val="visible"/>
+                                      </p:to>
+                                    </p:set>
+                                  </p:childTnLst>
+                                </p:cTn>
+                              </p:par>
+                            </p:childTnLst>
+                          </p:cTn>
+                        </p:par>
+                      </p:childTnLst>
+                    </p:cTn>
+                  </p:par>
+                </p:childTnLst>
+              </p:cTn>
+              <p:prevCondLst>
+                <p:cond evt="onPrev" delay="0">
+                  <p:tgtEl>
+                    <p:sldTgt/>
+                  </p:tgtEl>
+                </p:cond>
+              </p:prevCondLst>
+              <p:nextCondLst>
+                <p:cond evt="onNext" delay="0">
+                  <p:tgtEl>
+                    <p:sldTgt/>
+                  </p:tgtEl>
+                </p:cond>
+              </p:nextCondLst>
+            </p:seq>
+          </p:childTnLst>
+        </p:cTn>
+      </p:par>
+    </p:tnLst>
+    <p:bldLst>
+      <p:bldP spid="3" grpId="0" build="p"/>
+    </p:bldLst>
+  </p:timing>
 </p:sld>
 </file>
 
@@ -13299,6 +17038,431 @@
   <p:clrMapOvr>
     <a:masterClrMapping/>
   </p:clrMapOvr>
+  <p:timing>
+    <p:tnLst>
+      <p:par>
+        <p:cTn id="1" dur="indefinite" restart="never" nodeType="tmRoot">
+          <p:childTnLst>
+            <p:seq concurrent="1" nextAc="seek">
+              <p:cTn id="2" dur="indefinite" nodeType="mainSeq">
+                <p:childTnLst>
+                  <p:par>
+                    <p:cTn id="3" fill="hold">
+                      <p:stCondLst>
+                        <p:cond delay="indefinite"/>
+                      </p:stCondLst>
+                      <p:childTnLst>
+                        <p:par>
+                          <p:cTn id="4" fill="hold">
+                            <p:stCondLst>
+                              <p:cond delay="0"/>
+                            </p:stCondLst>
+                            <p:childTnLst>
+                              <p:par>
+                                <p:cTn id="5" presetID="1" presetClass="entr" presetSubtype="0" fill="hold" grpId="0" nodeType="clickEffect">
+                                  <p:stCondLst>
+                                    <p:cond delay="0"/>
+                                  </p:stCondLst>
+                                  <p:childTnLst>
+                                    <p:set>
+                                      <p:cBhvr>
+                                        <p:cTn id="6" dur="1" fill="hold">
+                                          <p:stCondLst>
+                                            <p:cond delay="0"/>
+                                          </p:stCondLst>
+                                        </p:cTn>
+                                        <p:tgtEl>
+                                          <p:spTgt spid="3">
+                                            <p:txEl>
+                                              <p:pRg st="0" end="0"/>
+                                            </p:txEl>
+                                          </p:spTgt>
+                                        </p:tgtEl>
+                                        <p:attrNameLst>
+                                          <p:attrName>style.visibility</p:attrName>
+                                        </p:attrNameLst>
+                                      </p:cBhvr>
+                                      <p:to>
+                                        <p:strVal val="visible"/>
+                                      </p:to>
+                                    </p:set>
+                                  </p:childTnLst>
+                                </p:cTn>
+                              </p:par>
+                            </p:childTnLst>
+                          </p:cTn>
+                        </p:par>
+                      </p:childTnLst>
+                    </p:cTn>
+                  </p:par>
+                  <p:par>
+                    <p:cTn id="7" fill="hold">
+                      <p:stCondLst>
+                        <p:cond delay="indefinite"/>
+                      </p:stCondLst>
+                      <p:childTnLst>
+                        <p:par>
+                          <p:cTn id="8" fill="hold">
+                            <p:stCondLst>
+                              <p:cond delay="0"/>
+                            </p:stCondLst>
+                            <p:childTnLst>
+                              <p:par>
+                                <p:cTn id="9" presetID="1" presetClass="entr" presetSubtype="0" fill="hold" grpId="0" nodeType="clickEffect">
+                                  <p:stCondLst>
+                                    <p:cond delay="0"/>
+                                  </p:stCondLst>
+                                  <p:childTnLst>
+                                    <p:set>
+                                      <p:cBhvr>
+                                        <p:cTn id="10" dur="1" fill="hold">
+                                          <p:stCondLst>
+                                            <p:cond delay="0"/>
+                                          </p:stCondLst>
+                                        </p:cTn>
+                                        <p:tgtEl>
+                                          <p:spTgt spid="3">
+                                            <p:txEl>
+                                              <p:pRg st="1" end="1"/>
+                                            </p:txEl>
+                                          </p:spTgt>
+                                        </p:tgtEl>
+                                        <p:attrNameLst>
+                                          <p:attrName>style.visibility</p:attrName>
+                                        </p:attrNameLst>
+                                      </p:cBhvr>
+                                      <p:to>
+                                        <p:strVal val="visible"/>
+                                      </p:to>
+                                    </p:set>
+                                  </p:childTnLst>
+                                </p:cTn>
+                              </p:par>
+                            </p:childTnLst>
+                          </p:cTn>
+                        </p:par>
+                      </p:childTnLst>
+                    </p:cTn>
+                  </p:par>
+                  <p:par>
+                    <p:cTn id="11" fill="hold">
+                      <p:stCondLst>
+                        <p:cond delay="indefinite"/>
+                      </p:stCondLst>
+                      <p:childTnLst>
+                        <p:par>
+                          <p:cTn id="12" fill="hold">
+                            <p:stCondLst>
+                              <p:cond delay="0"/>
+                            </p:stCondLst>
+                            <p:childTnLst>
+                              <p:par>
+                                <p:cTn id="13" presetID="1" presetClass="entr" presetSubtype="0" fill="hold" grpId="0" nodeType="clickEffect">
+                                  <p:stCondLst>
+                                    <p:cond delay="0"/>
+                                  </p:stCondLst>
+                                  <p:childTnLst>
+                                    <p:set>
+                                      <p:cBhvr>
+                                        <p:cTn id="14" dur="1" fill="hold">
+                                          <p:stCondLst>
+                                            <p:cond delay="0"/>
+                                          </p:stCondLst>
+                                        </p:cTn>
+                                        <p:tgtEl>
+                                          <p:spTgt spid="3">
+                                            <p:txEl>
+                                              <p:pRg st="3" end="3"/>
+                                            </p:txEl>
+                                          </p:spTgt>
+                                        </p:tgtEl>
+                                        <p:attrNameLst>
+                                          <p:attrName>style.visibility</p:attrName>
+                                        </p:attrNameLst>
+                                      </p:cBhvr>
+                                      <p:to>
+                                        <p:strVal val="visible"/>
+                                      </p:to>
+                                    </p:set>
+                                  </p:childTnLst>
+                                </p:cTn>
+                              </p:par>
+                            </p:childTnLst>
+                          </p:cTn>
+                        </p:par>
+                      </p:childTnLst>
+                    </p:cTn>
+                  </p:par>
+                  <p:par>
+                    <p:cTn id="15" fill="hold">
+                      <p:stCondLst>
+                        <p:cond delay="indefinite"/>
+                      </p:stCondLst>
+                      <p:childTnLst>
+                        <p:par>
+                          <p:cTn id="16" fill="hold">
+                            <p:stCondLst>
+                              <p:cond delay="0"/>
+                            </p:stCondLst>
+                            <p:childTnLst>
+                              <p:par>
+                                <p:cTn id="17" presetID="1" presetClass="entr" presetSubtype="0" fill="hold" grpId="0" nodeType="clickEffect">
+                                  <p:stCondLst>
+                                    <p:cond delay="0"/>
+                                  </p:stCondLst>
+                                  <p:childTnLst>
+                                    <p:set>
+                                      <p:cBhvr>
+                                        <p:cTn id="18" dur="1" fill="hold">
+                                          <p:stCondLst>
+                                            <p:cond delay="0"/>
+                                          </p:stCondLst>
+                                        </p:cTn>
+                                        <p:tgtEl>
+                                          <p:spTgt spid="3">
+                                            <p:txEl>
+                                              <p:pRg st="5" end="5"/>
+                                            </p:txEl>
+                                          </p:spTgt>
+                                        </p:tgtEl>
+                                        <p:attrNameLst>
+                                          <p:attrName>style.visibility</p:attrName>
+                                        </p:attrNameLst>
+                                      </p:cBhvr>
+                                      <p:to>
+                                        <p:strVal val="visible"/>
+                                      </p:to>
+                                    </p:set>
+                                  </p:childTnLst>
+                                </p:cTn>
+                              </p:par>
+                            </p:childTnLst>
+                          </p:cTn>
+                        </p:par>
+                      </p:childTnLst>
+                    </p:cTn>
+                  </p:par>
+                  <p:par>
+                    <p:cTn id="19" fill="hold">
+                      <p:stCondLst>
+                        <p:cond delay="indefinite"/>
+                      </p:stCondLst>
+                      <p:childTnLst>
+                        <p:par>
+                          <p:cTn id="20" fill="hold">
+                            <p:stCondLst>
+                              <p:cond delay="0"/>
+                            </p:stCondLst>
+                            <p:childTnLst>
+                              <p:par>
+                                <p:cTn id="21" presetID="1" presetClass="entr" presetSubtype="0" fill="hold" grpId="0" nodeType="clickEffect">
+                                  <p:stCondLst>
+                                    <p:cond delay="0"/>
+                                  </p:stCondLst>
+                                  <p:childTnLst>
+                                    <p:set>
+                                      <p:cBhvr>
+                                        <p:cTn id="22" dur="1" fill="hold">
+                                          <p:stCondLst>
+                                            <p:cond delay="0"/>
+                                          </p:stCondLst>
+                                        </p:cTn>
+                                        <p:tgtEl>
+                                          <p:spTgt spid="3">
+                                            <p:txEl>
+                                              <p:pRg st="6" end="6"/>
+                                            </p:txEl>
+                                          </p:spTgt>
+                                        </p:tgtEl>
+                                        <p:attrNameLst>
+                                          <p:attrName>style.visibility</p:attrName>
+                                        </p:attrNameLst>
+                                      </p:cBhvr>
+                                      <p:to>
+                                        <p:strVal val="visible"/>
+                                      </p:to>
+                                    </p:set>
+                                  </p:childTnLst>
+                                </p:cTn>
+                              </p:par>
+                            </p:childTnLst>
+                          </p:cTn>
+                        </p:par>
+                      </p:childTnLst>
+                    </p:cTn>
+                  </p:par>
+                  <p:par>
+                    <p:cTn id="23" fill="hold">
+                      <p:stCondLst>
+                        <p:cond delay="indefinite"/>
+                      </p:stCondLst>
+                      <p:childTnLst>
+                        <p:par>
+                          <p:cTn id="24" fill="hold">
+                            <p:stCondLst>
+                              <p:cond delay="0"/>
+                            </p:stCondLst>
+                            <p:childTnLst>
+                              <p:par>
+                                <p:cTn id="25" presetID="1" presetClass="entr" presetSubtype="0" fill="hold" grpId="0" nodeType="clickEffect">
+                                  <p:stCondLst>
+                                    <p:cond delay="0"/>
+                                  </p:stCondLst>
+                                  <p:childTnLst>
+                                    <p:set>
+                                      <p:cBhvr>
+                                        <p:cTn id="26" dur="1" fill="hold">
+                                          <p:stCondLst>
+                                            <p:cond delay="0"/>
+                                          </p:stCondLst>
+                                        </p:cTn>
+                                        <p:tgtEl>
+                                          <p:spTgt spid="3">
+                                            <p:txEl>
+                                              <p:pRg st="7" end="7"/>
+                                            </p:txEl>
+                                          </p:spTgt>
+                                        </p:tgtEl>
+                                        <p:attrNameLst>
+                                          <p:attrName>style.visibility</p:attrName>
+                                        </p:attrNameLst>
+                                      </p:cBhvr>
+                                      <p:to>
+                                        <p:strVal val="visible"/>
+                                      </p:to>
+                                    </p:set>
+                                  </p:childTnLst>
+                                </p:cTn>
+                              </p:par>
+                            </p:childTnLst>
+                          </p:cTn>
+                        </p:par>
+                      </p:childTnLst>
+                    </p:cTn>
+                  </p:par>
+                  <p:par>
+                    <p:cTn id="27" fill="hold">
+                      <p:stCondLst>
+                        <p:cond delay="indefinite"/>
+                      </p:stCondLst>
+                      <p:childTnLst>
+                        <p:par>
+                          <p:cTn id="28" fill="hold">
+                            <p:stCondLst>
+                              <p:cond delay="0"/>
+                            </p:stCondLst>
+                            <p:childTnLst>
+                              <p:par>
+                                <p:cTn id="29" presetID="1" presetClass="entr" presetSubtype="0" fill="hold" grpId="0" nodeType="clickEffect">
+                                  <p:stCondLst>
+                                    <p:cond delay="0"/>
+                                  </p:stCondLst>
+                                  <p:childTnLst>
+                                    <p:set>
+                                      <p:cBhvr>
+                                        <p:cTn id="30" dur="1" fill="hold">
+                                          <p:stCondLst>
+                                            <p:cond delay="0"/>
+                                          </p:stCondLst>
+                                        </p:cTn>
+                                        <p:tgtEl>
+                                          <p:spTgt spid="3">
+                                            <p:txEl>
+                                              <p:pRg st="8" end="8"/>
+                                            </p:txEl>
+                                          </p:spTgt>
+                                        </p:tgtEl>
+                                        <p:attrNameLst>
+                                          <p:attrName>style.visibility</p:attrName>
+                                        </p:attrNameLst>
+                                      </p:cBhvr>
+                                      <p:to>
+                                        <p:strVal val="visible"/>
+                                      </p:to>
+                                    </p:set>
+                                  </p:childTnLst>
+                                </p:cTn>
+                              </p:par>
+                            </p:childTnLst>
+                          </p:cTn>
+                        </p:par>
+                      </p:childTnLst>
+                    </p:cTn>
+                  </p:par>
+                  <p:par>
+                    <p:cTn id="31" fill="hold">
+                      <p:stCondLst>
+                        <p:cond delay="indefinite"/>
+                      </p:stCondLst>
+                      <p:childTnLst>
+                        <p:par>
+                          <p:cTn id="32" fill="hold">
+                            <p:stCondLst>
+                              <p:cond delay="0"/>
+                            </p:stCondLst>
+                            <p:childTnLst>
+                              <p:par>
+                                <p:cTn id="33" presetID="1" presetClass="entr" presetSubtype="0" fill="hold" grpId="0" nodeType="clickEffect">
+                                  <p:stCondLst>
+                                    <p:cond delay="0"/>
+                                  </p:stCondLst>
+                                  <p:childTnLst>
+                                    <p:set>
+                                      <p:cBhvr>
+                                        <p:cTn id="34" dur="1" fill="hold">
+                                          <p:stCondLst>
+                                            <p:cond delay="0"/>
+                                          </p:stCondLst>
+                                        </p:cTn>
+                                        <p:tgtEl>
+                                          <p:spTgt spid="3">
+                                            <p:txEl>
+                                              <p:pRg st="9" end="9"/>
+                                            </p:txEl>
+                                          </p:spTgt>
+                                        </p:tgtEl>
+                                        <p:attrNameLst>
+                                          <p:attrName>style.visibility</p:attrName>
+                                        </p:attrNameLst>
+                                      </p:cBhvr>
+                                      <p:to>
+                                        <p:strVal val="visible"/>
+                                      </p:to>
+                                    </p:set>
+                                  </p:childTnLst>
+                                </p:cTn>
+                              </p:par>
+                            </p:childTnLst>
+                          </p:cTn>
+                        </p:par>
+                      </p:childTnLst>
+                    </p:cTn>
+                  </p:par>
+                </p:childTnLst>
+              </p:cTn>
+              <p:prevCondLst>
+                <p:cond evt="onPrev" delay="0">
+                  <p:tgtEl>
+                    <p:sldTgt/>
+                  </p:tgtEl>
+                </p:cond>
+              </p:prevCondLst>
+              <p:nextCondLst>
+                <p:cond evt="onNext" delay="0">
+                  <p:tgtEl>
+                    <p:sldTgt/>
+                  </p:tgtEl>
+                </p:cond>
+              </p:nextCondLst>
+            </p:seq>
+          </p:childTnLst>
+        </p:cTn>
+      </p:par>
+    </p:tnLst>
+    <p:bldLst>
+      <p:bldP spid="3" grpId="0" build="p"/>
+    </p:bldLst>
+  </p:timing>
 </p:sld>
 </file>
 

--- a/pvalues.pptx
+++ b/pvalues.pptx
@@ -5,7 +5,7 @@
     <p:sldMasterId id="2147483752" r:id="rId1"/>
   </p:sldMasterIdLst>
   <p:notesMasterIdLst>
-    <p:notesMasterId r:id="rId24"/>
+    <p:notesMasterId r:id="rId25"/>
   </p:notesMasterIdLst>
   <p:sldIdLst>
     <p:sldId id="267" r:id="rId2"/>
@@ -17,19 +17,20 @@
     <p:sldId id="274" r:id="rId8"/>
     <p:sldId id="273" r:id="rId9"/>
     <p:sldId id="271" r:id="rId10"/>
-    <p:sldId id="277" r:id="rId11"/>
-    <p:sldId id="342" r:id="rId12"/>
-    <p:sldId id="275" r:id="rId13"/>
-    <p:sldId id="287" r:id="rId14"/>
-    <p:sldId id="341" r:id="rId15"/>
-    <p:sldId id="265" r:id="rId16"/>
-    <p:sldId id="258" r:id="rId17"/>
-    <p:sldId id="259" r:id="rId18"/>
-    <p:sldId id="261" r:id="rId19"/>
-    <p:sldId id="264" r:id="rId20"/>
-    <p:sldId id="260" r:id="rId21"/>
-    <p:sldId id="263" r:id="rId22"/>
-    <p:sldId id="266" r:id="rId23"/>
+    <p:sldId id="343" r:id="rId11"/>
+    <p:sldId id="277" r:id="rId12"/>
+    <p:sldId id="342" r:id="rId13"/>
+    <p:sldId id="275" r:id="rId14"/>
+    <p:sldId id="287" r:id="rId15"/>
+    <p:sldId id="341" r:id="rId16"/>
+    <p:sldId id="265" r:id="rId17"/>
+    <p:sldId id="258" r:id="rId18"/>
+    <p:sldId id="259" r:id="rId19"/>
+    <p:sldId id="261" r:id="rId20"/>
+    <p:sldId id="264" r:id="rId21"/>
+    <p:sldId id="260" r:id="rId22"/>
+    <p:sldId id="263" r:id="rId23"/>
+    <p:sldId id="266" r:id="rId24"/>
   </p:sldIdLst>
   <p:sldSz cx="12192000" cy="6858000"/>
   <p:notesSz cx="6858000" cy="9144000"/>
@@ -3371,7 +3372,7 @@
           <a:p>
             <a:fld id="{03F4A15A-EA53-4A57-889B-17FE6886410C}" type="slidenum">
               <a:rPr lang="en-GB" smtClean="0"/>
-              <a:t>13</a:t>
+              <a:t>14</a:t>
             </a:fld>
             <a:endParaRPr lang="en-GB"/>
           </a:p>
@@ -6784,6 +6785,425 @@
       </p:grpSpPr>
       <p:sp>
         <p:nvSpPr>
+          <p:cNvPr id="2" name="Title 1">
+            <a:extLst>
+              <a:ext uri="{FF2B5EF4-FFF2-40B4-BE49-F238E27FC236}">
+                <a16:creationId xmlns:a16="http://schemas.microsoft.com/office/drawing/2014/main" id="{1B8B2B7A-729B-ACCC-C8BC-81DD5E5AE6FF}"/>
+              </a:ext>
+            </a:extLst>
+          </p:cNvPr>
+          <p:cNvSpPr>
+            <a:spLocks noGrp="1"/>
+          </p:cNvSpPr>
+          <p:nvPr>
+            <p:ph type="title"/>
+          </p:nvPr>
+        </p:nvSpPr>
+        <p:spPr/>
+        <p:txBody>
+          <a:bodyPr/>
+          <a:lstStyle/>
+          <a:p>
+            <a:r>
+              <a:rPr lang="en-GB" dirty="0"/>
+              <a:t>Inference</a:t>
+            </a:r>
+          </a:p>
+        </p:txBody>
+      </p:sp>
+      <p:sp>
+        <p:nvSpPr>
+          <p:cNvPr id="4" name="TextBox 3">
+            <a:extLst>
+              <a:ext uri="{FF2B5EF4-FFF2-40B4-BE49-F238E27FC236}">
+                <a16:creationId xmlns:a16="http://schemas.microsoft.com/office/drawing/2014/main" id="{7CC48308-DDFE-7A72-4595-7DF0AF2AF849}"/>
+              </a:ext>
+            </a:extLst>
+          </p:cNvPr>
+          <p:cNvSpPr txBox="1"/>
+          <p:nvPr/>
+        </p:nvSpPr>
+        <p:spPr>
+          <a:xfrm>
+            <a:off x="660510" y="2454709"/>
+            <a:ext cx="3447394" cy="1200329"/>
+          </a:xfrm>
+          <a:prstGeom prst="rect">
+            <a:avLst/>
+          </a:prstGeom>
+          <a:noFill/>
+        </p:spPr>
+        <p:txBody>
+          <a:bodyPr wrap="square" rtlCol="0">
+            <a:spAutoFit/>
+          </a:bodyPr>
+          <a:lstStyle/>
+          <a:p>
+            <a:pPr algn="ctr"/>
+            <a:r>
+              <a:rPr lang="en-GB" sz="3600" dirty="0">
+                <a:solidFill>
+                  <a:schemeClr val="bg1"/>
+                </a:solidFill>
+              </a:rPr>
+              <a:t>Data was unlikely under H0</a:t>
+            </a:r>
+          </a:p>
+        </p:txBody>
+      </p:sp>
+      <p:sp>
+        <p:nvSpPr>
+          <p:cNvPr id="5" name="TextBox 4">
+            <a:extLst>
+              <a:ext uri="{FF2B5EF4-FFF2-40B4-BE49-F238E27FC236}">
+                <a16:creationId xmlns:a16="http://schemas.microsoft.com/office/drawing/2014/main" id="{7D4B5092-B30F-ECE9-FE22-ED27FDE03C26}"/>
+              </a:ext>
+            </a:extLst>
+          </p:cNvPr>
+          <p:cNvSpPr txBox="1"/>
+          <p:nvPr/>
+        </p:nvSpPr>
+        <p:spPr>
+          <a:xfrm>
+            <a:off x="7381334" y="3186069"/>
+            <a:ext cx="3447394" cy="1200329"/>
+          </a:xfrm>
+          <a:prstGeom prst="rect">
+            <a:avLst/>
+          </a:prstGeom>
+          <a:noFill/>
+        </p:spPr>
+        <p:txBody>
+          <a:bodyPr wrap="square" rtlCol="0">
+            <a:spAutoFit/>
+          </a:bodyPr>
+          <a:lstStyle/>
+          <a:p>
+            <a:pPr algn="ctr"/>
+            <a:r>
+              <a:rPr lang="en-GB" sz="3600" dirty="0">
+                <a:solidFill>
+                  <a:schemeClr val="bg1"/>
+                </a:solidFill>
+              </a:rPr>
+              <a:t>So H0 is unlikely to be true</a:t>
+            </a:r>
+          </a:p>
+        </p:txBody>
+      </p:sp>
+      <p:sp>
+        <p:nvSpPr>
+          <p:cNvPr id="6" name="Arrow: Right 5">
+            <a:extLst>
+              <a:ext uri="{FF2B5EF4-FFF2-40B4-BE49-F238E27FC236}">
+                <a16:creationId xmlns:a16="http://schemas.microsoft.com/office/drawing/2014/main" id="{6F56C090-6866-746C-F162-43E2478B6438}"/>
+              </a:ext>
+            </a:extLst>
+          </p:cNvPr>
+          <p:cNvSpPr/>
+          <p:nvPr/>
+        </p:nvSpPr>
+        <p:spPr>
+          <a:xfrm rot="240035">
+            <a:off x="4446816" y="3220122"/>
+            <a:ext cx="2595606" cy="422375"/>
+          </a:xfrm>
+          <a:prstGeom prst="rightArrow">
+            <a:avLst/>
+          </a:prstGeom>
+        </p:spPr>
+        <p:style>
+          <a:lnRef idx="1">
+            <a:schemeClr val="accent2"/>
+          </a:lnRef>
+          <a:fillRef idx="3">
+            <a:schemeClr val="accent2"/>
+          </a:fillRef>
+          <a:effectRef idx="2">
+            <a:schemeClr val="accent2"/>
+          </a:effectRef>
+          <a:fontRef idx="minor">
+            <a:schemeClr val="lt1"/>
+          </a:fontRef>
+        </p:style>
+        <p:txBody>
+          <a:bodyPr rtlCol="0" anchor="ctr"/>
+          <a:lstStyle/>
+          <a:p>
+            <a:pPr algn="ctr"/>
+            <a:endParaRPr lang="en-GB"/>
+          </a:p>
+        </p:txBody>
+      </p:sp>
+      <p:sp>
+        <p:nvSpPr>
+          <p:cNvPr id="7" name="TextBox 6">
+            <a:extLst>
+              <a:ext uri="{FF2B5EF4-FFF2-40B4-BE49-F238E27FC236}">
+                <a16:creationId xmlns:a16="http://schemas.microsoft.com/office/drawing/2014/main" id="{7494A5EA-3FFB-0A59-541F-4FD788D78CB0}"/>
+              </a:ext>
+            </a:extLst>
+          </p:cNvPr>
+          <p:cNvSpPr txBox="1"/>
+          <p:nvPr/>
+        </p:nvSpPr>
+        <p:spPr>
+          <a:xfrm>
+            <a:off x="5304604" y="1552738"/>
+            <a:ext cx="1367682" cy="3154710"/>
+          </a:xfrm>
+          <a:prstGeom prst="rect">
+            <a:avLst/>
+          </a:prstGeom>
+          <a:noFill/>
+        </p:spPr>
+        <p:txBody>
+          <a:bodyPr wrap="none" rtlCol="0">
+            <a:spAutoFit/>
+          </a:bodyPr>
+          <a:lstStyle/>
+          <a:p>
+            <a:r>
+              <a:rPr lang="en-GB" sz="19900" dirty="0"/>
+              <a:t>?</a:t>
+            </a:r>
+          </a:p>
+        </p:txBody>
+      </p:sp>
+      <p:sp>
+        <p:nvSpPr>
+          <p:cNvPr id="9" name="TextBox 8">
+            <a:extLst>
+              <a:ext uri="{FF2B5EF4-FFF2-40B4-BE49-F238E27FC236}">
+                <a16:creationId xmlns:a16="http://schemas.microsoft.com/office/drawing/2014/main" id="{638C3F13-D5C8-98CE-92BC-BBD057AE24B0}"/>
+              </a:ext>
+            </a:extLst>
+          </p:cNvPr>
+          <p:cNvSpPr txBox="1"/>
+          <p:nvPr/>
+        </p:nvSpPr>
+        <p:spPr>
+          <a:xfrm>
+            <a:off x="423887" y="5361473"/>
+            <a:ext cx="6786209" cy="923330"/>
+          </a:xfrm>
+          <a:prstGeom prst="rect">
+            <a:avLst/>
+          </a:prstGeom>
+          <a:noFill/>
+        </p:spPr>
+        <p:txBody>
+          <a:bodyPr wrap="square">
+            <a:spAutoFit/>
+          </a:bodyPr>
+          <a:lstStyle/>
+          <a:p>
+            <a:r>
+              <a:rPr lang="en-GB" b="1" dirty="0">
+                <a:solidFill>
+                  <a:schemeClr val="bg1"/>
+                </a:solidFill>
+              </a:rPr>
+              <a:t>Fisher, </a:t>
+            </a:r>
+            <a:r>
+              <a:rPr lang="en-GB" b="1" dirty="0" err="1">
+                <a:solidFill>
+                  <a:schemeClr val="bg1"/>
+                </a:solidFill>
+              </a:rPr>
+              <a:t>Neyman</a:t>
+            </a:r>
+            <a:r>
+              <a:rPr lang="en-GB" b="1" dirty="0">
+                <a:solidFill>
+                  <a:schemeClr val="bg1"/>
+                </a:solidFill>
+              </a:rPr>
+              <a:t>-Pearson or NHST? A tutorial for teaching data testing</a:t>
+            </a:r>
+          </a:p>
+          <a:p>
+            <a:r>
+              <a:rPr lang="en-GB" u="sng" dirty="0">
+                <a:solidFill>
+                  <a:schemeClr val="bg1"/>
+                </a:solidFill>
+              </a:rPr>
+              <a:t>https://www.frontiersin.org/articles/10.3389/fpsyg.2015.00223/full</a:t>
+            </a:r>
+          </a:p>
+          <a:p>
+            <a:r>
+              <a:rPr lang="en-GB" dirty="0" err="1">
+                <a:solidFill>
+                  <a:schemeClr val="bg1"/>
+                </a:solidFill>
+              </a:rPr>
+              <a:t>Perezgonzalez</a:t>
+            </a:r>
+            <a:r>
+              <a:rPr lang="en-GB" dirty="0">
+                <a:solidFill>
+                  <a:schemeClr val="bg1"/>
+                </a:solidFill>
+              </a:rPr>
+              <a:t> (2015)</a:t>
+            </a:r>
+          </a:p>
+        </p:txBody>
+      </p:sp>
+      <p:sp>
+        <p:nvSpPr>
+          <p:cNvPr id="10" name="TextBox 9">
+            <a:extLst>
+              <a:ext uri="{FF2B5EF4-FFF2-40B4-BE49-F238E27FC236}">
+                <a16:creationId xmlns:a16="http://schemas.microsoft.com/office/drawing/2014/main" id="{8CFE04B0-8C2D-4988-10C1-7E4ED0F2EF93}"/>
+              </a:ext>
+            </a:extLst>
+          </p:cNvPr>
+          <p:cNvSpPr txBox="1"/>
+          <p:nvPr/>
+        </p:nvSpPr>
+        <p:spPr>
+          <a:xfrm>
+            <a:off x="3797814" y="4341963"/>
+            <a:ext cx="4381261" cy="461665"/>
+          </a:xfrm>
+          <a:prstGeom prst="rect">
+            <a:avLst/>
+          </a:prstGeom>
+          <a:noFill/>
+        </p:spPr>
+        <p:txBody>
+          <a:bodyPr wrap="square" rtlCol="0">
+            <a:spAutoFit/>
+          </a:bodyPr>
+          <a:lstStyle/>
+          <a:p>
+            <a:r>
+              <a:rPr lang="en-GB" sz="2400" dirty="0">
+                <a:solidFill>
+                  <a:schemeClr val="bg1"/>
+                </a:solidFill>
+                <a:latin typeface="MV Boli" panose="02000500030200090000" pitchFamily="2" charset="0"/>
+                <a:cs typeface="MV Boli" panose="02000500030200090000" pitchFamily="2" charset="0"/>
+              </a:rPr>
+              <a:t>“Philosophical pseudoscience”</a:t>
+            </a:r>
+          </a:p>
+        </p:txBody>
+      </p:sp>
+    </p:spTree>
+    <p:extLst>
+      <p:ext uri="{BB962C8B-B14F-4D97-AF65-F5344CB8AC3E}">
+        <p14:creationId xmlns:p14="http://schemas.microsoft.com/office/powerpoint/2010/main" val="674343388"/>
+      </p:ext>
+    </p:extLst>
+  </p:cSld>
+  <p:clrMapOvr>
+    <a:masterClrMapping/>
+  </p:clrMapOvr>
+  <p:timing>
+    <p:tnLst>
+      <p:par>
+        <p:cTn id="1" dur="indefinite" restart="never" nodeType="tmRoot">
+          <p:childTnLst>
+            <p:seq concurrent="1" nextAc="seek">
+              <p:cTn id="2" dur="indefinite" nodeType="mainSeq">
+                <p:childTnLst>
+                  <p:par>
+                    <p:cTn id="3" fill="hold">
+                      <p:stCondLst>
+                        <p:cond delay="indefinite"/>
+                      </p:stCondLst>
+                      <p:childTnLst>
+                        <p:par>
+                          <p:cTn id="4" fill="hold">
+                            <p:stCondLst>
+                              <p:cond delay="0"/>
+                            </p:stCondLst>
+                            <p:childTnLst>
+                              <p:par>
+                                <p:cTn id="5" presetID="1" presetClass="entr" presetSubtype="0" fill="hold" grpId="0" nodeType="clickEffect">
+                                  <p:stCondLst>
+                                    <p:cond delay="0"/>
+                                  </p:stCondLst>
+                                  <p:childTnLst>
+                                    <p:set>
+                                      <p:cBhvr>
+                                        <p:cTn id="6" dur="1" fill="hold">
+                                          <p:stCondLst>
+                                            <p:cond delay="0"/>
+                                          </p:stCondLst>
+                                        </p:cTn>
+                                        <p:tgtEl>
+                                          <p:spTgt spid="7"/>
+                                        </p:tgtEl>
+                                        <p:attrNameLst>
+                                          <p:attrName>style.visibility</p:attrName>
+                                        </p:attrNameLst>
+                                      </p:cBhvr>
+                                      <p:to>
+                                        <p:strVal val="visible"/>
+                                      </p:to>
+                                    </p:set>
+                                  </p:childTnLst>
+                                </p:cTn>
+                              </p:par>
+                            </p:childTnLst>
+                          </p:cTn>
+                        </p:par>
+                      </p:childTnLst>
+                    </p:cTn>
+                  </p:par>
+                </p:childTnLst>
+              </p:cTn>
+              <p:prevCondLst>
+                <p:cond evt="onPrev" delay="0">
+                  <p:tgtEl>
+                    <p:sldTgt/>
+                  </p:tgtEl>
+                </p:cond>
+              </p:prevCondLst>
+              <p:nextCondLst>
+                <p:cond evt="onNext" delay="0">
+                  <p:tgtEl>
+                    <p:sldTgt/>
+                  </p:tgtEl>
+                </p:cond>
+              </p:nextCondLst>
+            </p:seq>
+          </p:childTnLst>
+        </p:cTn>
+      </p:par>
+    </p:tnLst>
+    <p:bldLst>
+      <p:bldP spid="7" grpId="0"/>
+    </p:bldLst>
+  </p:timing>
+</p:sld>
+</file>
+
+<file path=ppt/slides/slide11.xml><?xml version="1.0" encoding="utf-8"?>
+<p:sld xmlns:a="http://schemas.openxmlformats.org/drawingml/2006/main" xmlns:r="http://schemas.openxmlformats.org/officeDocument/2006/relationships" xmlns:p="http://schemas.openxmlformats.org/presentationml/2006/main">
+  <p:cSld>
+    <p:spTree>
+      <p:nvGrpSpPr>
+        <p:cNvPr id="1" name=""/>
+        <p:cNvGrpSpPr/>
+        <p:nvPr/>
+      </p:nvGrpSpPr>
+      <p:grpSpPr>
+        <a:xfrm>
+          <a:off x="0" y="0"/>
+          <a:ext cx="0" cy="0"/>
+          <a:chOff x="0" y="0"/>
+          <a:chExt cx="0" cy="0"/>
+        </a:xfrm>
+      </p:grpSpPr>
+      <p:sp>
+        <p:nvSpPr>
           <p:cNvPr id="4" name="Title 3">
             <a:extLst>
               <a:ext uri="{FF2B5EF4-FFF2-40B4-BE49-F238E27FC236}">
@@ -6857,7 +7277,7 @@
 </p:sld>
 </file>
 
-<file path=ppt/slides/slide11.xml><?xml version="1.0" encoding="utf-8"?>
+<file path=ppt/slides/slide12.xml><?xml version="1.0" encoding="utf-8"?>
 <p:sld xmlns:a="http://schemas.openxmlformats.org/drawingml/2006/main" xmlns:r="http://schemas.openxmlformats.org/officeDocument/2006/relationships" xmlns:p="http://schemas.openxmlformats.org/presentationml/2006/main">
   <p:cSld>
     <p:spTree>
@@ -7019,7 +7439,7 @@
         </p:blipFill>
         <p:spPr>
           <a:xfrm>
-            <a:off x="8148820" y="1681980"/>
+            <a:off x="8288323" y="1681980"/>
             <a:ext cx="3620393" cy="4638628"/>
           </a:xfrm>
           <a:prstGeom prst="rect">
@@ -7371,7 +7791,7 @@
 </p:sld>
 </file>
 
-<file path=ppt/slides/slide12.xml><?xml version="1.0" encoding="utf-8"?>
+<file path=ppt/slides/slide13.xml><?xml version="1.0" encoding="utf-8"?>
 <p:sld xmlns:a="http://schemas.openxmlformats.org/drawingml/2006/main" xmlns:r="http://schemas.openxmlformats.org/officeDocument/2006/relationships" xmlns:p="http://schemas.openxmlformats.org/presentationml/2006/main">
   <p:cSld>
     <p:spTree>
@@ -8003,7 +8423,7 @@
 </p:sld>
 </file>
 
-<file path=ppt/slides/slide13.xml><?xml version="1.0" encoding="utf-8"?>
+<file path=ppt/slides/slide14.xml><?xml version="1.0" encoding="utf-8"?>
 <p:sld xmlns:a="http://schemas.openxmlformats.org/drawingml/2006/main" xmlns:r="http://schemas.openxmlformats.org/officeDocument/2006/relationships" xmlns:p="http://schemas.openxmlformats.org/presentationml/2006/main">
   <p:cSld>
     <p:spTree>
@@ -8559,7 +8979,7 @@
 </p:sld>
 </file>
 
-<file path=ppt/slides/slide14.xml><?xml version="1.0" encoding="utf-8"?>
+<file path=ppt/slides/slide15.xml><?xml version="1.0" encoding="utf-8"?>
 <p:sld xmlns:a="http://schemas.openxmlformats.org/drawingml/2006/main" xmlns:r="http://schemas.openxmlformats.org/officeDocument/2006/relationships" xmlns:p="http://schemas.openxmlformats.org/presentationml/2006/main">
   <p:cSld>
     <p:spTree>
@@ -8789,7 +9209,7 @@
 </p:sld>
 </file>
 
-<file path=ppt/slides/slide15.xml><?xml version="1.0" encoding="utf-8"?>
+<file path=ppt/slides/slide16.xml><?xml version="1.0" encoding="utf-8"?>
 <p:sld xmlns:a="http://schemas.openxmlformats.org/drawingml/2006/main" xmlns:r="http://schemas.openxmlformats.org/officeDocument/2006/relationships" xmlns:p="http://schemas.openxmlformats.org/presentationml/2006/main">
   <p:cSld>
     <p:spTree>
@@ -9159,7 +9579,7 @@
 </p:sld>
 </file>
 
-<file path=ppt/slides/slide16.xml><?xml version="1.0" encoding="utf-8"?>
+<file path=ppt/slides/slide17.xml><?xml version="1.0" encoding="utf-8"?>
 <p:sld xmlns:a="http://schemas.openxmlformats.org/drawingml/2006/main" xmlns:r="http://schemas.openxmlformats.org/officeDocument/2006/relationships" xmlns:p="http://schemas.openxmlformats.org/presentationml/2006/main">
   <p:cSld>
     <p:spTree>
@@ -9810,7 +10230,7 @@
 </p:sld>
 </file>
 
-<file path=ppt/slides/slide17.xml><?xml version="1.0" encoding="utf-8"?>
+<file path=ppt/slides/slide18.xml><?xml version="1.0" encoding="utf-8"?>
 <p:sld xmlns:a="http://schemas.openxmlformats.org/drawingml/2006/main" xmlns:r="http://schemas.openxmlformats.org/officeDocument/2006/relationships" xmlns:p="http://schemas.openxmlformats.org/presentationml/2006/main">
   <p:cSld>
     <p:spTree>
@@ -9850,7 +10270,7 @@
           <a:p>
             <a:r>
               <a:rPr lang="en-GB" dirty="0"/>
-              <a:t>Analysis plan (as written / primary?)</a:t>
+              <a:t>Analysis plan (as written / primary)</a:t>
             </a:r>
           </a:p>
         </p:txBody>
@@ -9873,7 +10293,7 @@
         </p:nvSpPr>
         <p:spPr>
           <a:xfrm>
-            <a:off x="458694" y="1748282"/>
+            <a:off x="458694" y="1471237"/>
             <a:ext cx="11274612" cy="4743958"/>
           </a:xfrm>
         </p:spPr>
@@ -10671,7 +11091,7 @@
 </p:sld>
 </file>
 
-<file path=ppt/slides/slide18.xml><?xml version="1.0" encoding="utf-8"?>
+<file path=ppt/slides/slide19.xml><?xml version="1.0" encoding="utf-8"?>
 <p:sld xmlns:a="http://schemas.openxmlformats.org/drawingml/2006/main" xmlns:r="http://schemas.openxmlformats.org/officeDocument/2006/relationships" xmlns:p="http://schemas.openxmlformats.org/presentationml/2006/main">
   <p:cSld>
     <p:spTree>
@@ -10736,7 +11156,7 @@
             </a:r>
             <a:r>
               <a:rPr lang="en-GB" dirty="0"/>
-              <a:t> have a multiplicity problem?</a:t>
+              <a:t>  have a multiplicity problem?</a:t>
             </a:r>
           </a:p>
         </p:txBody>
@@ -11218,7 +11638,808 @@
 </p:sld>
 </file>
 
-<file path=ppt/slides/slide19.xml><?xml version="1.0" encoding="utf-8"?>
+<file path=ppt/slides/slide2.xml><?xml version="1.0" encoding="utf-8"?>
+<p:sld xmlns:a="http://schemas.openxmlformats.org/drawingml/2006/main" xmlns:r="http://schemas.openxmlformats.org/officeDocument/2006/relationships" xmlns:p="http://schemas.openxmlformats.org/presentationml/2006/main">
+  <p:cSld>
+    <p:spTree>
+      <p:nvGrpSpPr>
+        <p:cNvPr id="1" name=""/>
+        <p:cNvGrpSpPr/>
+        <p:nvPr/>
+      </p:nvGrpSpPr>
+      <p:grpSpPr>
+        <a:xfrm>
+          <a:off x="0" y="0"/>
+          <a:ext cx="0" cy="0"/>
+          <a:chOff x="0" y="0"/>
+          <a:chExt cx="0" cy="0"/>
+        </a:xfrm>
+      </p:grpSpPr>
+      <p:sp>
+        <p:nvSpPr>
+          <p:cNvPr id="2" name="Title 1">
+            <a:extLst>
+              <a:ext uri="{FF2B5EF4-FFF2-40B4-BE49-F238E27FC236}">
+                <a16:creationId xmlns:a16="http://schemas.microsoft.com/office/drawing/2014/main" id="{DC792EE4-7F30-B01C-70BF-0F8DDE444581}"/>
+              </a:ext>
+            </a:extLst>
+          </p:cNvPr>
+          <p:cNvSpPr>
+            <a:spLocks noGrp="1"/>
+          </p:cNvSpPr>
+          <p:nvPr>
+            <p:ph type="title"/>
+          </p:nvPr>
+        </p:nvSpPr>
+        <p:spPr/>
+        <p:txBody>
+          <a:bodyPr/>
+          <a:lstStyle/>
+          <a:p>
+            <a:r>
+              <a:rPr lang="en-GB" dirty="0"/>
+              <a:t>How do we answer research questions?</a:t>
+            </a:r>
+          </a:p>
+        </p:txBody>
+      </p:sp>
+      <p:sp>
+        <p:nvSpPr>
+          <p:cNvPr id="3" name="Content Placeholder 2">
+            <a:extLst>
+              <a:ext uri="{FF2B5EF4-FFF2-40B4-BE49-F238E27FC236}">
+                <a16:creationId xmlns:a16="http://schemas.microsoft.com/office/drawing/2014/main" id="{529FFE39-C942-1863-58CD-D8D7084E1308}"/>
+              </a:ext>
+            </a:extLst>
+          </p:cNvPr>
+          <p:cNvSpPr>
+            <a:spLocks noGrp="1"/>
+          </p:cNvSpPr>
+          <p:nvPr>
+            <p:ph idx="1"/>
+          </p:nvPr>
+        </p:nvSpPr>
+        <p:spPr>
+          <a:xfrm>
+            <a:off x="838200" y="1589650"/>
+            <a:ext cx="5385620" cy="4351338"/>
+          </a:xfrm>
+        </p:spPr>
+        <p:txBody>
+          <a:bodyPr>
+            <a:normAutofit lnSpcReduction="10000"/>
+          </a:bodyPr>
+          <a:lstStyle/>
+          <a:p>
+            <a:pPr marL="0" indent="0">
+              <a:buNone/>
+            </a:pPr>
+            <a:r>
+              <a:rPr lang="en-GB" dirty="0"/>
+              <a:t>Most questions are of the form: </a:t>
+            </a:r>
+          </a:p>
+          <a:p>
+            <a:pPr marL="0" indent="0">
+              <a:buNone/>
+            </a:pPr>
+            <a:r>
+              <a:rPr lang="en-GB" dirty="0"/>
+              <a:t>Does X affect Y?</a:t>
+            </a:r>
+          </a:p>
+          <a:p>
+            <a:endParaRPr lang="en-GB" dirty="0"/>
+          </a:p>
+          <a:p>
+            <a:r>
+              <a:rPr lang="en-GB" dirty="0"/>
+              <a:t>Which metabolites are affected by my intervention?</a:t>
+            </a:r>
+          </a:p>
+          <a:p>
+            <a:r>
+              <a:rPr lang="en-GB" dirty="0"/>
+              <a:t>Does treatment improve outcome?</a:t>
+            </a:r>
+          </a:p>
+          <a:p>
+            <a:r>
+              <a:rPr lang="en-GB" dirty="0"/>
+              <a:t>Can the microbiome predict Alzheimer’s disease</a:t>
+            </a:r>
+          </a:p>
+          <a:p>
+            <a:r>
+              <a:rPr lang="en-GB" dirty="0"/>
+              <a:t>Etc…</a:t>
+            </a:r>
+          </a:p>
+        </p:txBody>
+      </p:sp>
+      <p:sp>
+        <p:nvSpPr>
+          <p:cNvPr id="4" name="Content Placeholder 2">
+            <a:extLst>
+              <a:ext uri="{FF2B5EF4-FFF2-40B4-BE49-F238E27FC236}">
+                <a16:creationId xmlns:a16="http://schemas.microsoft.com/office/drawing/2014/main" id="{C08FAE9B-D82E-B23E-998E-1CE2BAA586BB}"/>
+              </a:ext>
+            </a:extLst>
+          </p:cNvPr>
+          <p:cNvSpPr txBox="1">
+            <a:spLocks/>
+          </p:cNvSpPr>
+          <p:nvPr/>
+        </p:nvSpPr>
+        <p:spPr>
+          <a:xfrm>
+            <a:off x="7176310" y="1933203"/>
+            <a:ext cx="4362135" cy="1585320"/>
+          </a:xfrm>
+          <a:prstGeom prst="rect">
+            <a:avLst/>
+          </a:prstGeom>
+        </p:spPr>
+        <p:txBody>
+          <a:bodyPr vert="horz" lIns="91440" tIns="45720" rIns="91440" bIns="45720" rtlCol="0">
+            <a:normAutofit fontScale="77500" lnSpcReduction="20000"/>
+          </a:bodyPr>
+          <a:lstStyle>
+            <a:lvl1pPr marL="228600" indent="-228600" algn="l" defTabSz="914400" rtl="0" eaLnBrk="1" latinLnBrk="0" hangingPunct="1">
+              <a:lnSpc>
+                <a:spcPct val="90000"/>
+              </a:lnSpc>
+              <a:spcBef>
+                <a:spcPts val="1000"/>
+              </a:spcBef>
+              <a:buFont typeface="Arial" panose="020B0604020202020204" pitchFamily="34" charset="0"/>
+              <a:buChar char="•"/>
+              <a:defRPr sz="2800" kern="1200">
+                <a:solidFill>
+                  <a:schemeClr val="tx1"/>
+                </a:solidFill>
+                <a:latin typeface="+mn-lt"/>
+                <a:ea typeface="+mn-ea"/>
+                <a:cs typeface="+mn-cs"/>
+              </a:defRPr>
+            </a:lvl1pPr>
+            <a:lvl2pPr marL="685800" indent="-228600" algn="l" defTabSz="914400" rtl="0" eaLnBrk="1" latinLnBrk="0" hangingPunct="1">
+              <a:lnSpc>
+                <a:spcPct val="90000"/>
+              </a:lnSpc>
+              <a:spcBef>
+                <a:spcPts val="500"/>
+              </a:spcBef>
+              <a:buFont typeface="Arial" panose="020B0604020202020204" pitchFamily="34" charset="0"/>
+              <a:buChar char="•"/>
+              <a:defRPr sz="2400" kern="1200">
+                <a:solidFill>
+                  <a:schemeClr val="tx1"/>
+                </a:solidFill>
+                <a:latin typeface="+mn-lt"/>
+                <a:ea typeface="+mn-ea"/>
+                <a:cs typeface="+mn-cs"/>
+              </a:defRPr>
+            </a:lvl2pPr>
+            <a:lvl3pPr marL="1143000" indent="-228600" algn="l" defTabSz="914400" rtl="0" eaLnBrk="1" latinLnBrk="0" hangingPunct="1">
+              <a:lnSpc>
+                <a:spcPct val="90000"/>
+              </a:lnSpc>
+              <a:spcBef>
+                <a:spcPts val="500"/>
+              </a:spcBef>
+              <a:buFont typeface="Arial" panose="020B0604020202020204" pitchFamily="34" charset="0"/>
+              <a:buChar char="•"/>
+              <a:defRPr sz="2000" kern="1200">
+                <a:solidFill>
+                  <a:schemeClr val="tx1"/>
+                </a:solidFill>
+                <a:latin typeface="+mn-lt"/>
+                <a:ea typeface="+mn-ea"/>
+                <a:cs typeface="+mn-cs"/>
+              </a:defRPr>
+            </a:lvl3pPr>
+            <a:lvl4pPr marL="1600200" indent="-228600" algn="l" defTabSz="914400" rtl="0" eaLnBrk="1" latinLnBrk="0" hangingPunct="1">
+              <a:lnSpc>
+                <a:spcPct val="90000"/>
+              </a:lnSpc>
+              <a:spcBef>
+                <a:spcPts val="500"/>
+              </a:spcBef>
+              <a:buFont typeface="Arial" panose="020B0604020202020204" pitchFamily="34" charset="0"/>
+              <a:buChar char="•"/>
+              <a:defRPr sz="1800" kern="1200">
+                <a:solidFill>
+                  <a:schemeClr val="tx1"/>
+                </a:solidFill>
+                <a:latin typeface="+mn-lt"/>
+                <a:ea typeface="+mn-ea"/>
+                <a:cs typeface="+mn-cs"/>
+              </a:defRPr>
+            </a:lvl4pPr>
+            <a:lvl5pPr marL="2057400" indent="-228600" algn="l" defTabSz="914400" rtl="0" eaLnBrk="1" latinLnBrk="0" hangingPunct="1">
+              <a:lnSpc>
+                <a:spcPct val="90000"/>
+              </a:lnSpc>
+              <a:spcBef>
+                <a:spcPts val="500"/>
+              </a:spcBef>
+              <a:buFont typeface="Arial" panose="020B0604020202020204" pitchFamily="34" charset="0"/>
+              <a:buChar char="•"/>
+              <a:defRPr sz="1800" kern="1200">
+                <a:solidFill>
+                  <a:schemeClr val="tx1"/>
+                </a:solidFill>
+                <a:latin typeface="+mn-lt"/>
+                <a:ea typeface="+mn-ea"/>
+                <a:cs typeface="+mn-cs"/>
+              </a:defRPr>
+            </a:lvl5pPr>
+            <a:lvl6pPr marL="2514600" indent="-228600" algn="l" defTabSz="914400" rtl="0" eaLnBrk="1" latinLnBrk="0" hangingPunct="1">
+              <a:lnSpc>
+                <a:spcPct val="90000"/>
+              </a:lnSpc>
+              <a:spcBef>
+                <a:spcPts val="500"/>
+              </a:spcBef>
+              <a:buFont typeface="Arial" panose="020B0604020202020204" pitchFamily="34" charset="0"/>
+              <a:buChar char="•"/>
+              <a:defRPr sz="1800" kern="1200">
+                <a:solidFill>
+                  <a:schemeClr val="tx1"/>
+                </a:solidFill>
+                <a:latin typeface="+mn-lt"/>
+                <a:ea typeface="+mn-ea"/>
+                <a:cs typeface="+mn-cs"/>
+              </a:defRPr>
+            </a:lvl6pPr>
+            <a:lvl7pPr marL="2971800" indent="-228600" algn="l" defTabSz="914400" rtl="0" eaLnBrk="1" latinLnBrk="0" hangingPunct="1">
+              <a:lnSpc>
+                <a:spcPct val="90000"/>
+              </a:lnSpc>
+              <a:spcBef>
+                <a:spcPts val="500"/>
+              </a:spcBef>
+              <a:buFont typeface="Arial" panose="020B0604020202020204" pitchFamily="34" charset="0"/>
+              <a:buChar char="•"/>
+              <a:defRPr sz="1800" kern="1200">
+                <a:solidFill>
+                  <a:schemeClr val="tx1"/>
+                </a:solidFill>
+                <a:latin typeface="+mn-lt"/>
+                <a:ea typeface="+mn-ea"/>
+                <a:cs typeface="+mn-cs"/>
+              </a:defRPr>
+            </a:lvl7pPr>
+            <a:lvl8pPr marL="3429000" indent="-228600" algn="l" defTabSz="914400" rtl="0" eaLnBrk="1" latinLnBrk="0" hangingPunct="1">
+              <a:lnSpc>
+                <a:spcPct val="90000"/>
+              </a:lnSpc>
+              <a:spcBef>
+                <a:spcPts val="500"/>
+              </a:spcBef>
+              <a:buFont typeface="Arial" panose="020B0604020202020204" pitchFamily="34" charset="0"/>
+              <a:buChar char="•"/>
+              <a:defRPr sz="1800" kern="1200">
+                <a:solidFill>
+                  <a:schemeClr val="tx1"/>
+                </a:solidFill>
+                <a:latin typeface="+mn-lt"/>
+                <a:ea typeface="+mn-ea"/>
+                <a:cs typeface="+mn-cs"/>
+              </a:defRPr>
+            </a:lvl8pPr>
+            <a:lvl9pPr marL="3886200" indent="-228600" algn="l" defTabSz="914400" rtl="0" eaLnBrk="1" latinLnBrk="0" hangingPunct="1">
+              <a:lnSpc>
+                <a:spcPct val="90000"/>
+              </a:lnSpc>
+              <a:spcBef>
+                <a:spcPts val="500"/>
+              </a:spcBef>
+              <a:buFont typeface="Arial" panose="020B0604020202020204" pitchFamily="34" charset="0"/>
+              <a:buChar char="•"/>
+              <a:defRPr sz="1800" kern="1200">
+                <a:solidFill>
+                  <a:schemeClr val="tx1"/>
+                </a:solidFill>
+                <a:latin typeface="+mn-lt"/>
+                <a:ea typeface="+mn-ea"/>
+                <a:cs typeface="+mn-cs"/>
+              </a:defRPr>
+            </a:lvl9pPr>
+          </a:lstStyle>
+          <a:p>
+            <a:pPr marL="0" indent="0">
+              <a:buNone/>
+            </a:pPr>
+            <a:r>
+              <a:rPr lang="en-GB" dirty="0">
+                <a:solidFill>
+                  <a:schemeClr val="bg1"/>
+                </a:solidFill>
+              </a:rPr>
+              <a:t>Are these questions answerable by our methods?</a:t>
+            </a:r>
+          </a:p>
+          <a:p>
+            <a:pPr marL="0" indent="0">
+              <a:buNone/>
+            </a:pPr>
+            <a:endParaRPr lang="en-GB" dirty="0">
+              <a:solidFill>
+                <a:schemeClr val="bg1"/>
+              </a:solidFill>
+            </a:endParaRPr>
+          </a:p>
+          <a:p>
+            <a:pPr marL="0" indent="0">
+              <a:buNone/>
+            </a:pPr>
+            <a:r>
+              <a:rPr lang="en-GB" dirty="0">
+                <a:solidFill>
+                  <a:schemeClr val="bg1"/>
+                </a:solidFill>
+              </a:rPr>
+              <a:t>But.. our collaborators want answers and do not like uncertainty</a:t>
+            </a:r>
+          </a:p>
+        </p:txBody>
+      </p:sp>
+      <p:sp>
+        <p:nvSpPr>
+          <p:cNvPr id="6" name="TextBox 5">
+            <a:extLst>
+              <a:ext uri="{FF2B5EF4-FFF2-40B4-BE49-F238E27FC236}">
+                <a16:creationId xmlns:a16="http://schemas.microsoft.com/office/drawing/2014/main" id="{13B0EE40-BBF9-FE05-FB10-A9F4DD69231A}"/>
+              </a:ext>
+            </a:extLst>
+          </p:cNvPr>
+          <p:cNvSpPr txBox="1"/>
+          <p:nvPr/>
+        </p:nvSpPr>
+        <p:spPr>
+          <a:xfrm>
+            <a:off x="7063530" y="3912804"/>
+            <a:ext cx="4587696" cy="1077218"/>
+          </a:xfrm>
+          <a:prstGeom prst="rect">
+            <a:avLst/>
+          </a:prstGeom>
+        </p:spPr>
+        <p:style>
+          <a:lnRef idx="2">
+            <a:schemeClr val="accent1">
+              <a:shade val="50000"/>
+            </a:schemeClr>
+          </a:lnRef>
+          <a:fillRef idx="1">
+            <a:schemeClr val="accent1"/>
+          </a:fillRef>
+          <a:effectRef idx="0">
+            <a:schemeClr val="accent1"/>
+          </a:effectRef>
+          <a:fontRef idx="minor">
+            <a:schemeClr val="lt1"/>
+          </a:fontRef>
+        </p:style>
+        <p:txBody>
+          <a:bodyPr wrap="square">
+            <a:spAutoFit/>
+          </a:bodyPr>
+          <a:lstStyle/>
+          <a:p>
+            <a:pPr algn="ctr"/>
+            <a:r>
+              <a:rPr lang="en-GB" sz="3200" dirty="0">
+                <a:latin typeface="MV Boli" panose="02000500030200090000" pitchFamily="2" charset="0"/>
+                <a:cs typeface="MV Boli" panose="02000500030200090000" pitchFamily="2" charset="0"/>
+              </a:rPr>
+              <a:t>p&lt;0.05</a:t>
+            </a:r>
+          </a:p>
+          <a:p>
+            <a:pPr algn="ctr"/>
+            <a:r>
+              <a:rPr lang="en-GB" sz="3200" dirty="0">
+                <a:latin typeface="MV Boli" panose="02000500030200090000" pitchFamily="2" charset="0"/>
+                <a:cs typeface="MV Boli" panose="02000500030200090000" pitchFamily="2" charset="0"/>
+              </a:rPr>
+              <a:t>The arbiter of truth!</a:t>
+            </a:r>
+          </a:p>
+        </p:txBody>
+      </p:sp>
+      <p:sp>
+        <p:nvSpPr>
+          <p:cNvPr id="5" name="Content Placeholder 2">
+            <a:extLst>
+              <a:ext uri="{FF2B5EF4-FFF2-40B4-BE49-F238E27FC236}">
+                <a16:creationId xmlns:a16="http://schemas.microsoft.com/office/drawing/2014/main" id="{42911ED8-7D06-E2B8-E316-D8EB300C3E0E}"/>
+              </a:ext>
+            </a:extLst>
+          </p:cNvPr>
+          <p:cNvSpPr txBox="1">
+            <a:spLocks/>
+          </p:cNvSpPr>
+          <p:nvPr/>
+        </p:nvSpPr>
+        <p:spPr>
+          <a:xfrm>
+            <a:off x="7176309" y="5429223"/>
+            <a:ext cx="4362135" cy="882677"/>
+          </a:xfrm>
+          <a:prstGeom prst="rect">
+            <a:avLst/>
+          </a:prstGeom>
+        </p:spPr>
+        <p:txBody>
+          <a:bodyPr vert="horz" lIns="91440" tIns="45720" rIns="91440" bIns="45720" rtlCol="0">
+            <a:normAutofit/>
+          </a:bodyPr>
+          <a:lstStyle>
+            <a:lvl1pPr marL="228600" indent="-228600" algn="l" defTabSz="914400" rtl="0" eaLnBrk="1" latinLnBrk="0" hangingPunct="1">
+              <a:lnSpc>
+                <a:spcPct val="90000"/>
+              </a:lnSpc>
+              <a:spcBef>
+                <a:spcPts val="1000"/>
+              </a:spcBef>
+              <a:buFont typeface="Arial" panose="020B0604020202020204" pitchFamily="34" charset="0"/>
+              <a:buChar char="•"/>
+              <a:defRPr sz="2800" kern="1200">
+                <a:solidFill>
+                  <a:schemeClr val="tx1"/>
+                </a:solidFill>
+                <a:latin typeface="+mn-lt"/>
+                <a:ea typeface="+mn-ea"/>
+                <a:cs typeface="+mn-cs"/>
+              </a:defRPr>
+            </a:lvl1pPr>
+            <a:lvl2pPr marL="685800" indent="-228600" algn="l" defTabSz="914400" rtl="0" eaLnBrk="1" latinLnBrk="0" hangingPunct="1">
+              <a:lnSpc>
+                <a:spcPct val="90000"/>
+              </a:lnSpc>
+              <a:spcBef>
+                <a:spcPts val="500"/>
+              </a:spcBef>
+              <a:buFont typeface="Arial" panose="020B0604020202020204" pitchFamily="34" charset="0"/>
+              <a:buChar char="•"/>
+              <a:defRPr sz="2400" kern="1200">
+                <a:solidFill>
+                  <a:schemeClr val="tx1"/>
+                </a:solidFill>
+                <a:latin typeface="+mn-lt"/>
+                <a:ea typeface="+mn-ea"/>
+                <a:cs typeface="+mn-cs"/>
+              </a:defRPr>
+            </a:lvl2pPr>
+            <a:lvl3pPr marL="1143000" indent="-228600" algn="l" defTabSz="914400" rtl="0" eaLnBrk="1" latinLnBrk="0" hangingPunct="1">
+              <a:lnSpc>
+                <a:spcPct val="90000"/>
+              </a:lnSpc>
+              <a:spcBef>
+                <a:spcPts val="500"/>
+              </a:spcBef>
+              <a:buFont typeface="Arial" panose="020B0604020202020204" pitchFamily="34" charset="0"/>
+              <a:buChar char="•"/>
+              <a:defRPr sz="2000" kern="1200">
+                <a:solidFill>
+                  <a:schemeClr val="tx1"/>
+                </a:solidFill>
+                <a:latin typeface="+mn-lt"/>
+                <a:ea typeface="+mn-ea"/>
+                <a:cs typeface="+mn-cs"/>
+              </a:defRPr>
+            </a:lvl3pPr>
+            <a:lvl4pPr marL="1600200" indent="-228600" algn="l" defTabSz="914400" rtl="0" eaLnBrk="1" latinLnBrk="0" hangingPunct="1">
+              <a:lnSpc>
+                <a:spcPct val="90000"/>
+              </a:lnSpc>
+              <a:spcBef>
+                <a:spcPts val="500"/>
+              </a:spcBef>
+              <a:buFont typeface="Arial" panose="020B0604020202020204" pitchFamily="34" charset="0"/>
+              <a:buChar char="•"/>
+              <a:defRPr sz="1800" kern="1200">
+                <a:solidFill>
+                  <a:schemeClr val="tx1"/>
+                </a:solidFill>
+                <a:latin typeface="+mn-lt"/>
+                <a:ea typeface="+mn-ea"/>
+                <a:cs typeface="+mn-cs"/>
+              </a:defRPr>
+            </a:lvl4pPr>
+            <a:lvl5pPr marL="2057400" indent="-228600" algn="l" defTabSz="914400" rtl="0" eaLnBrk="1" latinLnBrk="0" hangingPunct="1">
+              <a:lnSpc>
+                <a:spcPct val="90000"/>
+              </a:lnSpc>
+              <a:spcBef>
+                <a:spcPts val="500"/>
+              </a:spcBef>
+              <a:buFont typeface="Arial" panose="020B0604020202020204" pitchFamily="34" charset="0"/>
+              <a:buChar char="•"/>
+              <a:defRPr sz="1800" kern="1200">
+                <a:solidFill>
+                  <a:schemeClr val="tx1"/>
+                </a:solidFill>
+                <a:latin typeface="+mn-lt"/>
+                <a:ea typeface="+mn-ea"/>
+                <a:cs typeface="+mn-cs"/>
+              </a:defRPr>
+            </a:lvl5pPr>
+            <a:lvl6pPr marL="2514600" indent="-228600" algn="l" defTabSz="914400" rtl="0" eaLnBrk="1" latinLnBrk="0" hangingPunct="1">
+              <a:lnSpc>
+                <a:spcPct val="90000"/>
+              </a:lnSpc>
+              <a:spcBef>
+                <a:spcPts val="500"/>
+              </a:spcBef>
+              <a:buFont typeface="Arial" panose="020B0604020202020204" pitchFamily="34" charset="0"/>
+              <a:buChar char="•"/>
+              <a:defRPr sz="1800" kern="1200">
+                <a:solidFill>
+                  <a:schemeClr val="tx1"/>
+                </a:solidFill>
+                <a:latin typeface="+mn-lt"/>
+                <a:ea typeface="+mn-ea"/>
+                <a:cs typeface="+mn-cs"/>
+              </a:defRPr>
+            </a:lvl6pPr>
+            <a:lvl7pPr marL="2971800" indent="-228600" algn="l" defTabSz="914400" rtl="0" eaLnBrk="1" latinLnBrk="0" hangingPunct="1">
+              <a:lnSpc>
+                <a:spcPct val="90000"/>
+              </a:lnSpc>
+              <a:spcBef>
+                <a:spcPts val="500"/>
+              </a:spcBef>
+              <a:buFont typeface="Arial" panose="020B0604020202020204" pitchFamily="34" charset="0"/>
+              <a:buChar char="•"/>
+              <a:defRPr sz="1800" kern="1200">
+                <a:solidFill>
+                  <a:schemeClr val="tx1"/>
+                </a:solidFill>
+                <a:latin typeface="+mn-lt"/>
+                <a:ea typeface="+mn-ea"/>
+                <a:cs typeface="+mn-cs"/>
+              </a:defRPr>
+            </a:lvl7pPr>
+            <a:lvl8pPr marL="3429000" indent="-228600" algn="l" defTabSz="914400" rtl="0" eaLnBrk="1" latinLnBrk="0" hangingPunct="1">
+              <a:lnSpc>
+                <a:spcPct val="90000"/>
+              </a:lnSpc>
+              <a:spcBef>
+                <a:spcPts val="500"/>
+              </a:spcBef>
+              <a:buFont typeface="Arial" panose="020B0604020202020204" pitchFamily="34" charset="0"/>
+              <a:buChar char="•"/>
+              <a:defRPr sz="1800" kern="1200">
+                <a:solidFill>
+                  <a:schemeClr val="tx1"/>
+                </a:solidFill>
+                <a:latin typeface="+mn-lt"/>
+                <a:ea typeface="+mn-ea"/>
+                <a:cs typeface="+mn-cs"/>
+              </a:defRPr>
+            </a:lvl8pPr>
+            <a:lvl9pPr marL="3886200" indent="-228600" algn="l" defTabSz="914400" rtl="0" eaLnBrk="1" latinLnBrk="0" hangingPunct="1">
+              <a:lnSpc>
+                <a:spcPct val="90000"/>
+              </a:lnSpc>
+              <a:spcBef>
+                <a:spcPts val="500"/>
+              </a:spcBef>
+              <a:buFont typeface="Arial" panose="020B0604020202020204" pitchFamily="34" charset="0"/>
+              <a:buChar char="•"/>
+              <a:defRPr sz="1800" kern="1200">
+                <a:solidFill>
+                  <a:schemeClr val="tx1"/>
+                </a:solidFill>
+                <a:latin typeface="+mn-lt"/>
+                <a:ea typeface="+mn-ea"/>
+                <a:cs typeface="+mn-cs"/>
+              </a:defRPr>
+            </a:lvl9pPr>
+          </a:lstStyle>
+          <a:p>
+            <a:pPr marL="0" indent="0">
+              <a:buNone/>
+            </a:pPr>
+            <a:r>
+              <a:rPr lang="en-GB" dirty="0">
+                <a:solidFill>
+                  <a:schemeClr val="bg1"/>
+                </a:solidFill>
+              </a:rPr>
+              <a:t>Sometimes it feels like this is all we need</a:t>
+            </a:r>
+          </a:p>
+        </p:txBody>
+      </p:sp>
+    </p:spTree>
+    <p:extLst>
+      <p:ext uri="{BB962C8B-B14F-4D97-AF65-F5344CB8AC3E}">
+        <p14:creationId xmlns:p14="http://schemas.microsoft.com/office/powerpoint/2010/main" val="928374770"/>
+      </p:ext>
+    </p:extLst>
+  </p:cSld>
+  <p:clrMapOvr>
+    <a:masterClrMapping/>
+  </p:clrMapOvr>
+  <p:timing>
+    <p:tnLst>
+      <p:par>
+        <p:cTn id="1" dur="indefinite" restart="never" nodeType="tmRoot">
+          <p:childTnLst>
+            <p:seq concurrent="1" nextAc="seek">
+              <p:cTn id="2" dur="indefinite" nodeType="mainSeq">
+                <p:childTnLst>
+                  <p:par>
+                    <p:cTn id="3" fill="hold">
+                      <p:stCondLst>
+                        <p:cond delay="indefinite"/>
+                      </p:stCondLst>
+                      <p:childTnLst>
+                        <p:par>
+                          <p:cTn id="4" fill="hold">
+                            <p:stCondLst>
+                              <p:cond delay="0"/>
+                            </p:stCondLst>
+                            <p:childTnLst>
+                              <p:par>
+                                <p:cTn id="5" presetID="1" presetClass="entr" presetSubtype="0" fill="hold" grpId="0" nodeType="clickEffect">
+                                  <p:stCondLst>
+                                    <p:cond delay="0"/>
+                                  </p:stCondLst>
+                                  <p:childTnLst>
+                                    <p:set>
+                                      <p:cBhvr>
+                                        <p:cTn id="6" dur="1" fill="hold">
+                                          <p:stCondLst>
+                                            <p:cond delay="0"/>
+                                          </p:stCondLst>
+                                        </p:cTn>
+                                        <p:tgtEl>
+                                          <p:spTgt spid="4"/>
+                                        </p:tgtEl>
+                                        <p:attrNameLst>
+                                          <p:attrName>style.visibility</p:attrName>
+                                        </p:attrNameLst>
+                                      </p:cBhvr>
+                                      <p:to>
+                                        <p:strVal val="visible"/>
+                                      </p:to>
+                                    </p:set>
+                                  </p:childTnLst>
+                                </p:cTn>
+                              </p:par>
+                            </p:childTnLst>
+                          </p:cTn>
+                        </p:par>
+                      </p:childTnLst>
+                    </p:cTn>
+                  </p:par>
+                  <p:par>
+                    <p:cTn id="7" fill="hold">
+                      <p:stCondLst>
+                        <p:cond delay="indefinite"/>
+                      </p:stCondLst>
+                      <p:childTnLst>
+                        <p:par>
+                          <p:cTn id="8" fill="hold">
+                            <p:stCondLst>
+                              <p:cond delay="0"/>
+                            </p:stCondLst>
+                            <p:childTnLst>
+                              <p:par>
+                                <p:cTn id="9" presetID="1" presetClass="entr" presetSubtype="0" fill="hold" grpId="0" nodeType="clickEffect">
+                                  <p:stCondLst>
+                                    <p:cond delay="0"/>
+                                  </p:stCondLst>
+                                  <p:childTnLst>
+                                    <p:set>
+                                      <p:cBhvr>
+                                        <p:cTn id="10" dur="1" fill="hold">
+                                          <p:stCondLst>
+                                            <p:cond delay="0"/>
+                                          </p:stCondLst>
+                                        </p:cTn>
+                                        <p:tgtEl>
+                                          <p:spTgt spid="6"/>
+                                        </p:tgtEl>
+                                        <p:attrNameLst>
+                                          <p:attrName>style.visibility</p:attrName>
+                                        </p:attrNameLst>
+                                      </p:cBhvr>
+                                      <p:to>
+                                        <p:strVal val="visible"/>
+                                      </p:to>
+                                    </p:set>
+                                  </p:childTnLst>
+                                </p:cTn>
+                              </p:par>
+                            </p:childTnLst>
+                          </p:cTn>
+                        </p:par>
+                      </p:childTnLst>
+                    </p:cTn>
+                  </p:par>
+                  <p:par>
+                    <p:cTn id="11" fill="hold">
+                      <p:stCondLst>
+                        <p:cond delay="indefinite"/>
+                      </p:stCondLst>
+                      <p:childTnLst>
+                        <p:par>
+                          <p:cTn id="12" fill="hold">
+                            <p:stCondLst>
+                              <p:cond delay="0"/>
+                            </p:stCondLst>
+                            <p:childTnLst>
+                              <p:par>
+                                <p:cTn id="13" presetID="1" presetClass="entr" presetSubtype="0" fill="hold" grpId="0" nodeType="clickEffect">
+                                  <p:stCondLst>
+                                    <p:cond delay="0"/>
+                                  </p:stCondLst>
+                                  <p:childTnLst>
+                                    <p:set>
+                                      <p:cBhvr>
+                                        <p:cTn id="14" dur="1" fill="hold">
+                                          <p:stCondLst>
+                                            <p:cond delay="0"/>
+                                          </p:stCondLst>
+                                        </p:cTn>
+                                        <p:tgtEl>
+                                          <p:spTgt spid="5"/>
+                                        </p:tgtEl>
+                                        <p:attrNameLst>
+                                          <p:attrName>style.visibility</p:attrName>
+                                        </p:attrNameLst>
+                                      </p:cBhvr>
+                                      <p:to>
+                                        <p:strVal val="visible"/>
+                                      </p:to>
+                                    </p:set>
+                                  </p:childTnLst>
+                                </p:cTn>
+                              </p:par>
+                            </p:childTnLst>
+                          </p:cTn>
+                        </p:par>
+                      </p:childTnLst>
+                    </p:cTn>
+                  </p:par>
+                </p:childTnLst>
+              </p:cTn>
+              <p:prevCondLst>
+                <p:cond evt="onPrev" delay="0">
+                  <p:tgtEl>
+                    <p:sldTgt/>
+                  </p:tgtEl>
+                </p:cond>
+              </p:prevCondLst>
+              <p:nextCondLst>
+                <p:cond evt="onNext" delay="0">
+                  <p:tgtEl>
+                    <p:sldTgt/>
+                  </p:tgtEl>
+                </p:cond>
+              </p:nextCondLst>
+            </p:seq>
+          </p:childTnLst>
+        </p:cTn>
+      </p:par>
+    </p:tnLst>
+    <p:bldLst>
+      <p:bldP spid="4" grpId="0"/>
+      <p:bldP spid="6" grpId="0" animBg="1"/>
+      <p:bldP spid="5" grpId="0"/>
+    </p:bldLst>
+  </p:timing>
+</p:sld>
+</file>
+
+<file path=ppt/slides/slide20.xml><?xml version="1.0" encoding="utf-8"?>
 <p:sld xmlns:a="http://schemas.openxmlformats.org/drawingml/2006/main" xmlns:r="http://schemas.openxmlformats.org/officeDocument/2006/relationships" xmlns:p="http://schemas.openxmlformats.org/presentationml/2006/main">
   <p:cSld>
     <p:spTree>
@@ -11515,808 +12736,7 @@
 </p:sld>
 </file>
 
-<file path=ppt/slides/slide2.xml><?xml version="1.0" encoding="utf-8"?>
-<p:sld xmlns:a="http://schemas.openxmlformats.org/drawingml/2006/main" xmlns:r="http://schemas.openxmlformats.org/officeDocument/2006/relationships" xmlns:p="http://schemas.openxmlformats.org/presentationml/2006/main">
-  <p:cSld>
-    <p:spTree>
-      <p:nvGrpSpPr>
-        <p:cNvPr id="1" name=""/>
-        <p:cNvGrpSpPr/>
-        <p:nvPr/>
-      </p:nvGrpSpPr>
-      <p:grpSpPr>
-        <a:xfrm>
-          <a:off x="0" y="0"/>
-          <a:ext cx="0" cy="0"/>
-          <a:chOff x="0" y="0"/>
-          <a:chExt cx="0" cy="0"/>
-        </a:xfrm>
-      </p:grpSpPr>
-      <p:sp>
-        <p:nvSpPr>
-          <p:cNvPr id="2" name="Title 1">
-            <a:extLst>
-              <a:ext uri="{FF2B5EF4-FFF2-40B4-BE49-F238E27FC236}">
-                <a16:creationId xmlns:a16="http://schemas.microsoft.com/office/drawing/2014/main" id="{DC792EE4-7F30-B01C-70BF-0F8DDE444581}"/>
-              </a:ext>
-            </a:extLst>
-          </p:cNvPr>
-          <p:cNvSpPr>
-            <a:spLocks noGrp="1"/>
-          </p:cNvSpPr>
-          <p:nvPr>
-            <p:ph type="title"/>
-          </p:nvPr>
-        </p:nvSpPr>
-        <p:spPr/>
-        <p:txBody>
-          <a:bodyPr/>
-          <a:lstStyle/>
-          <a:p>
-            <a:r>
-              <a:rPr lang="en-GB" dirty="0"/>
-              <a:t>How do we answer research questions?</a:t>
-            </a:r>
-          </a:p>
-        </p:txBody>
-      </p:sp>
-      <p:sp>
-        <p:nvSpPr>
-          <p:cNvPr id="3" name="Content Placeholder 2">
-            <a:extLst>
-              <a:ext uri="{FF2B5EF4-FFF2-40B4-BE49-F238E27FC236}">
-                <a16:creationId xmlns:a16="http://schemas.microsoft.com/office/drawing/2014/main" id="{529FFE39-C942-1863-58CD-D8D7084E1308}"/>
-              </a:ext>
-            </a:extLst>
-          </p:cNvPr>
-          <p:cNvSpPr>
-            <a:spLocks noGrp="1"/>
-          </p:cNvSpPr>
-          <p:nvPr>
-            <p:ph idx="1"/>
-          </p:nvPr>
-        </p:nvSpPr>
-        <p:spPr>
-          <a:xfrm>
-            <a:off x="838200" y="1589650"/>
-            <a:ext cx="5385620" cy="4351338"/>
-          </a:xfrm>
-        </p:spPr>
-        <p:txBody>
-          <a:bodyPr>
-            <a:normAutofit lnSpcReduction="10000"/>
-          </a:bodyPr>
-          <a:lstStyle/>
-          <a:p>
-            <a:pPr marL="0" indent="0">
-              <a:buNone/>
-            </a:pPr>
-            <a:r>
-              <a:rPr lang="en-GB" dirty="0"/>
-              <a:t>Most questions are of the form: </a:t>
-            </a:r>
-          </a:p>
-          <a:p>
-            <a:pPr marL="0" indent="0">
-              <a:buNone/>
-            </a:pPr>
-            <a:r>
-              <a:rPr lang="en-GB" dirty="0"/>
-              <a:t>Does X affect Y?</a:t>
-            </a:r>
-          </a:p>
-          <a:p>
-            <a:endParaRPr lang="en-GB" dirty="0"/>
-          </a:p>
-          <a:p>
-            <a:r>
-              <a:rPr lang="en-GB" dirty="0"/>
-              <a:t>Which metabolites are affected by my intervention?</a:t>
-            </a:r>
-          </a:p>
-          <a:p>
-            <a:r>
-              <a:rPr lang="en-GB" dirty="0"/>
-              <a:t>Does treatment improve outcome?</a:t>
-            </a:r>
-          </a:p>
-          <a:p>
-            <a:r>
-              <a:rPr lang="en-GB" dirty="0"/>
-              <a:t>Can the microbiome predict Alzheimer’s disease</a:t>
-            </a:r>
-          </a:p>
-          <a:p>
-            <a:r>
-              <a:rPr lang="en-GB" dirty="0"/>
-              <a:t>Etc…</a:t>
-            </a:r>
-          </a:p>
-        </p:txBody>
-      </p:sp>
-      <p:sp>
-        <p:nvSpPr>
-          <p:cNvPr id="4" name="Content Placeholder 2">
-            <a:extLst>
-              <a:ext uri="{FF2B5EF4-FFF2-40B4-BE49-F238E27FC236}">
-                <a16:creationId xmlns:a16="http://schemas.microsoft.com/office/drawing/2014/main" id="{C08FAE9B-D82E-B23E-998E-1CE2BAA586BB}"/>
-              </a:ext>
-            </a:extLst>
-          </p:cNvPr>
-          <p:cNvSpPr txBox="1">
-            <a:spLocks/>
-          </p:cNvSpPr>
-          <p:nvPr/>
-        </p:nvSpPr>
-        <p:spPr>
-          <a:xfrm>
-            <a:off x="7176310" y="1933203"/>
-            <a:ext cx="4362135" cy="1585320"/>
-          </a:xfrm>
-          <a:prstGeom prst="rect">
-            <a:avLst/>
-          </a:prstGeom>
-        </p:spPr>
-        <p:txBody>
-          <a:bodyPr vert="horz" lIns="91440" tIns="45720" rIns="91440" bIns="45720" rtlCol="0">
-            <a:normAutofit fontScale="77500" lnSpcReduction="20000"/>
-          </a:bodyPr>
-          <a:lstStyle>
-            <a:lvl1pPr marL="228600" indent="-228600" algn="l" defTabSz="914400" rtl="0" eaLnBrk="1" latinLnBrk="0" hangingPunct="1">
-              <a:lnSpc>
-                <a:spcPct val="90000"/>
-              </a:lnSpc>
-              <a:spcBef>
-                <a:spcPts val="1000"/>
-              </a:spcBef>
-              <a:buFont typeface="Arial" panose="020B0604020202020204" pitchFamily="34" charset="0"/>
-              <a:buChar char="•"/>
-              <a:defRPr sz="2800" kern="1200">
-                <a:solidFill>
-                  <a:schemeClr val="tx1"/>
-                </a:solidFill>
-                <a:latin typeface="+mn-lt"/>
-                <a:ea typeface="+mn-ea"/>
-                <a:cs typeface="+mn-cs"/>
-              </a:defRPr>
-            </a:lvl1pPr>
-            <a:lvl2pPr marL="685800" indent="-228600" algn="l" defTabSz="914400" rtl="0" eaLnBrk="1" latinLnBrk="0" hangingPunct="1">
-              <a:lnSpc>
-                <a:spcPct val="90000"/>
-              </a:lnSpc>
-              <a:spcBef>
-                <a:spcPts val="500"/>
-              </a:spcBef>
-              <a:buFont typeface="Arial" panose="020B0604020202020204" pitchFamily="34" charset="0"/>
-              <a:buChar char="•"/>
-              <a:defRPr sz="2400" kern="1200">
-                <a:solidFill>
-                  <a:schemeClr val="tx1"/>
-                </a:solidFill>
-                <a:latin typeface="+mn-lt"/>
-                <a:ea typeface="+mn-ea"/>
-                <a:cs typeface="+mn-cs"/>
-              </a:defRPr>
-            </a:lvl2pPr>
-            <a:lvl3pPr marL="1143000" indent="-228600" algn="l" defTabSz="914400" rtl="0" eaLnBrk="1" latinLnBrk="0" hangingPunct="1">
-              <a:lnSpc>
-                <a:spcPct val="90000"/>
-              </a:lnSpc>
-              <a:spcBef>
-                <a:spcPts val="500"/>
-              </a:spcBef>
-              <a:buFont typeface="Arial" panose="020B0604020202020204" pitchFamily="34" charset="0"/>
-              <a:buChar char="•"/>
-              <a:defRPr sz="2000" kern="1200">
-                <a:solidFill>
-                  <a:schemeClr val="tx1"/>
-                </a:solidFill>
-                <a:latin typeface="+mn-lt"/>
-                <a:ea typeface="+mn-ea"/>
-                <a:cs typeface="+mn-cs"/>
-              </a:defRPr>
-            </a:lvl3pPr>
-            <a:lvl4pPr marL="1600200" indent="-228600" algn="l" defTabSz="914400" rtl="0" eaLnBrk="1" latinLnBrk="0" hangingPunct="1">
-              <a:lnSpc>
-                <a:spcPct val="90000"/>
-              </a:lnSpc>
-              <a:spcBef>
-                <a:spcPts val="500"/>
-              </a:spcBef>
-              <a:buFont typeface="Arial" panose="020B0604020202020204" pitchFamily="34" charset="0"/>
-              <a:buChar char="•"/>
-              <a:defRPr sz="1800" kern="1200">
-                <a:solidFill>
-                  <a:schemeClr val="tx1"/>
-                </a:solidFill>
-                <a:latin typeface="+mn-lt"/>
-                <a:ea typeface="+mn-ea"/>
-                <a:cs typeface="+mn-cs"/>
-              </a:defRPr>
-            </a:lvl4pPr>
-            <a:lvl5pPr marL="2057400" indent="-228600" algn="l" defTabSz="914400" rtl="0" eaLnBrk="1" latinLnBrk="0" hangingPunct="1">
-              <a:lnSpc>
-                <a:spcPct val="90000"/>
-              </a:lnSpc>
-              <a:spcBef>
-                <a:spcPts val="500"/>
-              </a:spcBef>
-              <a:buFont typeface="Arial" panose="020B0604020202020204" pitchFamily="34" charset="0"/>
-              <a:buChar char="•"/>
-              <a:defRPr sz="1800" kern="1200">
-                <a:solidFill>
-                  <a:schemeClr val="tx1"/>
-                </a:solidFill>
-                <a:latin typeface="+mn-lt"/>
-                <a:ea typeface="+mn-ea"/>
-                <a:cs typeface="+mn-cs"/>
-              </a:defRPr>
-            </a:lvl5pPr>
-            <a:lvl6pPr marL="2514600" indent="-228600" algn="l" defTabSz="914400" rtl="0" eaLnBrk="1" latinLnBrk="0" hangingPunct="1">
-              <a:lnSpc>
-                <a:spcPct val="90000"/>
-              </a:lnSpc>
-              <a:spcBef>
-                <a:spcPts val="500"/>
-              </a:spcBef>
-              <a:buFont typeface="Arial" panose="020B0604020202020204" pitchFamily="34" charset="0"/>
-              <a:buChar char="•"/>
-              <a:defRPr sz="1800" kern="1200">
-                <a:solidFill>
-                  <a:schemeClr val="tx1"/>
-                </a:solidFill>
-                <a:latin typeface="+mn-lt"/>
-                <a:ea typeface="+mn-ea"/>
-                <a:cs typeface="+mn-cs"/>
-              </a:defRPr>
-            </a:lvl6pPr>
-            <a:lvl7pPr marL="2971800" indent="-228600" algn="l" defTabSz="914400" rtl="0" eaLnBrk="1" latinLnBrk="0" hangingPunct="1">
-              <a:lnSpc>
-                <a:spcPct val="90000"/>
-              </a:lnSpc>
-              <a:spcBef>
-                <a:spcPts val="500"/>
-              </a:spcBef>
-              <a:buFont typeface="Arial" panose="020B0604020202020204" pitchFamily="34" charset="0"/>
-              <a:buChar char="•"/>
-              <a:defRPr sz="1800" kern="1200">
-                <a:solidFill>
-                  <a:schemeClr val="tx1"/>
-                </a:solidFill>
-                <a:latin typeface="+mn-lt"/>
-                <a:ea typeface="+mn-ea"/>
-                <a:cs typeface="+mn-cs"/>
-              </a:defRPr>
-            </a:lvl7pPr>
-            <a:lvl8pPr marL="3429000" indent="-228600" algn="l" defTabSz="914400" rtl="0" eaLnBrk="1" latinLnBrk="0" hangingPunct="1">
-              <a:lnSpc>
-                <a:spcPct val="90000"/>
-              </a:lnSpc>
-              <a:spcBef>
-                <a:spcPts val="500"/>
-              </a:spcBef>
-              <a:buFont typeface="Arial" panose="020B0604020202020204" pitchFamily="34" charset="0"/>
-              <a:buChar char="•"/>
-              <a:defRPr sz="1800" kern="1200">
-                <a:solidFill>
-                  <a:schemeClr val="tx1"/>
-                </a:solidFill>
-                <a:latin typeface="+mn-lt"/>
-                <a:ea typeface="+mn-ea"/>
-                <a:cs typeface="+mn-cs"/>
-              </a:defRPr>
-            </a:lvl8pPr>
-            <a:lvl9pPr marL="3886200" indent="-228600" algn="l" defTabSz="914400" rtl="0" eaLnBrk="1" latinLnBrk="0" hangingPunct="1">
-              <a:lnSpc>
-                <a:spcPct val="90000"/>
-              </a:lnSpc>
-              <a:spcBef>
-                <a:spcPts val="500"/>
-              </a:spcBef>
-              <a:buFont typeface="Arial" panose="020B0604020202020204" pitchFamily="34" charset="0"/>
-              <a:buChar char="•"/>
-              <a:defRPr sz="1800" kern="1200">
-                <a:solidFill>
-                  <a:schemeClr val="tx1"/>
-                </a:solidFill>
-                <a:latin typeface="+mn-lt"/>
-                <a:ea typeface="+mn-ea"/>
-                <a:cs typeface="+mn-cs"/>
-              </a:defRPr>
-            </a:lvl9pPr>
-          </a:lstStyle>
-          <a:p>
-            <a:pPr marL="0" indent="0">
-              <a:buNone/>
-            </a:pPr>
-            <a:r>
-              <a:rPr lang="en-GB" dirty="0">
-                <a:solidFill>
-                  <a:schemeClr val="bg1"/>
-                </a:solidFill>
-              </a:rPr>
-              <a:t>Are these questions answerable by our methods?</a:t>
-            </a:r>
-          </a:p>
-          <a:p>
-            <a:pPr marL="0" indent="0">
-              <a:buNone/>
-            </a:pPr>
-            <a:endParaRPr lang="en-GB" dirty="0">
-              <a:solidFill>
-                <a:schemeClr val="bg1"/>
-              </a:solidFill>
-            </a:endParaRPr>
-          </a:p>
-          <a:p>
-            <a:pPr marL="0" indent="0">
-              <a:buNone/>
-            </a:pPr>
-            <a:r>
-              <a:rPr lang="en-GB" dirty="0">
-                <a:solidFill>
-                  <a:schemeClr val="bg1"/>
-                </a:solidFill>
-              </a:rPr>
-              <a:t>But.. our collaborators want answers and do not like uncertainty</a:t>
-            </a:r>
-          </a:p>
-        </p:txBody>
-      </p:sp>
-      <p:sp>
-        <p:nvSpPr>
-          <p:cNvPr id="6" name="TextBox 5">
-            <a:extLst>
-              <a:ext uri="{FF2B5EF4-FFF2-40B4-BE49-F238E27FC236}">
-                <a16:creationId xmlns:a16="http://schemas.microsoft.com/office/drawing/2014/main" id="{13B0EE40-BBF9-FE05-FB10-A9F4DD69231A}"/>
-              </a:ext>
-            </a:extLst>
-          </p:cNvPr>
-          <p:cNvSpPr txBox="1"/>
-          <p:nvPr/>
-        </p:nvSpPr>
-        <p:spPr>
-          <a:xfrm>
-            <a:off x="7063530" y="3912804"/>
-            <a:ext cx="4587696" cy="1077218"/>
-          </a:xfrm>
-          <a:prstGeom prst="rect">
-            <a:avLst/>
-          </a:prstGeom>
-        </p:spPr>
-        <p:style>
-          <a:lnRef idx="2">
-            <a:schemeClr val="accent1">
-              <a:shade val="50000"/>
-            </a:schemeClr>
-          </a:lnRef>
-          <a:fillRef idx="1">
-            <a:schemeClr val="accent1"/>
-          </a:fillRef>
-          <a:effectRef idx="0">
-            <a:schemeClr val="accent1"/>
-          </a:effectRef>
-          <a:fontRef idx="minor">
-            <a:schemeClr val="lt1"/>
-          </a:fontRef>
-        </p:style>
-        <p:txBody>
-          <a:bodyPr wrap="square">
-            <a:spAutoFit/>
-          </a:bodyPr>
-          <a:lstStyle/>
-          <a:p>
-            <a:pPr algn="ctr"/>
-            <a:r>
-              <a:rPr lang="en-GB" sz="3200" dirty="0">
-                <a:latin typeface="MV Boli" panose="02000500030200090000" pitchFamily="2" charset="0"/>
-                <a:cs typeface="MV Boli" panose="02000500030200090000" pitchFamily="2" charset="0"/>
-              </a:rPr>
-              <a:t>p&lt;0.05</a:t>
-            </a:r>
-          </a:p>
-          <a:p>
-            <a:pPr algn="ctr"/>
-            <a:r>
-              <a:rPr lang="en-GB" sz="3200" dirty="0">
-                <a:latin typeface="MV Boli" panose="02000500030200090000" pitchFamily="2" charset="0"/>
-                <a:cs typeface="MV Boli" panose="02000500030200090000" pitchFamily="2" charset="0"/>
-              </a:rPr>
-              <a:t>The arbiter of truth!</a:t>
-            </a:r>
-          </a:p>
-        </p:txBody>
-      </p:sp>
-      <p:sp>
-        <p:nvSpPr>
-          <p:cNvPr id="5" name="Content Placeholder 2">
-            <a:extLst>
-              <a:ext uri="{FF2B5EF4-FFF2-40B4-BE49-F238E27FC236}">
-                <a16:creationId xmlns:a16="http://schemas.microsoft.com/office/drawing/2014/main" id="{42911ED8-7D06-E2B8-E316-D8EB300C3E0E}"/>
-              </a:ext>
-            </a:extLst>
-          </p:cNvPr>
-          <p:cNvSpPr txBox="1">
-            <a:spLocks/>
-          </p:cNvSpPr>
-          <p:nvPr/>
-        </p:nvSpPr>
-        <p:spPr>
-          <a:xfrm>
-            <a:off x="7176309" y="5429223"/>
-            <a:ext cx="4362135" cy="882677"/>
-          </a:xfrm>
-          <a:prstGeom prst="rect">
-            <a:avLst/>
-          </a:prstGeom>
-        </p:spPr>
-        <p:txBody>
-          <a:bodyPr vert="horz" lIns="91440" tIns="45720" rIns="91440" bIns="45720" rtlCol="0">
-            <a:normAutofit/>
-          </a:bodyPr>
-          <a:lstStyle>
-            <a:lvl1pPr marL="228600" indent="-228600" algn="l" defTabSz="914400" rtl="0" eaLnBrk="1" latinLnBrk="0" hangingPunct="1">
-              <a:lnSpc>
-                <a:spcPct val="90000"/>
-              </a:lnSpc>
-              <a:spcBef>
-                <a:spcPts val="1000"/>
-              </a:spcBef>
-              <a:buFont typeface="Arial" panose="020B0604020202020204" pitchFamily="34" charset="0"/>
-              <a:buChar char="•"/>
-              <a:defRPr sz="2800" kern="1200">
-                <a:solidFill>
-                  <a:schemeClr val="tx1"/>
-                </a:solidFill>
-                <a:latin typeface="+mn-lt"/>
-                <a:ea typeface="+mn-ea"/>
-                <a:cs typeface="+mn-cs"/>
-              </a:defRPr>
-            </a:lvl1pPr>
-            <a:lvl2pPr marL="685800" indent="-228600" algn="l" defTabSz="914400" rtl="0" eaLnBrk="1" latinLnBrk="0" hangingPunct="1">
-              <a:lnSpc>
-                <a:spcPct val="90000"/>
-              </a:lnSpc>
-              <a:spcBef>
-                <a:spcPts val="500"/>
-              </a:spcBef>
-              <a:buFont typeface="Arial" panose="020B0604020202020204" pitchFamily="34" charset="0"/>
-              <a:buChar char="•"/>
-              <a:defRPr sz="2400" kern="1200">
-                <a:solidFill>
-                  <a:schemeClr val="tx1"/>
-                </a:solidFill>
-                <a:latin typeface="+mn-lt"/>
-                <a:ea typeface="+mn-ea"/>
-                <a:cs typeface="+mn-cs"/>
-              </a:defRPr>
-            </a:lvl2pPr>
-            <a:lvl3pPr marL="1143000" indent="-228600" algn="l" defTabSz="914400" rtl="0" eaLnBrk="1" latinLnBrk="0" hangingPunct="1">
-              <a:lnSpc>
-                <a:spcPct val="90000"/>
-              </a:lnSpc>
-              <a:spcBef>
-                <a:spcPts val="500"/>
-              </a:spcBef>
-              <a:buFont typeface="Arial" panose="020B0604020202020204" pitchFamily="34" charset="0"/>
-              <a:buChar char="•"/>
-              <a:defRPr sz="2000" kern="1200">
-                <a:solidFill>
-                  <a:schemeClr val="tx1"/>
-                </a:solidFill>
-                <a:latin typeface="+mn-lt"/>
-                <a:ea typeface="+mn-ea"/>
-                <a:cs typeface="+mn-cs"/>
-              </a:defRPr>
-            </a:lvl3pPr>
-            <a:lvl4pPr marL="1600200" indent="-228600" algn="l" defTabSz="914400" rtl="0" eaLnBrk="1" latinLnBrk="0" hangingPunct="1">
-              <a:lnSpc>
-                <a:spcPct val="90000"/>
-              </a:lnSpc>
-              <a:spcBef>
-                <a:spcPts val="500"/>
-              </a:spcBef>
-              <a:buFont typeface="Arial" panose="020B0604020202020204" pitchFamily="34" charset="0"/>
-              <a:buChar char="•"/>
-              <a:defRPr sz="1800" kern="1200">
-                <a:solidFill>
-                  <a:schemeClr val="tx1"/>
-                </a:solidFill>
-                <a:latin typeface="+mn-lt"/>
-                <a:ea typeface="+mn-ea"/>
-                <a:cs typeface="+mn-cs"/>
-              </a:defRPr>
-            </a:lvl4pPr>
-            <a:lvl5pPr marL="2057400" indent="-228600" algn="l" defTabSz="914400" rtl="0" eaLnBrk="1" latinLnBrk="0" hangingPunct="1">
-              <a:lnSpc>
-                <a:spcPct val="90000"/>
-              </a:lnSpc>
-              <a:spcBef>
-                <a:spcPts val="500"/>
-              </a:spcBef>
-              <a:buFont typeface="Arial" panose="020B0604020202020204" pitchFamily="34" charset="0"/>
-              <a:buChar char="•"/>
-              <a:defRPr sz="1800" kern="1200">
-                <a:solidFill>
-                  <a:schemeClr val="tx1"/>
-                </a:solidFill>
-                <a:latin typeface="+mn-lt"/>
-                <a:ea typeface="+mn-ea"/>
-                <a:cs typeface="+mn-cs"/>
-              </a:defRPr>
-            </a:lvl5pPr>
-            <a:lvl6pPr marL="2514600" indent="-228600" algn="l" defTabSz="914400" rtl="0" eaLnBrk="1" latinLnBrk="0" hangingPunct="1">
-              <a:lnSpc>
-                <a:spcPct val="90000"/>
-              </a:lnSpc>
-              <a:spcBef>
-                <a:spcPts val="500"/>
-              </a:spcBef>
-              <a:buFont typeface="Arial" panose="020B0604020202020204" pitchFamily="34" charset="0"/>
-              <a:buChar char="•"/>
-              <a:defRPr sz="1800" kern="1200">
-                <a:solidFill>
-                  <a:schemeClr val="tx1"/>
-                </a:solidFill>
-                <a:latin typeface="+mn-lt"/>
-                <a:ea typeface="+mn-ea"/>
-                <a:cs typeface="+mn-cs"/>
-              </a:defRPr>
-            </a:lvl6pPr>
-            <a:lvl7pPr marL="2971800" indent="-228600" algn="l" defTabSz="914400" rtl="0" eaLnBrk="1" latinLnBrk="0" hangingPunct="1">
-              <a:lnSpc>
-                <a:spcPct val="90000"/>
-              </a:lnSpc>
-              <a:spcBef>
-                <a:spcPts val="500"/>
-              </a:spcBef>
-              <a:buFont typeface="Arial" panose="020B0604020202020204" pitchFamily="34" charset="0"/>
-              <a:buChar char="•"/>
-              <a:defRPr sz="1800" kern="1200">
-                <a:solidFill>
-                  <a:schemeClr val="tx1"/>
-                </a:solidFill>
-                <a:latin typeface="+mn-lt"/>
-                <a:ea typeface="+mn-ea"/>
-                <a:cs typeface="+mn-cs"/>
-              </a:defRPr>
-            </a:lvl7pPr>
-            <a:lvl8pPr marL="3429000" indent="-228600" algn="l" defTabSz="914400" rtl="0" eaLnBrk="1" latinLnBrk="0" hangingPunct="1">
-              <a:lnSpc>
-                <a:spcPct val="90000"/>
-              </a:lnSpc>
-              <a:spcBef>
-                <a:spcPts val="500"/>
-              </a:spcBef>
-              <a:buFont typeface="Arial" panose="020B0604020202020204" pitchFamily="34" charset="0"/>
-              <a:buChar char="•"/>
-              <a:defRPr sz="1800" kern="1200">
-                <a:solidFill>
-                  <a:schemeClr val="tx1"/>
-                </a:solidFill>
-                <a:latin typeface="+mn-lt"/>
-                <a:ea typeface="+mn-ea"/>
-                <a:cs typeface="+mn-cs"/>
-              </a:defRPr>
-            </a:lvl8pPr>
-            <a:lvl9pPr marL="3886200" indent="-228600" algn="l" defTabSz="914400" rtl="0" eaLnBrk="1" latinLnBrk="0" hangingPunct="1">
-              <a:lnSpc>
-                <a:spcPct val="90000"/>
-              </a:lnSpc>
-              <a:spcBef>
-                <a:spcPts val="500"/>
-              </a:spcBef>
-              <a:buFont typeface="Arial" panose="020B0604020202020204" pitchFamily="34" charset="0"/>
-              <a:buChar char="•"/>
-              <a:defRPr sz="1800" kern="1200">
-                <a:solidFill>
-                  <a:schemeClr val="tx1"/>
-                </a:solidFill>
-                <a:latin typeface="+mn-lt"/>
-                <a:ea typeface="+mn-ea"/>
-                <a:cs typeface="+mn-cs"/>
-              </a:defRPr>
-            </a:lvl9pPr>
-          </a:lstStyle>
-          <a:p>
-            <a:pPr marL="0" indent="0">
-              <a:buNone/>
-            </a:pPr>
-            <a:r>
-              <a:rPr lang="en-GB" dirty="0">
-                <a:solidFill>
-                  <a:schemeClr val="bg1"/>
-                </a:solidFill>
-              </a:rPr>
-              <a:t>Sometimes it feels like this is all we need</a:t>
-            </a:r>
-          </a:p>
-        </p:txBody>
-      </p:sp>
-    </p:spTree>
-    <p:extLst>
-      <p:ext uri="{BB962C8B-B14F-4D97-AF65-F5344CB8AC3E}">
-        <p14:creationId xmlns:p14="http://schemas.microsoft.com/office/powerpoint/2010/main" val="928374770"/>
-      </p:ext>
-    </p:extLst>
-  </p:cSld>
-  <p:clrMapOvr>
-    <a:masterClrMapping/>
-  </p:clrMapOvr>
-  <p:timing>
-    <p:tnLst>
-      <p:par>
-        <p:cTn id="1" dur="indefinite" restart="never" nodeType="tmRoot">
-          <p:childTnLst>
-            <p:seq concurrent="1" nextAc="seek">
-              <p:cTn id="2" dur="indefinite" nodeType="mainSeq">
-                <p:childTnLst>
-                  <p:par>
-                    <p:cTn id="3" fill="hold">
-                      <p:stCondLst>
-                        <p:cond delay="indefinite"/>
-                      </p:stCondLst>
-                      <p:childTnLst>
-                        <p:par>
-                          <p:cTn id="4" fill="hold">
-                            <p:stCondLst>
-                              <p:cond delay="0"/>
-                            </p:stCondLst>
-                            <p:childTnLst>
-                              <p:par>
-                                <p:cTn id="5" presetID="1" presetClass="entr" presetSubtype="0" fill="hold" grpId="0" nodeType="clickEffect">
-                                  <p:stCondLst>
-                                    <p:cond delay="0"/>
-                                  </p:stCondLst>
-                                  <p:childTnLst>
-                                    <p:set>
-                                      <p:cBhvr>
-                                        <p:cTn id="6" dur="1" fill="hold">
-                                          <p:stCondLst>
-                                            <p:cond delay="0"/>
-                                          </p:stCondLst>
-                                        </p:cTn>
-                                        <p:tgtEl>
-                                          <p:spTgt spid="6"/>
-                                        </p:tgtEl>
-                                        <p:attrNameLst>
-                                          <p:attrName>style.visibility</p:attrName>
-                                        </p:attrNameLst>
-                                      </p:cBhvr>
-                                      <p:to>
-                                        <p:strVal val="visible"/>
-                                      </p:to>
-                                    </p:set>
-                                  </p:childTnLst>
-                                </p:cTn>
-                              </p:par>
-                            </p:childTnLst>
-                          </p:cTn>
-                        </p:par>
-                      </p:childTnLst>
-                    </p:cTn>
-                  </p:par>
-                  <p:par>
-                    <p:cTn id="7" fill="hold">
-                      <p:stCondLst>
-                        <p:cond delay="indefinite"/>
-                      </p:stCondLst>
-                      <p:childTnLst>
-                        <p:par>
-                          <p:cTn id="8" fill="hold">
-                            <p:stCondLst>
-                              <p:cond delay="0"/>
-                            </p:stCondLst>
-                            <p:childTnLst>
-                              <p:par>
-                                <p:cTn id="9" presetID="1" presetClass="entr" presetSubtype="0" fill="hold" grpId="0" nodeType="clickEffect">
-                                  <p:stCondLst>
-                                    <p:cond delay="0"/>
-                                  </p:stCondLst>
-                                  <p:childTnLst>
-                                    <p:set>
-                                      <p:cBhvr>
-                                        <p:cTn id="10" dur="1" fill="hold">
-                                          <p:stCondLst>
-                                            <p:cond delay="0"/>
-                                          </p:stCondLst>
-                                        </p:cTn>
-                                        <p:tgtEl>
-                                          <p:spTgt spid="5"/>
-                                        </p:tgtEl>
-                                        <p:attrNameLst>
-                                          <p:attrName>style.visibility</p:attrName>
-                                        </p:attrNameLst>
-                                      </p:cBhvr>
-                                      <p:to>
-                                        <p:strVal val="visible"/>
-                                      </p:to>
-                                    </p:set>
-                                  </p:childTnLst>
-                                </p:cTn>
-                              </p:par>
-                            </p:childTnLst>
-                          </p:cTn>
-                        </p:par>
-                      </p:childTnLst>
-                    </p:cTn>
-                  </p:par>
-                  <p:par>
-                    <p:cTn id="11" fill="hold">
-                      <p:stCondLst>
-                        <p:cond delay="indefinite"/>
-                      </p:stCondLst>
-                      <p:childTnLst>
-                        <p:par>
-                          <p:cTn id="12" fill="hold">
-                            <p:stCondLst>
-                              <p:cond delay="0"/>
-                            </p:stCondLst>
-                            <p:childTnLst>
-                              <p:par>
-                                <p:cTn id="13" presetID="1" presetClass="entr" presetSubtype="0" fill="hold" grpId="0" nodeType="clickEffect">
-                                  <p:stCondLst>
-                                    <p:cond delay="0"/>
-                                  </p:stCondLst>
-                                  <p:childTnLst>
-                                    <p:set>
-                                      <p:cBhvr>
-                                        <p:cTn id="14" dur="1" fill="hold">
-                                          <p:stCondLst>
-                                            <p:cond delay="0"/>
-                                          </p:stCondLst>
-                                        </p:cTn>
-                                        <p:tgtEl>
-                                          <p:spTgt spid="4"/>
-                                        </p:tgtEl>
-                                        <p:attrNameLst>
-                                          <p:attrName>style.visibility</p:attrName>
-                                        </p:attrNameLst>
-                                      </p:cBhvr>
-                                      <p:to>
-                                        <p:strVal val="visible"/>
-                                      </p:to>
-                                    </p:set>
-                                  </p:childTnLst>
-                                </p:cTn>
-                              </p:par>
-                            </p:childTnLst>
-                          </p:cTn>
-                        </p:par>
-                      </p:childTnLst>
-                    </p:cTn>
-                  </p:par>
-                </p:childTnLst>
-              </p:cTn>
-              <p:prevCondLst>
-                <p:cond evt="onPrev" delay="0">
-                  <p:tgtEl>
-                    <p:sldTgt/>
-                  </p:tgtEl>
-                </p:cond>
-              </p:prevCondLst>
-              <p:nextCondLst>
-                <p:cond evt="onNext" delay="0">
-                  <p:tgtEl>
-                    <p:sldTgt/>
-                  </p:tgtEl>
-                </p:cond>
-              </p:nextCondLst>
-            </p:seq>
-          </p:childTnLst>
-        </p:cTn>
-      </p:par>
-    </p:tnLst>
-    <p:bldLst>
-      <p:bldP spid="4" grpId="0"/>
-      <p:bldP spid="6" grpId="0" animBg="1"/>
-      <p:bldP spid="5" grpId="0"/>
-    </p:bldLst>
-  </p:timing>
-</p:sld>
-</file>
-
-<file path=ppt/slides/slide20.xml><?xml version="1.0" encoding="utf-8"?>
+<file path=ppt/slides/slide21.xml><?xml version="1.0" encoding="utf-8"?>
 <p:sld xmlns:a="http://schemas.openxmlformats.org/drawingml/2006/main" xmlns:r="http://schemas.openxmlformats.org/officeDocument/2006/relationships" xmlns:p="http://schemas.openxmlformats.org/presentationml/2006/main">
   <p:cSld>
     <p:spTree>
@@ -12440,16 +12860,34 @@
           </a:p>
           <a:p>
             <a:r>
+              <a:rPr lang="en-GB" dirty="0">
+                <a:hlinkClick r:id="rId2">
+                  <a:extLst>
+                    <a:ext uri="{A12FA001-AC4F-418D-AE19-62706E023703}">
+                      <ahyp:hlinkClr xmlns:ahyp="http://schemas.microsoft.com/office/drawing/2018/hyperlinkcolor" val="tx"/>
+                    </a:ext>
+                  </a:extLst>
+                </a:hlinkClick>
+              </a:rPr>
+              <a:t>Example: https://explorablemultiverse.github.io/examples/frequentist/</a:t>
+            </a:r>
+            <a:r>
               <a:rPr lang="en-GB" dirty="0"/>
-              <a:t>How to interpret?</a:t>
+              <a:t> </a:t>
             </a:r>
           </a:p>
           <a:p>
             <a:r>
               <a:rPr lang="en-GB" dirty="0">
-                <a:hlinkClick r:id="rId2"/>
+                <a:hlinkClick r:id="rId3">
+                  <a:extLst>
+                    <a:ext uri="{A12FA001-AC4F-418D-AE19-62706E023703}">
+                      <ahyp:hlinkClr xmlns:ahyp="http://schemas.microsoft.com/office/drawing/2018/hyperlinkcolor" val="tx"/>
+                    </a:ext>
+                  </a:extLst>
+                </a:hlinkClick>
               </a:rPr>
-              <a:t>https://explorablemultiverse.github.io/examples/frequentist/</a:t>
+              <a:t>Review: https://onlinelibrary.wiley.com/doi/full/10.1111/cgf.14443</a:t>
             </a:r>
             <a:r>
               <a:rPr lang="en-GB" dirty="0"/>
@@ -12487,16 +12925,19 @@
             </a:r>
             <a:r>
               <a:rPr lang="en-GB" dirty="0"/>
-              <a:t>OK? (for the p-value logic to truly hold, this may be the only answer)</a:t>
+              <a:t>OK?</a:t>
             </a:r>
           </a:p>
           <a:p>
             <a:r>
               <a:rPr lang="en-GB" dirty="0"/>
-              <a:t>Is this possible?  Just choose the default settings?</a:t>
-            </a:r>
-          </a:p>
-          <a:p>
+              <a:t>Is this possible?</a:t>
+            </a:r>
+          </a:p>
+          <a:p>
+            <a:pPr marL="0" indent="0">
+              <a:buNone/>
+            </a:pPr>
             <a:endParaRPr lang="en-GB" dirty="0"/>
           </a:p>
           <a:p>
@@ -13095,7 +13536,7 @@
 </p:sld>
 </file>
 
-<file path=ppt/slides/slide21.xml><?xml version="1.0" encoding="utf-8"?>
+<file path=ppt/slides/slide22.xml><?xml version="1.0" encoding="utf-8"?>
 <p:sld xmlns:a="http://schemas.openxmlformats.org/drawingml/2006/main" xmlns:r="http://schemas.openxmlformats.org/officeDocument/2006/relationships" xmlns:p="http://schemas.openxmlformats.org/presentationml/2006/main">
   <p:cSld>
     <p:spTree>
@@ -13140,7 +13581,7 @@
           <a:p>
             <a:r>
               <a:rPr lang="en-GB" dirty="0"/>
-              <a:t>Is replication the only real answer?</a:t>
+              <a:t>Is  multi-phase research the only real answer?</a:t>
             </a:r>
           </a:p>
         </p:txBody>
@@ -13212,7 +13653,7 @@
             </a:r>
             <a:r>
               <a:rPr lang="en-GB" dirty="0"/>
-              <a:t> be easy in biological sciences</a:t>
+              <a:t> be easy in basic biological sciences</a:t>
             </a:r>
           </a:p>
           <a:p>
@@ -13225,7 +13666,7 @@
             </a:r>
             <a:r>
               <a:rPr lang="en-GB" b="1" dirty="0"/>
-              <a:t>completely pre-registered </a:t>
+              <a:t>completely pre-registered and powered </a:t>
             </a:r>
             <a:r>
               <a:rPr lang="en-GB" dirty="0"/>
@@ -13271,7 +13712,7 @@
 </p:sld>
 </file>
 
-<file path=ppt/slides/slide22.xml><?xml version="1.0" encoding="utf-8"?>
+<file path=ppt/slides/slide23.xml><?xml version="1.0" encoding="utf-8"?>
 <p:sld xmlns:a="http://schemas.openxmlformats.org/drawingml/2006/main" xmlns:r="http://schemas.openxmlformats.org/officeDocument/2006/relationships" xmlns:p="http://schemas.openxmlformats.org/presentationml/2006/main">
   <p:cSld>
     <p:spTree>
@@ -13781,8 +14222,8 @@
         </p:nvSpPr>
         <p:spPr>
           <a:xfrm>
-            <a:off x="662032" y="451520"/>
-            <a:ext cx="10515600" cy="1010669"/>
+            <a:off x="0" y="278901"/>
+            <a:ext cx="12192000" cy="1010669"/>
           </a:xfrm>
         </p:spPr>
         <p:txBody>
@@ -13942,7 +14383,7 @@
                   <a:schemeClr val="bg1"/>
                 </a:solidFill>
               </a:rPr>
-              <a:t>(Bayes is just sparkling frequentism.)</a:t>
+              <a:t>(Bayesian statistics is just sparkling frequentism.)</a:t>
             </a:r>
           </a:p>
           <a:p>
@@ -14721,9 +15162,9 @@
           <p:nvPr/>
         </p:nvSpPr>
         <p:spPr>
-          <a:xfrm rot="14631623">
-            <a:off x="7644765" y="3643488"/>
-            <a:ext cx="658368" cy="1574406"/>
+          <a:xfrm rot="15105742">
+            <a:off x="7824288" y="3773351"/>
+            <a:ext cx="384904" cy="1574406"/>
           </a:xfrm>
           <a:prstGeom prst="downArrow">
             <a:avLst/>
@@ -14754,47 +15195,6 @@
           </a:p>
         </p:txBody>
       </p:sp>
-      <p:pic>
-        <p:nvPicPr>
-          <p:cNvPr id="10" name="Picture 9" descr="A picture containing human face, text, clothing, person&#10;&#10;Description automatically generated">
-            <a:extLst>
-              <a:ext uri="{FF2B5EF4-FFF2-40B4-BE49-F238E27FC236}">
-                <a16:creationId xmlns:a16="http://schemas.microsoft.com/office/drawing/2014/main" id="{F814116E-B4F4-3FCA-A4A6-1527C2518632}"/>
-              </a:ext>
-            </a:extLst>
-          </p:cNvPr>
-          <p:cNvPicPr>
-            <a:picLocks noChangeAspect="1"/>
-          </p:cNvPicPr>
-          <p:nvPr/>
-        </p:nvPicPr>
-        <p:blipFill>
-          <a:blip r:embed="rId2">
-            <a:extLst>
-              <a:ext uri="{28A0092B-C50C-407E-A947-70E740481C1C}">
-                <a14:useLocalDpi xmlns:a14="http://schemas.microsoft.com/office/drawing/2010/main" val="0"/>
-              </a:ext>
-            </a:extLst>
-          </a:blip>
-          <a:stretch>
-            <a:fillRect/>
-          </a:stretch>
-        </p:blipFill>
-        <p:spPr>
-          <a:xfrm>
-            <a:off x="8914133" y="3532451"/>
-            <a:ext cx="2894027" cy="2894027"/>
-          </a:xfrm>
-          <a:prstGeom prst="rect">
-            <a:avLst/>
-          </a:prstGeom>
-          <a:ln>
-            <a:solidFill>
-              <a:schemeClr val="accent1"/>
-            </a:solidFill>
-          </a:ln>
-        </p:spPr>
-      </p:pic>
       <p:sp>
         <p:nvSpPr>
           <p:cNvPr id="9" name="Arrow: Down 8">
@@ -14808,9 +15208,9 @@
           <p:nvPr/>
         </p:nvSpPr>
         <p:spPr>
-          <a:xfrm rot="17760026">
-            <a:off x="7644643" y="4998315"/>
-            <a:ext cx="658368" cy="1574406"/>
+          <a:xfrm rot="17123778">
+            <a:off x="7815005" y="4925408"/>
+            <a:ext cx="416056" cy="1574406"/>
           </a:xfrm>
           <a:prstGeom prst="downArrow">
             <a:avLst/>
@@ -14841,6 +15241,42 @@
           </a:p>
         </p:txBody>
       </p:sp>
+      <p:pic>
+        <p:nvPicPr>
+          <p:cNvPr id="12" name="Picture 11" descr="A person in a red coat&#10;&#10;Description automatically generated with low confidence">
+            <a:extLst>
+              <a:ext uri="{FF2B5EF4-FFF2-40B4-BE49-F238E27FC236}">
+                <a16:creationId xmlns:a16="http://schemas.microsoft.com/office/drawing/2014/main" id="{8BCDCF0D-39EE-9077-43C1-0D1BA9E3D8CD}"/>
+              </a:ext>
+            </a:extLst>
+          </p:cNvPr>
+          <p:cNvPicPr>
+            <a:picLocks noChangeAspect="1"/>
+          </p:cNvPicPr>
+          <p:nvPr/>
+        </p:nvPicPr>
+        <p:blipFill>
+          <a:blip r:embed="rId2">
+            <a:extLst>
+              <a:ext uri="{28A0092B-C50C-407E-A947-70E740481C1C}">
+                <a14:useLocalDpi xmlns:a14="http://schemas.microsoft.com/office/drawing/2010/main" val="0"/>
+              </a:ext>
+            </a:extLst>
+          </a:blip>
+          <a:stretch>
+            <a:fillRect/>
+          </a:stretch>
+        </p:blipFill>
+        <p:spPr>
+          <a:xfrm>
+            <a:off x="8948557" y="3533252"/>
+            <a:ext cx="3079531" cy="3079531"/>
+          </a:xfrm>
+          <a:prstGeom prst="rect">
+            <a:avLst/>
+          </a:prstGeom>
+        </p:spPr>
+      </p:pic>
     </p:spTree>
     <p:extLst>
       <p:ext uri="{BB962C8B-B14F-4D97-AF65-F5344CB8AC3E}">
@@ -14851,6 +15287,157 @@
   <p:clrMapOvr>
     <a:masterClrMapping/>
   </p:clrMapOvr>
+  <p:timing>
+    <p:tnLst>
+      <p:par>
+        <p:cTn id="1" dur="indefinite" restart="never" nodeType="tmRoot">
+          <p:childTnLst>
+            <p:seq concurrent="1" nextAc="seek">
+              <p:cTn id="2" dur="indefinite" nodeType="mainSeq">
+                <p:childTnLst>
+                  <p:par>
+                    <p:cTn id="3" fill="hold">
+                      <p:stCondLst>
+                        <p:cond delay="indefinite"/>
+                      </p:stCondLst>
+                      <p:childTnLst>
+                        <p:par>
+                          <p:cTn id="4" fill="hold">
+                            <p:stCondLst>
+                              <p:cond delay="0"/>
+                            </p:stCondLst>
+                            <p:childTnLst>
+                              <p:par>
+                                <p:cTn id="5" presetID="1" presetClass="entr" presetSubtype="0" fill="hold" grpId="0" nodeType="clickEffect">
+                                  <p:stCondLst>
+                                    <p:cond delay="0"/>
+                                  </p:stCondLst>
+                                  <p:childTnLst>
+                                    <p:set>
+                                      <p:cBhvr>
+                                        <p:cTn id="6" dur="1" fill="hold">
+                                          <p:stCondLst>
+                                            <p:cond delay="0"/>
+                                          </p:stCondLst>
+                                        </p:cTn>
+                                        <p:tgtEl>
+                                          <p:spTgt spid="8"/>
+                                        </p:tgtEl>
+                                        <p:attrNameLst>
+                                          <p:attrName>style.visibility</p:attrName>
+                                        </p:attrNameLst>
+                                      </p:cBhvr>
+                                      <p:to>
+                                        <p:strVal val="visible"/>
+                                      </p:to>
+                                    </p:set>
+                                  </p:childTnLst>
+                                </p:cTn>
+                              </p:par>
+                              <p:par>
+                                <p:cTn id="7" presetID="1" presetClass="entr" presetSubtype="0" fill="hold" grpId="0" nodeType="withEffect">
+                                  <p:stCondLst>
+                                    <p:cond delay="0"/>
+                                  </p:stCondLst>
+                                  <p:childTnLst>
+                                    <p:set>
+                                      <p:cBhvr>
+                                        <p:cTn id="8" dur="1" fill="hold">
+                                          <p:stCondLst>
+                                            <p:cond delay="0"/>
+                                          </p:stCondLst>
+                                        </p:cTn>
+                                        <p:tgtEl>
+                                          <p:spTgt spid="9"/>
+                                        </p:tgtEl>
+                                        <p:attrNameLst>
+                                          <p:attrName>style.visibility</p:attrName>
+                                        </p:attrNameLst>
+                                      </p:cBhvr>
+                                      <p:to>
+                                        <p:strVal val="visible"/>
+                                      </p:to>
+                                    </p:set>
+                                  </p:childTnLst>
+                                </p:cTn>
+                              </p:par>
+                            </p:childTnLst>
+                          </p:cTn>
+                        </p:par>
+                      </p:childTnLst>
+                    </p:cTn>
+                  </p:par>
+                  <p:par>
+                    <p:cTn id="9" fill="hold">
+                      <p:stCondLst>
+                        <p:cond delay="indefinite"/>
+                      </p:stCondLst>
+                      <p:childTnLst>
+                        <p:par>
+                          <p:cTn id="10" fill="hold">
+                            <p:stCondLst>
+                              <p:cond delay="0"/>
+                            </p:stCondLst>
+                            <p:childTnLst>
+                              <p:par>
+                                <p:cTn id="11" presetID="1" presetClass="entr" presetSubtype="0" fill="hold" nodeType="clickEffect">
+                                  <p:stCondLst>
+                                    <p:cond delay="0"/>
+                                  </p:stCondLst>
+                                  <p:childTnLst>
+                                    <p:set>
+                                      <p:cBhvr>
+                                        <p:cTn id="12" dur="1" fill="hold">
+                                          <p:stCondLst>
+                                            <p:cond delay="0"/>
+                                          </p:stCondLst>
+                                        </p:cTn>
+                                        <p:tgtEl>
+                                          <p:spTgt spid="12"/>
+                                        </p:tgtEl>
+                                        <p:attrNameLst>
+                                          <p:attrName>style.visibility</p:attrName>
+                                        </p:attrNameLst>
+                                      </p:cBhvr>
+                                      <p:to>
+                                        <p:strVal val="visible"/>
+                                      </p:to>
+                                    </p:set>
+                                  </p:childTnLst>
+                                </p:cTn>
+                              </p:par>
+                            </p:childTnLst>
+                          </p:cTn>
+                        </p:par>
+                      </p:childTnLst>
+                    </p:cTn>
+                  </p:par>
+                </p:childTnLst>
+              </p:cTn>
+              <p:prevCondLst>
+                <p:cond evt="onPrev" delay="0">
+                  <p:tgtEl>
+                    <p:sldTgt/>
+                  </p:tgtEl>
+                </p:cond>
+              </p:prevCondLst>
+              <p:nextCondLst>
+                <p:cond evt="onNext" delay="0">
+                  <p:tgtEl>
+                    <p:sldTgt/>
+                  </p:tgtEl>
+                </p:cond>
+              </p:nextCondLst>
+            </p:seq>
+          </p:childTnLst>
+        </p:cTn>
+      </p:par>
+    </p:tnLst>
+    <p:bldLst>
+      <p:bldP spid="8" grpId="0" animBg="1"/>
+      <p:bldP spid="9" grpId="0" animBg="1"/>
+    </p:bldLst>
+  </p:timing>
 </p:sld>
 </file>
 
@@ -14999,7 +15586,7 @@
             </a:pPr>
             <a:r>
               <a:rPr lang="en-GB" sz="2200" dirty="0"/>
-              <a:t>At this threshold the chance of missing a true effect is less than 5%</a:t>
+              <a:t>At this threshold, the chance of missing a true effect is less than 5%</a:t>
             </a:r>
           </a:p>
           <a:p>
@@ -16119,8 +16706,8 @@
               <a:buNone/>
             </a:pPr>
             <a:r>
-              <a:rPr lang="en-GB" b="1" dirty="0"/>
-              <a:t>Suppose we are comparing rates of disease incidence between a group of people who take a probiotic compared to those who don’t.</a:t>
+              <a:rPr lang="en-GB" dirty="0"/>
+              <a:t>Suppose an observational study compared disease incidence between a group of people who took a probiotic compared to a group who did not.</a:t>
             </a:r>
           </a:p>
           <a:p>
@@ -16135,7 +16722,7 @@
             </a:pPr>
             <a:r>
               <a:rPr lang="en-GB" dirty="0"/>
-              <a:t>“…disease incidence was lower in the probiotic group (p&lt;0.05)…”</a:t>
+              <a:t>“…disease incidence was lower (RR=0.5) in the probiotic group (p&lt;0.05)…”</a:t>
             </a:r>
           </a:p>
           <a:p>
@@ -16147,7 +16734,7 @@
             </a:pPr>
             <a:r>
               <a:rPr lang="en-GB" dirty="0"/>
-              <a:t>How about these statements</a:t>
+              <a:t>How about these statements?</a:t>
             </a:r>
           </a:p>
           <a:p>
@@ -16228,7 +16815,7 @@
                                         <p:tgtEl>
                                           <p:spTgt spid="3">
                                             <p:txEl>
-                                              <p:pRg st="0" end="0"/>
+                                              <p:pRg st="2" end="2"/>
                                             </p:txEl>
                                           </p:spTgt>
                                         </p:tgtEl>
@@ -16277,7 +16864,7 @@
                                         <p:tgtEl>
                                           <p:spTgt spid="3">
                                             <p:txEl>
-                                              <p:pRg st="2" end="2"/>
+                                              <p:pRg st="4" end="4"/>
                                             </p:txEl>
                                           </p:spTgt>
                                         </p:tgtEl>
@@ -16326,7 +16913,7 @@
                                         <p:tgtEl>
                                           <p:spTgt spid="3">
                                             <p:txEl>
-                                              <p:pRg st="4" end="4"/>
+                                              <p:pRg st="6" end="6"/>
                                             </p:txEl>
                                           </p:spTgt>
                                         </p:tgtEl>
@@ -16368,55 +16955,6 @@
                                     <p:set>
                                       <p:cBhvr>
                                         <p:cTn id="18" dur="1" fill="hold">
-                                          <p:stCondLst>
-                                            <p:cond delay="0"/>
-                                          </p:stCondLst>
-                                        </p:cTn>
-                                        <p:tgtEl>
-                                          <p:spTgt spid="3">
-                                            <p:txEl>
-                                              <p:pRg st="6" end="6"/>
-                                            </p:txEl>
-                                          </p:spTgt>
-                                        </p:tgtEl>
-                                        <p:attrNameLst>
-                                          <p:attrName>style.visibility</p:attrName>
-                                        </p:attrNameLst>
-                                      </p:cBhvr>
-                                      <p:to>
-                                        <p:strVal val="visible"/>
-                                      </p:to>
-                                    </p:set>
-                                  </p:childTnLst>
-                                </p:cTn>
-                              </p:par>
-                            </p:childTnLst>
-                          </p:cTn>
-                        </p:par>
-                      </p:childTnLst>
-                    </p:cTn>
-                  </p:par>
-                  <p:par>
-                    <p:cTn id="19" fill="hold">
-                      <p:stCondLst>
-                        <p:cond delay="indefinite"/>
-                      </p:stCondLst>
-                      <p:childTnLst>
-                        <p:par>
-                          <p:cTn id="20" fill="hold">
-                            <p:stCondLst>
-                              <p:cond delay="0"/>
-                            </p:stCondLst>
-                            <p:childTnLst>
-                              <p:par>
-                                <p:cTn id="21" presetID="1" presetClass="entr" presetSubtype="0" fill="hold" grpId="0" nodeType="clickEffect">
-                                  <p:stCondLst>
-                                    <p:cond delay="0"/>
-                                  </p:stCondLst>
-                                  <p:childTnLst>
-                                    <p:set>
-                                      <p:cBhvr>
-                                        <p:cTn id="22" dur="1" fill="hold">
                                           <p:stCondLst>
                                             <p:cond delay="0"/>
                                           </p:stCondLst>
@@ -16967,6 +17505,12 @@
           <a:p>
             <a:r>
               <a:rPr lang="en-GB" dirty="0"/>
+              <a:t>The alternative hypothesis could be very unlikely in itself.</a:t>
+            </a:r>
+          </a:p>
+          <a:p>
+            <a:r>
+              <a:rPr lang="en-GB" dirty="0"/>
               <a:t>Studies can be underpowered</a:t>
             </a:r>
           </a:p>
@@ -16974,12 +17518,6 @@
             <a:r>
               <a:rPr lang="en-GB" dirty="0"/>
               <a:t>The data may be just as unlikely under an alternative hypothesis!</a:t>
-            </a:r>
-          </a:p>
-          <a:p>
-            <a:r>
-              <a:rPr lang="en-GB" dirty="0"/>
-              <a:t>The alternative hypothesis could be very unlikely in itself.</a:t>
             </a:r>
           </a:p>
           <a:p>
